--- a/Documentos/Diagrama de clases .pptx
+++ b/Documentos/Diagrama de clases .pptx
@@ -244,7 +244,7 @@
           <a:p>
             <a:fld id="{761B82EC-0E7A-1D43-9F13-C1D8E66B749A}" type="datetimeFigureOut">
               <a:rPr lang="en-CO" smtClean="0"/>
-              <a:t>05/17/2025</a:t>
+              <a:t>05/19/2025</a:t>
             </a:fld>
             <a:endParaRPr lang="en-CO"/>
           </a:p>
@@ -414,7 +414,7 @@
           <a:p>
             <a:fld id="{761B82EC-0E7A-1D43-9F13-C1D8E66B749A}" type="datetimeFigureOut">
               <a:rPr lang="en-CO" smtClean="0"/>
-              <a:t>05/17/2025</a:t>
+              <a:t>05/19/2025</a:t>
             </a:fld>
             <a:endParaRPr lang="en-CO"/>
           </a:p>
@@ -594,7 +594,7 @@
           <a:p>
             <a:fld id="{761B82EC-0E7A-1D43-9F13-C1D8E66B749A}" type="datetimeFigureOut">
               <a:rPr lang="en-CO" smtClean="0"/>
-              <a:t>05/17/2025</a:t>
+              <a:t>05/19/2025</a:t>
             </a:fld>
             <a:endParaRPr lang="en-CO"/>
           </a:p>
@@ -764,7 +764,7 @@
           <a:p>
             <a:fld id="{761B82EC-0E7A-1D43-9F13-C1D8E66B749A}" type="datetimeFigureOut">
               <a:rPr lang="en-CO" smtClean="0"/>
-              <a:t>05/17/2025</a:t>
+              <a:t>05/19/2025</a:t>
             </a:fld>
             <a:endParaRPr lang="en-CO"/>
           </a:p>
@@ -1010,7 +1010,7 @@
           <a:p>
             <a:fld id="{761B82EC-0E7A-1D43-9F13-C1D8E66B749A}" type="datetimeFigureOut">
               <a:rPr lang="en-CO" smtClean="0"/>
-              <a:t>05/17/2025</a:t>
+              <a:t>05/19/2025</a:t>
             </a:fld>
             <a:endParaRPr lang="en-CO"/>
           </a:p>
@@ -1242,7 +1242,7 @@
           <a:p>
             <a:fld id="{761B82EC-0E7A-1D43-9F13-C1D8E66B749A}" type="datetimeFigureOut">
               <a:rPr lang="en-CO" smtClean="0"/>
-              <a:t>05/17/2025</a:t>
+              <a:t>05/19/2025</a:t>
             </a:fld>
             <a:endParaRPr lang="en-CO"/>
           </a:p>
@@ -1609,7 +1609,7 @@
           <a:p>
             <a:fld id="{761B82EC-0E7A-1D43-9F13-C1D8E66B749A}" type="datetimeFigureOut">
               <a:rPr lang="en-CO" smtClean="0"/>
-              <a:t>05/17/2025</a:t>
+              <a:t>05/19/2025</a:t>
             </a:fld>
             <a:endParaRPr lang="en-CO"/>
           </a:p>
@@ -1727,7 +1727,7 @@
           <a:p>
             <a:fld id="{761B82EC-0E7A-1D43-9F13-C1D8E66B749A}" type="datetimeFigureOut">
               <a:rPr lang="en-CO" smtClean="0"/>
-              <a:t>05/17/2025</a:t>
+              <a:t>05/19/2025</a:t>
             </a:fld>
             <a:endParaRPr lang="en-CO"/>
           </a:p>
@@ -1822,7 +1822,7 @@
           <a:p>
             <a:fld id="{761B82EC-0E7A-1D43-9F13-C1D8E66B749A}" type="datetimeFigureOut">
               <a:rPr lang="en-CO" smtClean="0"/>
-              <a:t>05/17/2025</a:t>
+              <a:t>05/19/2025</a:t>
             </a:fld>
             <a:endParaRPr lang="en-CO"/>
           </a:p>
@@ -2099,7 +2099,7 @@
           <a:p>
             <a:fld id="{761B82EC-0E7A-1D43-9F13-C1D8E66B749A}" type="datetimeFigureOut">
               <a:rPr lang="en-CO" smtClean="0"/>
-              <a:t>05/17/2025</a:t>
+              <a:t>05/19/2025</a:t>
             </a:fld>
             <a:endParaRPr lang="en-CO"/>
           </a:p>
@@ -2356,7 +2356,7 @@
           <a:p>
             <a:fld id="{761B82EC-0E7A-1D43-9F13-C1D8E66B749A}" type="datetimeFigureOut">
               <a:rPr lang="en-CO" smtClean="0"/>
-              <a:t>05/17/2025</a:t>
+              <a:t>05/19/2025</a:t>
             </a:fld>
             <a:endParaRPr lang="en-CO"/>
           </a:p>
@@ -2569,7 +2569,7 @@
           <a:p>
             <a:fld id="{761B82EC-0E7A-1D43-9F13-C1D8E66B749A}" type="datetimeFigureOut">
               <a:rPr lang="en-CO" smtClean="0"/>
-              <a:t>05/17/2025</a:t>
+              <a:t>05/19/2025</a:t>
             </a:fld>
             <a:endParaRPr lang="en-CO"/>
           </a:p>
@@ -2989,14 +2989,14 @@
           <p:nvPr>
             <p:extLst>
               <p:ext uri="{D42A27DB-BD31-4B8C-83A1-F6EECF244321}">
-                <p14:modId xmlns:p14="http://schemas.microsoft.com/office/powerpoint/2010/main" val="2285992520"/>
+                <p14:modId xmlns:p14="http://schemas.microsoft.com/office/powerpoint/2010/main" val="1994567745"/>
               </p:ext>
             </p:extLst>
           </p:nvPr>
         </p:nvGraphicFramePr>
         <p:xfrm>
-          <a:off x="3808273" y="131121"/>
-          <a:ext cx="1527453" cy="2522220"/>
+          <a:off x="3808276" y="241"/>
+          <a:ext cx="1527453" cy="2278380"/>
         </p:xfrm>
         <a:graphic>
           <a:graphicData uri="http://schemas.openxmlformats.org/drawingml/2006/table">
@@ -3043,7 +3043,7 @@
                     <a:p>
                       <a:r>
                         <a:rPr lang="en-US" sz="800" dirty="0"/>
-                        <a:t>– </a:t>
+                        <a:t>- </a:t>
                       </a:r>
                       <a:r>
                         <a:rPr lang="en-US" sz="800" dirty="0" err="1"/>
@@ -3057,7 +3057,7 @@
                     <a:p>
                       <a:r>
                         <a:rPr lang="en-US" sz="800" dirty="0"/>
-                        <a:t>– </a:t>
+                        <a:t>- </a:t>
                       </a:r>
                       <a:r>
                         <a:rPr lang="en-US" sz="800" dirty="0" err="1"/>
@@ -3071,7 +3071,7 @@
                     <a:p>
                       <a:r>
                         <a:rPr lang="en-US" sz="800" dirty="0"/>
-                        <a:t>– </a:t>
+                        <a:t>- </a:t>
                       </a:r>
                       <a:r>
                         <a:rPr lang="en-US" sz="800" dirty="0" err="1"/>
@@ -3375,634 +3375,7 @@
                         <a:rPr lang="es-419" sz="800" dirty="0" err="1"/>
                         <a:t>bool</a:t>
                       </a:r>
-                      <a:endParaRPr lang="es-419" sz="800" dirty="0"/>
-                    </a:p>
-                    <a:p>
-                      <a:r>
-                        <a:rPr lang="es-419" sz="800" dirty="0"/>
-                        <a:t>+ </a:t>
-                      </a:r>
-                      <a:r>
-                        <a:rPr lang="es-419" sz="800" dirty="0" err="1"/>
-                        <a:t>operator</a:t>
-                      </a:r>
-                      <a:r>
-                        <a:rPr lang="es-419" sz="800" dirty="0"/>
-                        <a:t>+(</a:t>
-                      </a:r>
-                      <a:r>
-                        <a:rPr lang="es-419" sz="800" dirty="0" err="1"/>
-                        <a:t>cantidadNoches</a:t>
-                      </a:r>
-                      <a:r>
-                        <a:rPr lang="es-419" sz="800" dirty="0"/>
-                        <a:t>: </a:t>
-                      </a:r>
-                      <a:r>
-                        <a:rPr lang="es-419" sz="800" dirty="0" err="1"/>
-                        <a:t>int</a:t>
-                      </a:r>
-                      <a:r>
-                        <a:rPr lang="es-419" sz="800" dirty="0"/>
-                        <a:t>): Fecha</a:t>
-                      </a:r>
                       <a:endParaRPr lang="en-CO" sz="800" dirty="0"/>
-                    </a:p>
-                  </a:txBody>
-                  <a:tcPr marL="68580" marR="68580" marT="34290" marB="34290"/>
-                </a:tc>
-                <a:extLst>
-                  <a:ext uri="{0D108BD9-81ED-4DB2-BD59-A6C34878D82A}">
-                    <a16:rowId xmlns:a16="http://schemas.microsoft.com/office/drawing/2014/main" val="2815277544"/>
-                  </a:ext>
-                </a:extLst>
-              </a:tr>
-            </a:tbl>
-          </a:graphicData>
-        </a:graphic>
-      </p:graphicFrame>
-      <p:graphicFrame>
-        <p:nvGraphicFramePr>
-          <p:cNvPr id="8" name="Table 7">
-            <a:extLst>
-              <a:ext uri="{FF2B5EF4-FFF2-40B4-BE49-F238E27FC236}">
-                <a16:creationId xmlns:a16="http://schemas.microsoft.com/office/drawing/2014/main" id="{DBA6ECAA-FB23-3C26-7FC4-D2B8AF74520F}"/>
-              </a:ext>
-            </a:extLst>
-          </p:cNvPr>
-          <p:cNvGraphicFramePr>
-            <a:graphicFrameLocks noGrp="1"/>
-          </p:cNvGraphicFramePr>
-          <p:nvPr>
-            <p:extLst>
-              <p:ext uri="{D42A27DB-BD31-4B8C-83A1-F6EECF244321}">
-                <p14:modId xmlns:p14="http://schemas.microsoft.com/office/powerpoint/2010/main" val="208122489"/>
-              </p:ext>
-            </p:extLst>
-          </p:nvPr>
-        </p:nvGraphicFramePr>
-        <p:xfrm>
-          <a:off x="556283" y="5096517"/>
-          <a:ext cx="2388550" cy="3771900"/>
-        </p:xfrm>
-        <a:graphic>
-          <a:graphicData uri="http://schemas.openxmlformats.org/drawingml/2006/table">
-            <a:tbl>
-              <a:tblPr firstRow="1" bandRow="1">
-                <a:tableStyleId>{5940675A-B579-460E-94D1-54222C63F5DA}</a:tableStyleId>
-              </a:tblPr>
-              <a:tblGrid>
-                <a:gridCol w="2388550">
-                  <a:extLst>
-                    <a:ext uri="{9D8B030D-6E8A-4147-A177-3AD203B41FA5}">
-                      <a16:colId xmlns:a16="http://schemas.microsoft.com/office/drawing/2014/main" val="2587242417"/>
-                    </a:ext>
-                  </a:extLst>
-                </a:gridCol>
-              </a:tblGrid>
-              <a:tr h="110327">
-                <a:tc>
-                  <a:txBody>
-                    <a:bodyPr/>
-                    <a:lstStyle/>
-                    <a:p>
-                      <a:pPr algn="ctr"/>
-                      <a:r>
-                        <a:rPr lang="es-419" sz="900" dirty="0"/>
-                        <a:t>Huésped</a:t>
-                      </a:r>
-                      <a:endParaRPr lang="en-CO" sz="900" dirty="0"/>
-                    </a:p>
-                  </a:txBody>
-                  <a:tcPr marL="68580" marR="68580" marT="34290" marB="34290"/>
-                </a:tc>
-                <a:extLst>
-                  <a:ext uri="{0D108BD9-81ED-4DB2-BD59-A6C34878D82A}">
-                    <a16:rowId xmlns:a16="http://schemas.microsoft.com/office/drawing/2014/main" val="3263559475"/>
-                  </a:ext>
-                </a:extLst>
-              </a:tr>
-              <a:tr h="640080">
-                <a:tc>
-                  <a:txBody>
-                    <a:bodyPr/>
-                    <a:lstStyle/>
-                    <a:p>
-                      <a:r>
-                        <a:rPr lang="es-ES" sz="900" dirty="0"/>
-                        <a:t>– documento: </a:t>
-                      </a:r>
-                      <a:r>
-                        <a:rPr lang="es-ES" sz="900" dirty="0" err="1"/>
-                        <a:t>char</a:t>
-                      </a:r>
-                      <a:r>
-                        <a:rPr lang="es-ES" sz="900" dirty="0"/>
-                        <a:t>*</a:t>
-                      </a:r>
-                    </a:p>
-                    <a:p>
-                      <a:r>
-                        <a:rPr lang="es-ES" sz="900" dirty="0"/>
-                        <a:t>– nombre: </a:t>
-                      </a:r>
-                      <a:r>
-                        <a:rPr lang="es-ES" sz="900" dirty="0" err="1"/>
-                        <a:t>char</a:t>
-                      </a:r>
-                      <a:r>
-                        <a:rPr lang="es-ES" sz="900" dirty="0"/>
-                        <a:t>*</a:t>
-                      </a:r>
-                    </a:p>
-                    <a:p>
-                      <a:r>
-                        <a:rPr lang="es-ES" sz="900" dirty="0"/>
-                        <a:t>– </a:t>
-                      </a:r>
-                      <a:r>
-                        <a:rPr lang="es-ES" sz="900" dirty="0" err="1"/>
-                        <a:t>antiguedadEnMeses</a:t>
-                      </a:r>
-                      <a:r>
-                        <a:rPr lang="es-ES" sz="900" dirty="0"/>
-                        <a:t>: </a:t>
-                      </a:r>
-                      <a:r>
-                        <a:rPr lang="es-ES" sz="900" dirty="0" err="1"/>
-                        <a:t>int</a:t>
-                      </a:r>
-                      <a:endParaRPr lang="es-ES" sz="900" dirty="0"/>
-                    </a:p>
-                    <a:p>
-                      <a:r>
-                        <a:rPr lang="es-ES" sz="900" dirty="0"/>
-                        <a:t>– </a:t>
-                      </a:r>
-                      <a:r>
-                        <a:rPr lang="es-ES" sz="900" dirty="0" err="1"/>
-                        <a:t>puntuacion</a:t>
-                      </a:r>
-                      <a:r>
-                        <a:rPr lang="es-ES" sz="900" dirty="0"/>
-                        <a:t>: </a:t>
-                      </a:r>
-                      <a:r>
-                        <a:rPr lang="es-ES" sz="900" dirty="0" err="1"/>
-                        <a:t>float</a:t>
-                      </a:r>
-                      <a:endParaRPr lang="es-ES" sz="900" dirty="0"/>
-                    </a:p>
-                    <a:p>
-                      <a:r>
-                        <a:rPr lang="es-ES" sz="900" dirty="0"/>
-                        <a:t>– </a:t>
-                      </a:r>
-                      <a:r>
-                        <a:rPr lang="es-ES" sz="900" dirty="0" err="1"/>
-                        <a:t>listaReservaciones</a:t>
-                      </a:r>
-                      <a:r>
-                        <a:rPr lang="es-ES" sz="900" dirty="0"/>
-                        <a:t>: </a:t>
-                      </a:r>
-                      <a:r>
-                        <a:rPr lang="es-ES" sz="900" dirty="0" err="1"/>
-                        <a:t>Reservacion</a:t>
-                      </a:r>
-                      <a:r>
-                        <a:rPr lang="es-ES" sz="900" dirty="0"/>
-                        <a:t>**</a:t>
-                      </a:r>
-                    </a:p>
-                    <a:p>
-                      <a:r>
-                        <a:rPr lang="es-ES" sz="900" dirty="0"/>
-                        <a:t>– </a:t>
-                      </a:r>
-                      <a:r>
-                        <a:rPr lang="es-ES" sz="900" dirty="0" err="1"/>
-                        <a:t>cantidadReservaciones</a:t>
-                      </a:r>
-                      <a:r>
-                        <a:rPr lang="es-ES" sz="900" dirty="0"/>
-                        <a:t>: </a:t>
-                      </a:r>
-                      <a:r>
-                        <a:rPr lang="es-ES" sz="900" dirty="0" err="1"/>
-                        <a:t>int</a:t>
-                      </a:r>
-                      <a:endParaRPr lang="es-ES" sz="900" dirty="0"/>
-                    </a:p>
-                    <a:p>
-                      <a:r>
-                        <a:rPr lang="es-ES" sz="900" dirty="0"/>
-                        <a:t>– </a:t>
-                      </a:r>
-                      <a:r>
-                        <a:rPr lang="es-ES" sz="900" dirty="0" err="1"/>
-                        <a:t>capacidadReservaciones</a:t>
-                      </a:r>
-                      <a:r>
-                        <a:rPr lang="es-ES" sz="900" dirty="0"/>
-                        <a:t>: </a:t>
-                      </a:r>
-                      <a:r>
-                        <a:rPr lang="es-ES" sz="900" dirty="0" err="1"/>
-                        <a:t>int</a:t>
-                      </a:r>
-                      <a:endParaRPr lang="en-CO" sz="900" dirty="0"/>
-                    </a:p>
-                  </a:txBody>
-                  <a:tcPr marL="68580" marR="68580" marT="34290" marB="34290"/>
-                </a:tc>
-                <a:extLst>
-                  <a:ext uri="{0D108BD9-81ED-4DB2-BD59-A6C34878D82A}">
-                    <a16:rowId xmlns:a16="http://schemas.microsoft.com/office/drawing/2014/main" val="2954312317"/>
-                  </a:ext>
-                </a:extLst>
-              </a:tr>
-              <a:tr h="1097280">
-                <a:tc>
-                  <a:txBody>
-                    <a:bodyPr/>
-                    <a:lstStyle/>
-                    <a:p>
-                      <a:r>
-                        <a:rPr lang="es-419" sz="900" dirty="0"/>
-                        <a:t>+ </a:t>
-                      </a:r>
-                      <a:r>
-                        <a:rPr lang="es-419" sz="900" dirty="0" err="1"/>
-                        <a:t>Huesped</a:t>
-                      </a:r>
-                      <a:r>
-                        <a:rPr lang="es-419" sz="900" dirty="0"/>
-                        <a:t>(documento: </a:t>
-                      </a:r>
-                      <a:r>
-                        <a:rPr lang="es-419" sz="900" dirty="0" err="1"/>
-                        <a:t>char</a:t>
-                      </a:r>
-                      <a:r>
-                        <a:rPr lang="es-419" sz="900" dirty="0"/>
-                        <a:t>*, nombre: </a:t>
-                      </a:r>
-                      <a:r>
-                        <a:rPr lang="es-419" sz="900" dirty="0" err="1"/>
-                        <a:t>char</a:t>
-                      </a:r>
-                      <a:r>
-                        <a:rPr lang="es-419" sz="900" dirty="0"/>
-                        <a:t>*, </a:t>
-                      </a:r>
-                      <a:r>
-                        <a:rPr lang="es-419" sz="900" dirty="0" err="1"/>
-                        <a:t>antiguedad</a:t>
-                      </a:r>
-                      <a:r>
-                        <a:rPr lang="es-419" sz="900" dirty="0"/>
-                        <a:t>: </a:t>
-                      </a:r>
-                      <a:r>
-                        <a:rPr lang="es-419" sz="900" dirty="0" err="1"/>
-                        <a:t>int</a:t>
-                      </a:r>
-                      <a:r>
-                        <a:rPr lang="es-419" sz="900" dirty="0"/>
-                        <a:t>)</a:t>
-                      </a:r>
-                    </a:p>
-                    <a:p>
-                      <a:r>
-                        <a:rPr lang="es-419" sz="900" dirty="0"/>
-                        <a:t>+ </a:t>
-                      </a:r>
-                      <a:r>
-                        <a:rPr lang="es-419" sz="900" dirty="0" err="1"/>
-                        <a:t>Huesped</a:t>
-                      </a:r>
-                      <a:r>
-                        <a:rPr lang="es-419" sz="900" dirty="0"/>
-                        <a:t>(</a:t>
-                      </a:r>
-                      <a:r>
-                        <a:rPr lang="es-419" sz="900" dirty="0" err="1"/>
-                        <a:t>const</a:t>
-                      </a:r>
-                      <a:r>
-                        <a:rPr lang="es-419" sz="900" dirty="0"/>
-                        <a:t> </a:t>
-                      </a:r>
-                      <a:r>
-                        <a:rPr lang="es-419" sz="900" dirty="0" err="1"/>
-                        <a:t>Huesped</a:t>
-                      </a:r>
-                      <a:r>
-                        <a:rPr lang="es-419" sz="900" dirty="0"/>
-                        <a:t>&amp; otro)</a:t>
-                      </a:r>
-                    </a:p>
-                    <a:p>
-                      <a:r>
-                        <a:rPr lang="es-419" sz="900" dirty="0"/>
-                        <a:t>+ ~</a:t>
-                      </a:r>
-                      <a:r>
-                        <a:rPr lang="es-419" sz="900" dirty="0" err="1"/>
-                        <a:t>Huesped</a:t>
-                      </a:r>
-                      <a:r>
-                        <a:rPr lang="es-419" sz="900" dirty="0"/>
-                        <a:t>()</a:t>
-                      </a:r>
-                    </a:p>
-                    <a:p>
-                      <a:r>
-                        <a:rPr lang="es-419" sz="900" dirty="0"/>
-                        <a:t>+ </a:t>
-                      </a:r>
-                      <a:r>
-                        <a:rPr lang="es-419" sz="900" dirty="0" err="1"/>
-                        <a:t>getDocumentoIdentidad</a:t>
-                      </a:r>
-                      <a:r>
-                        <a:rPr lang="es-419" sz="900" dirty="0"/>
-                        <a:t>(): </a:t>
-                      </a:r>
-                      <a:r>
-                        <a:rPr lang="es-419" sz="900" dirty="0" err="1"/>
-                        <a:t>char</a:t>
-                      </a:r>
-                      <a:r>
-                        <a:rPr lang="es-419" sz="900" dirty="0"/>
-                        <a:t>*</a:t>
-                      </a:r>
-                    </a:p>
-                    <a:p>
-                      <a:r>
-                        <a:rPr lang="es-419" sz="900" dirty="0"/>
-                        <a:t>+ </a:t>
-                      </a:r>
-                      <a:r>
-                        <a:rPr lang="es-419" sz="900" dirty="0" err="1"/>
-                        <a:t>getNombreCompleto</a:t>
-                      </a:r>
-                      <a:r>
-                        <a:rPr lang="es-419" sz="900" dirty="0"/>
-                        <a:t>(): </a:t>
-                      </a:r>
-                      <a:r>
-                        <a:rPr lang="es-419" sz="900" dirty="0" err="1"/>
-                        <a:t>char</a:t>
-                      </a:r>
-                      <a:r>
-                        <a:rPr lang="es-419" sz="900" dirty="0"/>
-                        <a:t>*</a:t>
-                      </a:r>
-                    </a:p>
-                    <a:p>
-                      <a:r>
-                        <a:rPr lang="es-419" sz="900" dirty="0"/>
-                        <a:t>+ </a:t>
-                      </a:r>
-                      <a:r>
-                        <a:rPr lang="es-419" sz="900" dirty="0" err="1"/>
-                        <a:t>setNombreCompleto</a:t>
-                      </a:r>
-                      <a:r>
-                        <a:rPr lang="es-419" sz="900" dirty="0"/>
-                        <a:t>(nombre: </a:t>
-                      </a:r>
-                      <a:r>
-                        <a:rPr lang="es-419" sz="900" dirty="0" err="1"/>
-                        <a:t>char</a:t>
-                      </a:r>
-                      <a:r>
-                        <a:rPr lang="es-419" sz="900" dirty="0"/>
-                        <a:t>*): </a:t>
-                      </a:r>
-                      <a:r>
-                        <a:rPr lang="es-419" sz="900" dirty="0" err="1"/>
-                        <a:t>void</a:t>
-                      </a:r>
-                      <a:endParaRPr lang="es-419" sz="900" dirty="0"/>
-                    </a:p>
-                    <a:p>
-                      <a:r>
-                        <a:rPr lang="es-419" sz="900" dirty="0"/>
-                        <a:t>+ </a:t>
-                      </a:r>
-                      <a:r>
-                        <a:rPr lang="es-419" sz="900" dirty="0" err="1"/>
-                        <a:t>getAntiguedadEnMeses</a:t>
-                      </a:r>
-                      <a:r>
-                        <a:rPr lang="es-419" sz="900" dirty="0"/>
-                        <a:t>(): </a:t>
-                      </a:r>
-                      <a:r>
-                        <a:rPr lang="es-419" sz="900" dirty="0" err="1"/>
-                        <a:t>int</a:t>
-                      </a:r>
-                      <a:endParaRPr lang="es-419" sz="900" dirty="0"/>
-                    </a:p>
-                    <a:p>
-                      <a:r>
-                        <a:rPr lang="es-419" sz="900" dirty="0"/>
-                        <a:t>+ </a:t>
-                      </a:r>
-                      <a:r>
-                        <a:rPr lang="es-419" sz="900" dirty="0" err="1"/>
-                        <a:t>getPuntuacion</a:t>
-                      </a:r>
-                      <a:r>
-                        <a:rPr lang="es-419" sz="900" dirty="0"/>
-                        <a:t>(): </a:t>
-                      </a:r>
-                      <a:r>
-                        <a:rPr lang="es-419" sz="900" dirty="0" err="1"/>
-                        <a:t>float</a:t>
-                      </a:r>
-                      <a:endParaRPr lang="es-419" sz="900" dirty="0"/>
-                    </a:p>
-                    <a:p>
-                      <a:r>
-                        <a:rPr lang="es-419" sz="900" dirty="0"/>
-                        <a:t>+ </a:t>
-                      </a:r>
-                      <a:r>
-                        <a:rPr lang="es-419" sz="900" dirty="0" err="1"/>
-                        <a:t>setPuntuacion</a:t>
-                      </a:r>
-                      <a:r>
-                        <a:rPr lang="es-419" sz="900" dirty="0"/>
-                        <a:t>(</a:t>
-                      </a:r>
-                      <a:r>
-                        <a:rPr lang="es-419" sz="900" dirty="0" err="1"/>
-                        <a:t>puntuacion</a:t>
-                      </a:r>
-                      <a:r>
-                        <a:rPr lang="es-419" sz="900" dirty="0"/>
-                        <a:t>: </a:t>
-                      </a:r>
-                      <a:r>
-                        <a:rPr lang="es-419" sz="900" dirty="0" err="1"/>
-                        <a:t>float</a:t>
-                      </a:r>
-                      <a:r>
-                        <a:rPr lang="es-419" sz="900" dirty="0"/>
-                        <a:t>): </a:t>
-                      </a:r>
-                      <a:r>
-                        <a:rPr lang="es-419" sz="900" dirty="0" err="1"/>
-                        <a:t>void</a:t>
-                      </a:r>
-                      <a:endParaRPr lang="es-419" sz="900" dirty="0"/>
-                    </a:p>
-                    <a:p>
-                      <a:r>
-                        <a:rPr lang="es-419" sz="900" dirty="0"/>
-                        <a:t>+ </a:t>
-                      </a:r>
-                      <a:r>
-                        <a:rPr lang="es-419" sz="900" dirty="0" err="1"/>
-                        <a:t>getCantidadReservaciones</a:t>
-                      </a:r>
-                      <a:r>
-                        <a:rPr lang="es-419" sz="900" dirty="0"/>
-                        <a:t>(): </a:t>
-                      </a:r>
-                      <a:r>
-                        <a:rPr lang="es-419" sz="900" dirty="0" err="1"/>
-                        <a:t>int</a:t>
-                      </a:r>
-                      <a:endParaRPr lang="es-419" sz="900" dirty="0"/>
-                    </a:p>
-                    <a:p>
-                      <a:r>
-                        <a:rPr lang="es-419" sz="900" dirty="0"/>
-                        <a:t>+ </a:t>
-                      </a:r>
-                      <a:r>
-                        <a:rPr lang="es-419" sz="900" dirty="0" err="1"/>
-                        <a:t>puedeReservar</a:t>
-                      </a:r>
-                      <a:r>
-                        <a:rPr lang="es-419" sz="900" dirty="0"/>
-                        <a:t>(</a:t>
-                      </a:r>
-                      <a:r>
-                        <a:rPr lang="es-419" sz="900" dirty="0" err="1"/>
-                        <a:t>fechaInicio</a:t>
-                      </a:r>
-                      <a:r>
-                        <a:rPr lang="es-419" sz="900" dirty="0"/>
-                        <a:t>: Fecha, </a:t>
-                      </a:r>
-                      <a:r>
-                        <a:rPr lang="es-419" sz="900" dirty="0" err="1"/>
-                        <a:t>duracion</a:t>
-                      </a:r>
-                      <a:r>
-                        <a:rPr lang="es-419" sz="900" dirty="0"/>
-                        <a:t>: </a:t>
-                      </a:r>
-                      <a:r>
-                        <a:rPr lang="es-419" sz="900" dirty="0" err="1"/>
-                        <a:t>int</a:t>
-                      </a:r>
-                      <a:r>
-                        <a:rPr lang="es-419" sz="900" dirty="0"/>
-                        <a:t>): </a:t>
-                      </a:r>
-                      <a:r>
-                        <a:rPr lang="es-419" sz="900" dirty="0" err="1"/>
-                        <a:t>bool</a:t>
-                      </a:r>
-                      <a:endParaRPr lang="es-419" sz="900" dirty="0"/>
-                    </a:p>
-                    <a:p>
-                      <a:r>
-                        <a:rPr lang="es-419" sz="900" dirty="0"/>
-                        <a:t>+ </a:t>
-                      </a:r>
-                      <a:r>
-                        <a:rPr lang="es-419" sz="900" dirty="0" err="1"/>
-                        <a:t>agregarReservacion</a:t>
-                      </a:r>
-                      <a:r>
-                        <a:rPr lang="es-419" sz="900" dirty="0"/>
-                        <a:t>(reserva: </a:t>
-                      </a:r>
-                      <a:r>
-                        <a:rPr lang="es-419" sz="900" dirty="0" err="1"/>
-                        <a:t>Reservacion</a:t>
-                      </a:r>
-                      <a:r>
-                        <a:rPr lang="es-419" sz="900" dirty="0"/>
-                        <a:t>*): </a:t>
-                      </a:r>
-                      <a:r>
-                        <a:rPr lang="es-419" sz="900" dirty="0" err="1"/>
-                        <a:t>void</a:t>
-                      </a:r>
-                      <a:endParaRPr lang="es-419" sz="900" dirty="0"/>
-                    </a:p>
-                    <a:p>
-                      <a:r>
-                        <a:rPr lang="es-419" sz="900" dirty="0"/>
-                        <a:t>+ </a:t>
-                      </a:r>
-                      <a:r>
-                        <a:rPr lang="es-419" sz="900" dirty="0" err="1"/>
-                        <a:t>anularReservacion</a:t>
-                      </a:r>
-                      <a:r>
-                        <a:rPr lang="es-419" sz="900" dirty="0"/>
-                        <a:t>(</a:t>
-                      </a:r>
-                      <a:r>
-                        <a:rPr lang="es-419" sz="900" dirty="0" err="1"/>
-                        <a:t>codigoReservacion</a:t>
-                      </a:r>
-                      <a:r>
-                        <a:rPr lang="es-419" sz="900" dirty="0"/>
-                        <a:t>: </a:t>
-                      </a:r>
-                      <a:r>
-                        <a:rPr lang="es-419" sz="900" dirty="0" err="1"/>
-                        <a:t>char</a:t>
-                      </a:r>
-                      <a:r>
-                        <a:rPr lang="es-419" sz="900" dirty="0"/>
-                        <a:t>*): </a:t>
-                      </a:r>
-                      <a:r>
-                        <a:rPr lang="es-419" sz="900" dirty="0" err="1"/>
-                        <a:t>void</a:t>
-                      </a:r>
-                      <a:endParaRPr lang="es-419" sz="900" dirty="0"/>
-                    </a:p>
-                    <a:p>
-                      <a:r>
-                        <a:rPr lang="es-419" sz="900" dirty="0"/>
-                        <a:t>+ </a:t>
-                      </a:r>
-                      <a:r>
-                        <a:rPr lang="es-419" sz="900" dirty="0" err="1"/>
-                        <a:t>consultarReservaciones</a:t>
-                      </a:r>
-                      <a:r>
-                        <a:rPr lang="es-419" sz="900" dirty="0"/>
-                        <a:t>(): </a:t>
-                      </a:r>
-                      <a:r>
-                        <a:rPr lang="es-419" sz="900" dirty="0" err="1"/>
-                        <a:t>void</a:t>
-                      </a:r>
-                      <a:endParaRPr lang="en-CO" sz="900" dirty="0"/>
                     </a:p>
                   </a:txBody>
                   <a:tcPr marL="68580" marR="68580" marT="34290" marB="34290"/>
@@ -4032,14 +3405,14 @@
           <p:nvPr>
             <p:extLst>
               <p:ext uri="{D42A27DB-BD31-4B8C-83A1-F6EECF244321}">
-                <p14:modId xmlns:p14="http://schemas.microsoft.com/office/powerpoint/2010/main" val="1481760568"/>
+                <p14:modId xmlns:p14="http://schemas.microsoft.com/office/powerpoint/2010/main" val="3691790209"/>
               </p:ext>
             </p:extLst>
           </p:nvPr>
         </p:nvGraphicFramePr>
         <p:xfrm>
-          <a:off x="817723" y="131121"/>
-          <a:ext cx="1865671" cy="4594860"/>
+          <a:off x="725788" y="61201"/>
+          <a:ext cx="1865671" cy="5554980"/>
         </p:xfrm>
         <a:graphic>
           <a:graphicData uri="http://schemas.openxmlformats.org/drawingml/2006/table">
@@ -4064,8 +3437,8 @@
                     <a:p>
                       <a:pPr algn="ctr"/>
                       <a:r>
-                        <a:rPr lang="es-419" sz="900" dirty="0" err="1"/>
-                        <a:t>Reservacion</a:t>
+                        <a:rPr lang="es-419" sz="900" dirty="0"/>
+                        <a:t>Reserva</a:t>
                       </a:r>
                       <a:endParaRPr lang="en-CO" sz="900" dirty="0"/>
                     </a:p>
@@ -4086,7 +3459,7 @@
                     <a:p>
                       <a:r>
                         <a:rPr lang="en-US" sz="900" dirty="0"/>
-                        <a:t>– </a:t>
+                        <a:t>- </a:t>
                       </a:r>
                       <a:r>
                         <a:rPr lang="en-US" sz="900" dirty="0" err="1"/>
@@ -4100,7 +3473,7 @@
                     <a:p>
                       <a:r>
                         <a:rPr lang="en-US" sz="900" dirty="0"/>
-                        <a:t>– </a:t>
+                        <a:t>- </a:t>
                       </a:r>
                       <a:r>
                         <a:rPr lang="en-US" sz="900" dirty="0" err="1"/>
@@ -4119,7 +3492,7 @@
                     <a:p>
                       <a:r>
                         <a:rPr lang="en-US" sz="900" dirty="0"/>
-                        <a:t>– </a:t>
+                        <a:t>- </a:t>
                       </a:r>
                       <a:r>
                         <a:rPr lang="en-US" sz="900" dirty="0" err="1"/>
@@ -4133,7 +3506,7 @@
                     <a:p>
                       <a:r>
                         <a:rPr lang="en-US" sz="900" dirty="0"/>
-                        <a:t>– </a:t>
+                        <a:t>- </a:t>
                       </a:r>
                       <a:r>
                         <a:rPr lang="en-US" sz="900" dirty="0" err="1"/>
@@ -4155,7 +3528,7 @@
                     <a:p>
                       <a:r>
                         <a:rPr lang="en-US" sz="900" dirty="0"/>
-                        <a:t>– </a:t>
+                        <a:t>- </a:t>
                       </a:r>
                       <a:r>
                         <a:rPr lang="en-US" sz="900" dirty="0" err="1"/>
@@ -4177,7 +3550,7 @@
                     <a:p>
                       <a:r>
                         <a:rPr lang="en-US" sz="900" dirty="0"/>
-                        <a:t>– </a:t>
+                        <a:t>- </a:t>
                       </a:r>
                       <a:r>
                         <a:rPr lang="en-US" sz="900" dirty="0" err="1"/>
@@ -4185,37 +3558,32 @@
                       </a:r>
                       <a:r>
                         <a:rPr lang="en-US" sz="900" dirty="0"/>
+                        <a:t>: int</a:t>
+                      </a:r>
+                    </a:p>
+                    <a:p>
+                      <a:r>
+                        <a:rPr lang="en-US" sz="900" dirty="0"/>
+                        <a:t>- </a:t>
+                      </a:r>
+                      <a:r>
+                        <a:rPr lang="en-US" sz="900" dirty="0" err="1"/>
+                        <a:t>fechaPago</a:t>
+                      </a:r>
+                      <a:r>
+                        <a:rPr lang="en-US" sz="900" dirty="0"/>
                         <a:t>: </a:t>
                       </a:r>
                       <a:r>
                         <a:rPr lang="en-US" sz="900" dirty="0" err="1"/>
-                        <a:t>MetodoPago</a:t>
+                        <a:t>Fecha</a:t>
                       </a:r>
                       <a:endParaRPr lang="en-US" sz="900" dirty="0"/>
                     </a:p>
                     <a:p>
                       <a:r>
                         <a:rPr lang="en-US" sz="900" dirty="0"/>
-                        <a:t>– </a:t>
-                      </a:r>
-                      <a:r>
-                        <a:rPr lang="en-US" sz="900" dirty="0" err="1"/>
-                        <a:t>fechaPago</a:t>
-                      </a:r>
-                      <a:r>
-                        <a:rPr lang="en-US" sz="900" dirty="0"/>
-                        <a:t>: </a:t>
-                      </a:r>
-                      <a:r>
-                        <a:rPr lang="en-US" sz="900" dirty="0" err="1"/>
-                        <a:t>Fecha</a:t>
-                      </a:r>
-                      <a:endParaRPr lang="en-US" sz="900" dirty="0"/>
-                    </a:p>
-                    <a:p>
-                      <a:r>
-                        <a:rPr lang="en-US" sz="900" dirty="0"/>
-                        <a:t>– </a:t>
+                        <a:t>- </a:t>
                       </a:r>
                       <a:r>
                         <a:rPr lang="en-US" sz="900" dirty="0" err="1"/>
@@ -4229,7 +3597,7 @@
                     <a:p>
                       <a:r>
                         <a:rPr lang="en-US" sz="900" dirty="0"/>
-                        <a:t>– </a:t>
+                        <a:t>- </a:t>
                       </a:r>
                       <a:r>
                         <a:rPr lang="en-US" sz="900" dirty="0" err="1"/>
@@ -4258,23 +3626,137 @@
                     <a:p>
                       <a:r>
                         <a:rPr lang="es-419" sz="900" dirty="0"/>
+                        <a:t>+ Reserva(</a:t>
+                      </a:r>
+                      <a:r>
+                        <a:rPr lang="es-419" sz="900" dirty="0" err="1"/>
+                        <a:t>codigo</a:t>
+                      </a:r>
+                      <a:r>
+                        <a:rPr lang="es-419" sz="900" dirty="0"/>
+                        <a:t>: </a:t>
+                      </a:r>
+                      <a:r>
+                        <a:rPr lang="es-419" sz="900" dirty="0" err="1"/>
+                        <a:t>char</a:t>
+                      </a:r>
+                      <a:r>
+                        <a:rPr lang="es-419" sz="900" dirty="0"/>
+                        <a:t>*, </a:t>
+                      </a:r>
+                      <a:r>
+                        <a:rPr lang="es-419" sz="900" dirty="0" err="1"/>
+                        <a:t>fechaEntrada</a:t>
+                      </a:r>
+                      <a:r>
+                        <a:rPr lang="es-419" sz="900" dirty="0"/>
+                        <a:t>: Fecha, </a:t>
+                      </a:r>
+                      <a:r>
+                        <a:rPr lang="es-419" sz="900" dirty="0" err="1"/>
+                        <a:t>duracion</a:t>
+                      </a:r>
+                      <a:r>
+                        <a:rPr lang="es-419" sz="900" dirty="0"/>
+                        <a:t>: </a:t>
+                      </a:r>
+                      <a:r>
+                        <a:rPr lang="es-419" sz="900" dirty="0" err="1"/>
+                        <a:t>int</a:t>
+                      </a:r>
+                      <a:r>
+                        <a:rPr lang="es-419" sz="900" dirty="0"/>
+                        <a:t>, alojamiento: Alojamiento*, </a:t>
+                      </a:r>
+                      <a:r>
+                        <a:rPr lang="es-419" sz="900" dirty="0" err="1"/>
+                        <a:t>huesped</a:t>
+                      </a:r>
+                      <a:r>
+                        <a:rPr lang="es-419" sz="900" dirty="0"/>
+                        <a:t>: </a:t>
+                      </a:r>
+                      <a:r>
+                        <a:rPr lang="es-419" sz="900" dirty="0" err="1"/>
+                        <a:t>Huesped</a:t>
+                      </a:r>
+                      <a:r>
+                        <a:rPr lang="es-419" sz="900" dirty="0"/>
+                        <a:t>*, </a:t>
+                      </a:r>
+                      <a:r>
+                        <a:rPr lang="es-419" sz="900" dirty="0" err="1"/>
+                        <a:t>metodoPago</a:t>
+                      </a:r>
+                      <a:r>
+                        <a:rPr lang="es-419" sz="900" dirty="0"/>
+                        <a:t>: </a:t>
+                      </a:r>
+                      <a:r>
+                        <a:rPr lang="es-419" sz="900" dirty="0" err="1"/>
+                        <a:t>int</a:t>
+                      </a:r>
+                      <a:r>
+                        <a:rPr lang="es-419" sz="900" dirty="0"/>
+                        <a:t>, </a:t>
+                      </a:r>
+                      <a:r>
+                        <a:rPr lang="es-419" sz="900" dirty="0" err="1"/>
+                        <a:t>fechaPago</a:t>
+                      </a:r>
+                      <a:r>
+                        <a:rPr lang="es-419" sz="900" dirty="0"/>
+                        <a:t>: Fecha, monto: </a:t>
+                      </a:r>
+                      <a:r>
+                        <a:rPr lang="es-419" sz="900" dirty="0" err="1"/>
+                        <a:t>double</a:t>
+                      </a:r>
+                      <a:r>
+                        <a:rPr lang="es-419" sz="900" dirty="0"/>
+                        <a:t>, anotaciones: </a:t>
+                      </a:r>
+                      <a:r>
+                        <a:rPr lang="es-419" sz="900" dirty="0" err="1"/>
+                        <a:t>char</a:t>
+                      </a:r>
+                      <a:r>
+                        <a:rPr lang="es-419" sz="900" dirty="0"/>
+                        <a:t>*)</a:t>
+                      </a:r>
+                    </a:p>
+                    <a:p>
+                      <a:r>
+                        <a:rPr lang="es-419" sz="900" dirty="0"/>
+                        <a:t>+ Reserva(</a:t>
+                      </a:r>
+                      <a:r>
+                        <a:rPr lang="es-419" sz="900" dirty="0" err="1"/>
+                        <a:t>const</a:t>
+                      </a:r>
+                      <a:r>
+                        <a:rPr lang="es-419" sz="900" dirty="0"/>
+                        <a:t> Reserva&amp; otra)</a:t>
+                      </a:r>
+                    </a:p>
+                    <a:p>
+                      <a:r>
+                        <a:rPr lang="es-419" sz="900" dirty="0"/>
+                        <a:t>+ ~Reserva()</a:t>
+                      </a:r>
+                    </a:p>
+                    <a:p>
+                      <a:r>
+                        <a:rPr lang="es-419" sz="900" dirty="0"/>
                         <a:t>+ </a:t>
                       </a:r>
                       <a:r>
                         <a:rPr lang="es-419" sz="900" dirty="0" err="1"/>
-                        <a:t>Reservacion</a:t>
-                      </a:r>
-                      <a:r>
-                        <a:rPr lang="es-419" sz="900" dirty="0"/>
-                        <a:t>(</a:t>
-                      </a:r>
-                      <a:r>
-                        <a:rPr lang="es-419" sz="900" dirty="0" err="1"/>
-                        <a:t>codigo</a:t>
-                      </a:r>
-                      <a:r>
-                        <a:rPr lang="es-419" sz="900" dirty="0"/>
-                        <a:t>: </a:t>
+                        <a:t>getCodigo</a:t>
+                      </a:r>
+                      <a:r>
+                        <a:rPr lang="es-419" sz="900" dirty="0"/>
+                        <a:t>(): </a:t>
                       </a:r>
                       <a:r>
                         <a:rPr lang="es-419" sz="900" dirty="0" err="1"/>
@@ -4282,39 +3764,68 @@
                       </a:r>
                       <a:r>
                         <a:rPr lang="es-419" sz="900" dirty="0"/>
-                        <a:t>*, </a:t>
-                      </a:r>
-                      <a:r>
-                        <a:rPr lang="es-419" sz="900" dirty="0" err="1"/>
-                        <a:t>fechaEntrada</a:t>
-                      </a:r>
-                      <a:r>
-                        <a:rPr lang="es-419" sz="900" dirty="0"/>
-                        <a:t>: Fecha, </a:t>
-                      </a:r>
-                      <a:r>
-                        <a:rPr lang="es-419" sz="900" dirty="0" err="1"/>
-                        <a:t>duracion</a:t>
-                      </a:r>
-                      <a:r>
-                        <a:rPr lang="es-419" sz="900" dirty="0"/>
-                        <a:t>: </a:t>
+                        <a:t>*</a:t>
+                      </a:r>
+                    </a:p>
+                    <a:p>
+                      <a:r>
+                        <a:rPr lang="es-419" sz="900" dirty="0"/>
+                        <a:t>+ </a:t>
+                      </a:r>
+                      <a:r>
+                        <a:rPr lang="es-419" sz="900" dirty="0" err="1"/>
+                        <a:t>getFechaEntrada</a:t>
+                      </a:r>
+                      <a:r>
+                        <a:rPr lang="es-419" sz="900" dirty="0"/>
+                        <a:t>(): Fecha</a:t>
+                      </a:r>
+                    </a:p>
+                    <a:p>
+                      <a:r>
+                        <a:rPr lang="es-419" sz="900" dirty="0"/>
+                        <a:t>+ </a:t>
+                      </a:r>
+                      <a:r>
+                        <a:rPr lang="es-419" sz="900" dirty="0" err="1"/>
+                        <a:t>getDuracionEnNoches</a:t>
+                      </a:r>
+                      <a:r>
+                        <a:rPr lang="es-419" sz="900" dirty="0"/>
+                        <a:t>(): </a:t>
                       </a:r>
                       <a:r>
                         <a:rPr lang="es-419" sz="900" dirty="0" err="1"/>
                         <a:t>int</a:t>
                       </a:r>
-                      <a:r>
-                        <a:rPr lang="es-419" sz="900" dirty="0"/>
-                        <a:t>, alojamiento: Alojamiento*, </a:t>
-                      </a:r>
-                      <a:r>
-                        <a:rPr lang="es-419" sz="900" dirty="0" err="1"/>
-                        <a:t>huesped</a:t>
-                      </a:r>
-                      <a:r>
-                        <a:rPr lang="es-419" sz="900" dirty="0"/>
-                        <a:t>: </a:t>
+                      <a:endParaRPr lang="es-419" sz="900" dirty="0"/>
+                    </a:p>
+                    <a:p>
+                      <a:r>
+                        <a:rPr lang="es-419" sz="900" dirty="0"/>
+                        <a:t>+ </a:t>
+                      </a:r>
+                      <a:r>
+                        <a:rPr lang="es-419" sz="900" dirty="0" err="1"/>
+                        <a:t>getAlojamientoReservado</a:t>
+                      </a:r>
+                      <a:r>
+                        <a:rPr lang="es-419" sz="900" dirty="0"/>
+                        <a:t>(): Alojamiento*</a:t>
+                      </a:r>
+                    </a:p>
+                    <a:p>
+                      <a:r>
+                        <a:rPr lang="es-419" sz="900" dirty="0"/>
+                        <a:t>+ </a:t>
+                      </a:r>
+                      <a:r>
+                        <a:rPr lang="es-419" sz="900" dirty="0" err="1"/>
+                        <a:t>getHuespedResponsable</a:t>
+                      </a:r>
+                      <a:r>
+                        <a:rPr lang="es-419" sz="900" dirty="0"/>
+                        <a:t>(): </a:t>
                       </a:r>
                       <a:r>
                         <a:rPr lang="es-419" sz="900" dirty="0" err="1"/>
@@ -4322,39 +3833,73 @@
                       </a:r>
                       <a:r>
                         <a:rPr lang="es-419" sz="900" dirty="0"/>
-                        <a:t>*, </a:t>
-                      </a:r>
-                      <a:r>
-                        <a:rPr lang="es-419" sz="900" dirty="0" err="1"/>
-                        <a:t>metodoPago</a:t>
-                      </a:r>
-                      <a:r>
-                        <a:rPr lang="es-419" sz="900" dirty="0"/>
-                        <a:t>: </a:t>
+                        <a:t>*</a:t>
+                      </a:r>
+                    </a:p>
+                    <a:p>
+                      <a:r>
+                        <a:rPr lang="es-419" sz="900" dirty="0"/>
+                        <a:t>+ </a:t>
+                      </a:r>
+                      <a:r>
+                        <a:rPr lang="es-419" sz="900" dirty="0" err="1"/>
+                        <a:t>getMetodoPago</a:t>
+                      </a:r>
+                      <a:r>
+                        <a:rPr lang="es-419" sz="900" dirty="0"/>
+                        <a:t>(): </a:t>
                       </a:r>
                       <a:r>
                         <a:rPr lang="es-419" sz="900" dirty="0" err="1"/>
                         <a:t>int</a:t>
                       </a:r>
-                      <a:r>
-                        <a:rPr lang="es-419" sz="900" dirty="0"/>
-                        <a:t>, </a:t>
-                      </a:r>
-                      <a:r>
-                        <a:rPr lang="es-419" sz="900" dirty="0" err="1"/>
-                        <a:t>fechaPago</a:t>
-                      </a:r>
-                      <a:r>
-                        <a:rPr lang="es-419" sz="900" dirty="0"/>
-                        <a:t>: Fecha, monto: </a:t>
+                      <a:endParaRPr lang="es-419" sz="900" dirty="0"/>
+                    </a:p>
+                    <a:p>
+                      <a:r>
+                        <a:rPr lang="es-419" sz="900" dirty="0"/>
+                        <a:t>+ </a:t>
+                      </a:r>
+                      <a:r>
+                        <a:rPr lang="es-419" sz="900" dirty="0" err="1"/>
+                        <a:t>getFechaPago</a:t>
+                      </a:r>
+                      <a:r>
+                        <a:rPr lang="es-419" sz="900" dirty="0"/>
+                        <a:t>(): Fecha</a:t>
+                      </a:r>
+                    </a:p>
+                    <a:p>
+                      <a:r>
+                        <a:rPr lang="es-419" sz="900" dirty="0"/>
+                        <a:t>+ </a:t>
+                      </a:r>
+                      <a:r>
+                        <a:rPr lang="es-419" sz="900" dirty="0" err="1"/>
+                        <a:t>getMontoPagado</a:t>
+                      </a:r>
+                      <a:r>
+                        <a:rPr lang="es-419" sz="900" dirty="0"/>
+                        <a:t>(): </a:t>
                       </a:r>
                       <a:r>
                         <a:rPr lang="es-419" sz="900" dirty="0" err="1"/>
                         <a:t>double</a:t>
                       </a:r>
-                      <a:r>
-                        <a:rPr lang="es-419" sz="900" dirty="0"/>
-                        <a:t>, anotaciones: </a:t>
+                      <a:endParaRPr lang="es-419" sz="900" dirty="0"/>
+                    </a:p>
+                    <a:p>
+                      <a:r>
+                        <a:rPr lang="es-419" sz="900" dirty="0"/>
+                        <a:t>+ </a:t>
+                      </a:r>
+                      <a:r>
+                        <a:rPr lang="es-419" sz="900" dirty="0" err="1"/>
+                        <a:t>getAnotaciones</a:t>
+                      </a:r>
+                      <a:r>
+                        <a:rPr lang="es-419" sz="900" dirty="0"/>
+                        <a:t>(): </a:t>
                       </a:r>
                       <a:r>
                         <a:rPr lang="es-419" sz="900" dirty="0" err="1"/>
@@ -4362,7 +3907,7 @@
                       </a:r>
                       <a:r>
                         <a:rPr lang="es-419" sz="900" dirty="0"/>
-                        <a:t>*)</a:t>
+                        <a:t>*</a:t>
                       </a:r>
                     </a:p>
                     <a:p>
@@ -4372,41 +3917,11 @@
                       </a:r>
                       <a:r>
                         <a:rPr lang="es-419" sz="900" dirty="0" err="1"/>
-                        <a:t>Reservacion</a:t>
-                      </a:r>
-                      <a:r>
-                        <a:rPr lang="es-419" sz="900" dirty="0"/>
-                        <a:t>(</a:t>
-                      </a:r>
-                      <a:r>
-                        <a:rPr lang="es-419" sz="900" dirty="0" err="1"/>
-                        <a:t>const</a:t>
-                      </a:r>
-                      <a:r>
-                        <a:rPr lang="es-419" sz="900" dirty="0"/>
-                        <a:t> </a:t>
-                      </a:r>
-                      <a:r>
-                        <a:rPr lang="es-419" sz="900" dirty="0" err="1"/>
-                        <a:t>Reservacion</a:t>
-                      </a:r>
-                      <a:r>
-                        <a:rPr lang="es-419" sz="900" dirty="0"/>
-                        <a:t>&amp; otra)</a:t>
-                      </a:r>
-                    </a:p>
-                    <a:p>
-                      <a:r>
-                        <a:rPr lang="es-419" sz="900" dirty="0"/>
-                        <a:t>+ ~</a:t>
-                      </a:r>
-                      <a:r>
-                        <a:rPr lang="es-419" sz="900" dirty="0" err="1"/>
-                        <a:t>Reservacion</a:t>
-                      </a:r>
-                      <a:r>
-                        <a:rPr lang="es-419" sz="900" dirty="0"/>
-                        <a:t>()</a:t>
+                        <a:t>calcularFechaSalida</a:t>
+                      </a:r>
+                      <a:r>
+                        <a:rPr lang="es-419" sz="900" dirty="0"/>
+                        <a:t>(): Fecha</a:t>
                       </a:r>
                     </a:p>
                     <a:p>
@@ -4416,7 +3931,7 @@
                       </a:r>
                       <a:r>
                         <a:rPr lang="es-419" sz="900" dirty="0" err="1"/>
-                        <a:t>getCodigo</a:t>
+                        <a:t>mostrarComprobante</a:t>
                       </a:r>
                       <a:r>
                         <a:rPr lang="es-419" sz="900" dirty="0"/>
@@ -4424,188 +3939,39 @@
                       </a:r>
                       <a:r>
                         <a:rPr lang="es-419" sz="900" dirty="0" err="1"/>
-                        <a:t>char</a:t>
-                      </a:r>
-                      <a:r>
-                        <a:rPr lang="es-419" sz="900" dirty="0"/>
-                        <a:t>*</a:t>
-                      </a:r>
-                    </a:p>
-                    <a:p>
-                      <a:r>
-                        <a:rPr lang="es-419" sz="900" dirty="0"/>
-                        <a:t>+ </a:t>
-                      </a:r>
-                      <a:r>
-                        <a:rPr lang="es-419" sz="900" dirty="0" err="1"/>
-                        <a:t>getFechaEntrada</a:t>
-                      </a:r>
-                      <a:r>
-                        <a:rPr lang="es-419" sz="900" dirty="0"/>
-                        <a:t>(): Fecha</a:t>
-                      </a:r>
-                    </a:p>
-                    <a:p>
-                      <a:r>
-                        <a:rPr lang="es-419" sz="900" dirty="0"/>
-                        <a:t>+ </a:t>
-                      </a:r>
-                      <a:r>
-                        <a:rPr lang="es-419" sz="900" dirty="0" err="1"/>
-                        <a:t>getDuracionEnNoches</a:t>
-                      </a:r>
-                      <a:r>
-                        <a:rPr lang="es-419" sz="900" dirty="0"/>
-                        <a:t>(): </a:t>
-                      </a:r>
-                      <a:r>
-                        <a:rPr lang="es-419" sz="900" dirty="0" err="1"/>
-                        <a:t>int</a:t>
+                        <a:t>void</a:t>
                       </a:r>
                       <a:endParaRPr lang="es-419" sz="900" dirty="0"/>
                     </a:p>
                     <a:p>
                       <a:r>
-                        <a:rPr lang="es-419" sz="900" dirty="0"/>
-                        <a:t>+ </a:t>
-                      </a:r>
-                      <a:r>
-                        <a:rPr lang="es-419" sz="900" dirty="0" err="1"/>
-                        <a:t>getAlojamientoReservado</a:t>
-                      </a:r>
-                      <a:r>
-                        <a:rPr lang="es-419" sz="900" dirty="0"/>
-                        <a:t>(): Alojamiento*</a:t>
-                      </a:r>
-                    </a:p>
-                    <a:p>
-                      <a:r>
-                        <a:rPr lang="es-419" sz="900" dirty="0"/>
-                        <a:t>+ </a:t>
-                      </a:r>
-                      <a:r>
-                        <a:rPr lang="es-419" sz="900" dirty="0" err="1"/>
-                        <a:t>getHuespedResponsable</a:t>
-                      </a:r>
-                      <a:r>
-                        <a:rPr lang="es-419" sz="900" dirty="0"/>
-                        <a:t>(): </a:t>
-                      </a:r>
-                      <a:r>
-                        <a:rPr lang="es-419" sz="900" dirty="0" err="1"/>
-                        <a:t>Huesped</a:t>
-                      </a:r>
-                      <a:r>
-                        <a:rPr lang="es-419" sz="900" dirty="0"/>
-                        <a:t>*</a:t>
-                      </a:r>
-                    </a:p>
-                    <a:p>
-                      <a:r>
-                        <a:rPr lang="es-419" sz="900" dirty="0"/>
-                        <a:t>+ </a:t>
-                      </a:r>
-                      <a:r>
-                        <a:rPr lang="es-419" sz="900" dirty="0" err="1"/>
-                        <a:t>getMetodoPago</a:t>
-                      </a:r>
-                      <a:r>
-                        <a:rPr lang="es-419" sz="900" dirty="0"/>
-                        <a:t>(): </a:t>
-                      </a:r>
-                      <a:r>
-                        <a:rPr lang="es-419" sz="900" dirty="0" err="1"/>
-                        <a:t>int</a:t>
-                      </a:r>
-                      <a:endParaRPr lang="es-419" sz="900" dirty="0"/>
-                    </a:p>
-                    <a:p>
-                      <a:r>
-                        <a:rPr lang="es-419" sz="900" dirty="0"/>
-                        <a:t>+ </a:t>
-                      </a:r>
-                      <a:r>
-                        <a:rPr lang="es-419" sz="900" dirty="0" err="1"/>
-                        <a:t>getFechaPago</a:t>
-                      </a:r>
-                      <a:r>
-                        <a:rPr lang="es-419" sz="900" dirty="0"/>
-                        <a:t>(): Fecha</a:t>
-                      </a:r>
-                    </a:p>
-                    <a:p>
-                      <a:r>
-                        <a:rPr lang="es-419" sz="900" dirty="0"/>
-                        <a:t>+ </a:t>
-                      </a:r>
-                      <a:r>
-                        <a:rPr lang="es-419" sz="900" dirty="0" err="1"/>
-                        <a:t>getMontoPagado</a:t>
-                      </a:r>
-                      <a:r>
-                        <a:rPr lang="es-419" sz="900" dirty="0"/>
-                        <a:t>(): </a:t>
-                      </a:r>
-                      <a:r>
-                        <a:rPr lang="es-419" sz="900" dirty="0" err="1"/>
-                        <a:t>double</a:t>
-                      </a:r>
-                      <a:endParaRPr lang="es-419" sz="900" dirty="0"/>
-                    </a:p>
-                    <a:p>
-                      <a:r>
-                        <a:rPr lang="es-419" sz="900" dirty="0"/>
-                        <a:t>+ </a:t>
-                      </a:r>
-                      <a:r>
-                        <a:rPr lang="es-419" sz="900" dirty="0" err="1"/>
-                        <a:t>getAnotaciones</a:t>
-                      </a:r>
-                      <a:r>
-                        <a:rPr lang="es-419" sz="900" dirty="0"/>
-                        <a:t>(): </a:t>
-                      </a:r>
-                      <a:r>
-                        <a:rPr lang="es-419" sz="900" dirty="0" err="1"/>
-                        <a:t>char</a:t>
-                      </a:r>
-                      <a:r>
-                        <a:rPr lang="es-419" sz="900" dirty="0"/>
-                        <a:t>*</a:t>
-                      </a:r>
-                    </a:p>
-                    <a:p>
-                      <a:r>
-                        <a:rPr lang="es-419" sz="900" dirty="0"/>
-                        <a:t>+ </a:t>
-                      </a:r>
-                      <a:r>
-                        <a:rPr lang="es-419" sz="900" dirty="0" err="1"/>
-                        <a:t>calcularFechaSalida</a:t>
-                      </a:r>
-                      <a:r>
-                        <a:rPr lang="es-419" sz="900" dirty="0"/>
-                        <a:t>(): Fecha</a:t>
-                      </a:r>
-                    </a:p>
-                    <a:p>
-                      <a:r>
-                        <a:rPr lang="es-419" sz="900" dirty="0"/>
-                        <a:t>+ </a:t>
-                      </a:r>
-                      <a:r>
-                        <a:rPr lang="es-419" sz="900" dirty="0" err="1"/>
-                        <a:t>mostrarComprobante</a:t>
-                      </a:r>
-                      <a:r>
-                        <a:rPr lang="es-419" sz="900" dirty="0"/>
-                        <a:t>(): </a:t>
-                      </a:r>
-                      <a:r>
-                        <a:rPr lang="es-419" sz="900" dirty="0" err="1"/>
-                        <a:t>void</a:t>
-                      </a:r>
-                      <a:endParaRPr lang="en-CO" sz="900" dirty="0"/>
+                        <a:rPr lang="en-CO" sz="900" dirty="0"/>
+                        <a:t>- bool validarFechaEntrada(Fecha entrada)</a:t>
+                      </a:r>
+                    </a:p>
+                    <a:p>
+                      <a:r>
+                        <a:rPr lang="en-CO" sz="900" dirty="0"/>
+                        <a:t>- bool validarDuracion(int noches)</a:t>
+                      </a:r>
+                    </a:p>
+                    <a:p>
+                      <a:r>
+                        <a:rPr lang="en-CO" sz="900" dirty="0"/>
+                        <a:t>- bool validarMetodoPago(int metodo)</a:t>
+                      </a:r>
+                    </a:p>
+                    <a:p>
+                      <a:r>
+                        <a:rPr lang="en-CO" sz="900" dirty="0"/>
+                        <a:t>- bool validarMonto(double monto)</a:t>
+                      </a:r>
+                    </a:p>
+                    <a:p>
+                      <a:r>
+                        <a:rPr lang="en-CO" sz="900" dirty="0"/>
+                        <a:t>- bool validarAnotaciones(char* texto)</a:t>
+                      </a:r>
                     </a:p>
                   </a:txBody>
                   <a:tcPr marL="68580" marR="68580" marT="34290" marB="34290"/>
@@ -4678,14 +4044,14 @@
           <p:nvPr>
             <p:extLst>
               <p:ext uri="{D42A27DB-BD31-4B8C-83A1-F6EECF244321}">
-                <p14:modId xmlns:p14="http://schemas.microsoft.com/office/powerpoint/2010/main" val="86187885"/>
+                <p14:modId xmlns:p14="http://schemas.microsoft.com/office/powerpoint/2010/main" val="1974979576"/>
               </p:ext>
             </p:extLst>
           </p:nvPr>
         </p:nvGraphicFramePr>
         <p:xfrm>
-          <a:off x="3429223" y="3067983"/>
-          <a:ext cx="2388550" cy="5829300"/>
+          <a:off x="3447743" y="2342989"/>
+          <a:ext cx="2388550" cy="6652260"/>
         </p:xfrm>
         <a:graphic>
           <a:graphicData uri="http://schemas.openxmlformats.org/drawingml/2006/table">
@@ -4732,7 +4098,7 @@
                     <a:p>
                       <a:r>
                         <a:rPr lang="en-US" sz="900" dirty="0"/>
-                        <a:t>– </a:t>
+                        <a:t>- </a:t>
                       </a:r>
                       <a:r>
                         <a:rPr lang="en-US" sz="900" dirty="0" err="1"/>
@@ -4754,7 +4120,7 @@
                     <a:p>
                       <a:r>
                         <a:rPr lang="en-US" sz="900" dirty="0"/>
-                        <a:t>– </a:t>
+                        <a:t>- </a:t>
                       </a:r>
                       <a:r>
                         <a:rPr lang="en-US" sz="900" dirty="0" err="1"/>
@@ -4776,7 +4142,7 @@
                     <a:p>
                       <a:r>
                         <a:rPr lang="en-US" sz="900" dirty="0"/>
-                        <a:t>– </a:t>
+                        <a:t>- </a:t>
                       </a:r>
                       <a:r>
                         <a:rPr lang="en-US" sz="900" dirty="0" err="1"/>
@@ -4798,11 +4164,11 @@
                     <a:p>
                       <a:r>
                         <a:rPr lang="en-US" sz="900" dirty="0"/>
-                        <a:t>– </a:t>
-                      </a:r>
-                      <a:r>
-                        <a:rPr lang="en-US" sz="900" dirty="0" err="1"/>
-                        <a:t>listaReservacionesVigentes</a:t>
+                        <a:t>- </a:t>
+                      </a:r>
+                      <a:r>
+                        <a:rPr lang="en-US" sz="900" dirty="0" err="1"/>
+                        <a:t>listaReservasVigentes</a:t>
                       </a:r>
                       <a:r>
                         <a:rPr lang="en-US" sz="900" dirty="0"/>
@@ -4810,7 +4176,7 @@
                       </a:r>
                       <a:r>
                         <a:rPr lang="en-US" sz="900" dirty="0" err="1"/>
-                        <a:t>Reservacion</a:t>
+                        <a:t>Reserva</a:t>
                       </a:r>
                       <a:r>
                         <a:rPr lang="en-US" sz="900" dirty="0"/>
@@ -4820,11 +4186,11 @@
                     <a:p>
                       <a:r>
                         <a:rPr lang="en-US" sz="900" dirty="0"/>
-                        <a:t>– </a:t>
-                      </a:r>
-                      <a:r>
-                        <a:rPr lang="en-US" sz="900" dirty="0" err="1"/>
-                        <a:t>listaReservacionesHistoricas</a:t>
+                        <a:t>- </a:t>
+                      </a:r>
+                      <a:r>
+                        <a:rPr lang="en-US" sz="900" dirty="0" err="1"/>
+                        <a:t>listaReservasHistoricas</a:t>
                       </a:r>
                       <a:r>
                         <a:rPr lang="en-US" sz="900" dirty="0"/>
@@ -4832,7 +4198,7 @@
                       </a:r>
                       <a:r>
                         <a:rPr lang="en-US" sz="900" dirty="0" err="1"/>
-                        <a:t>Reservacion</a:t>
+                        <a:t>Reserva</a:t>
                       </a:r>
                       <a:r>
                         <a:rPr lang="en-US" sz="900" dirty="0"/>
@@ -4842,7 +4208,7 @@
                     <a:p>
                       <a:r>
                         <a:rPr lang="en-US" sz="900" dirty="0"/>
-                        <a:t>– </a:t>
+                        <a:t>- </a:t>
                       </a:r>
                       <a:r>
                         <a:rPr lang="en-US" sz="900" dirty="0" err="1"/>
@@ -4861,7 +4227,7 @@
                     <a:p>
                       <a:r>
                         <a:rPr lang="en-US" sz="900" dirty="0"/>
-                        <a:t>– </a:t>
+                        <a:t>- </a:t>
                       </a:r>
                       <a:r>
                         <a:rPr lang="en-US" sz="900" dirty="0" err="1"/>
@@ -4875,7 +4241,7 @@
                     <a:p>
                       <a:r>
                         <a:rPr lang="en-US" sz="900" dirty="0"/>
-                        <a:t>– </a:t>
+                        <a:t>- </a:t>
                       </a:r>
                       <a:r>
                         <a:rPr lang="en-US" sz="900" dirty="0" err="1"/>
@@ -4889,7 +4255,7 @@
                     <a:p>
                       <a:r>
                         <a:rPr lang="en-US" sz="900" dirty="0"/>
-                        <a:t>– </a:t>
+                        <a:t>- </a:t>
                       </a:r>
                       <a:r>
                         <a:rPr lang="en-US" sz="900" dirty="0" err="1"/>
@@ -4903,7 +4269,7 @@
                     <a:p>
                       <a:r>
                         <a:rPr lang="en-US" sz="900" dirty="0"/>
-                        <a:t>– </a:t>
+                        <a:t>- </a:t>
                       </a:r>
                       <a:r>
                         <a:rPr lang="en-US" sz="900" dirty="0" err="1"/>
@@ -4917,7 +4283,7 @@
                     <a:p>
                       <a:r>
                         <a:rPr lang="en-US" sz="900" dirty="0"/>
-                        <a:t>– </a:t>
+                        <a:t>- </a:t>
                       </a:r>
                       <a:r>
                         <a:rPr lang="en-US" sz="900" dirty="0" err="1"/>
@@ -4931,7 +4297,7 @@
                     <a:p>
                       <a:r>
                         <a:rPr lang="en-US" sz="900" dirty="0"/>
-                        <a:t>– </a:t>
+                        <a:t>- </a:t>
                       </a:r>
                       <a:r>
                         <a:rPr lang="en-US" sz="900" dirty="0" err="1"/>
@@ -4945,11 +4311,11 @@
                     <a:p>
                       <a:r>
                         <a:rPr lang="en-US" sz="900" dirty="0"/>
-                        <a:t>– </a:t>
-                      </a:r>
-                      <a:r>
-                        <a:rPr lang="en-US" sz="900" dirty="0" err="1"/>
-                        <a:t>cantidadReservacionesVigentes</a:t>
+                        <a:t>- </a:t>
+                      </a:r>
+                      <a:r>
+                        <a:rPr lang="en-US" sz="900" dirty="0" err="1"/>
+                        <a:t>cantidadReservasVigentes</a:t>
                       </a:r>
                       <a:r>
                         <a:rPr lang="en-US" sz="900" dirty="0"/>
@@ -4959,11 +4325,11 @@
                     <a:p>
                       <a:r>
                         <a:rPr lang="en-US" sz="900" dirty="0"/>
-                        <a:t>– </a:t>
-                      </a:r>
-                      <a:r>
-                        <a:rPr lang="en-US" sz="900" dirty="0" err="1"/>
-                        <a:t>capacidadReservacionesVigentes</a:t>
+                        <a:t>- </a:t>
+                      </a:r>
+                      <a:r>
+                        <a:rPr lang="en-US" sz="900" dirty="0" err="1"/>
+                        <a:t>capacidadReservasVigentes</a:t>
                       </a:r>
                       <a:r>
                         <a:rPr lang="en-US" sz="900" dirty="0"/>
@@ -4973,11 +4339,11 @@
                     <a:p>
                       <a:r>
                         <a:rPr lang="en-US" sz="900" dirty="0"/>
-                        <a:t>– </a:t>
-                      </a:r>
-                      <a:r>
-                        <a:rPr lang="en-US" sz="900" dirty="0" err="1"/>
-                        <a:t>cantidadReservacionesHistoricas</a:t>
+                        <a:t>- </a:t>
+                      </a:r>
+                      <a:r>
+                        <a:rPr lang="en-US" sz="900" dirty="0" err="1"/>
+                        <a:t>cantidadReservasHistoricas</a:t>
                       </a:r>
                       <a:r>
                         <a:rPr lang="en-US" sz="900" dirty="0"/>
@@ -4987,11 +4353,11 @@
                     <a:p>
                       <a:r>
                         <a:rPr lang="en-US" sz="900" dirty="0"/>
-                        <a:t>– </a:t>
-                      </a:r>
-                      <a:r>
-                        <a:rPr lang="en-US" sz="900" dirty="0" err="1"/>
-                        <a:t>capacidadReservacionesHistoricas</a:t>
+                        <a:t>- </a:t>
+                      </a:r>
+                      <a:r>
+                        <a:rPr lang="en-US" sz="900" dirty="0" err="1"/>
+                        <a:t>capacidadReservasHistoricas</a:t>
                       </a:r>
                       <a:r>
                         <a:rPr lang="en-US" sz="900" dirty="0"/>
@@ -5015,440 +4381,285 @@
                     <a:lstStyle/>
                     <a:p>
                       <a:r>
-                        <a:rPr lang="es-419" sz="900" dirty="0"/>
-                        <a:t>+ </a:t>
-                      </a:r>
-                      <a:r>
-                        <a:rPr lang="es-419" sz="900" dirty="0" err="1"/>
-                        <a:t>UdeAStay</a:t>
-                      </a:r>
-                      <a:r>
-                        <a:rPr lang="es-419" sz="900" dirty="0"/>
+                        <a:rPr lang="en-CO" sz="900" dirty="0"/>
+                        <a:t>+ UdeAStay()</a:t>
+                      </a:r>
+                    </a:p>
+                    <a:p>
+                      <a:r>
+                        <a:rPr lang="en-CO" sz="900" dirty="0"/>
+                        <a:t>+ ~UdeAStay()</a:t>
+                      </a:r>
+                    </a:p>
+                    <a:p>
+                      <a:r>
+                        <a:rPr lang="en-CO" sz="900" dirty="0"/>
+                        <a:t>+ iniciarSesion(documentoIdentidad: char*, tipoUsuario: int): void</a:t>
+                      </a:r>
+                    </a:p>
+                    <a:p>
+                      <a:r>
+                        <a:rPr lang="en-CO" sz="900" dirty="0"/>
+                        <a:t>+ buscarAlojamiento(fechaInicio: Fecha, municipio: char*, duracion: int, precioMaximo: double, puntuacionMinima: float): void</a:t>
+                      </a:r>
+                    </a:p>
+                    <a:p>
+                      <a:r>
+                        <a:rPr lang="en-CO" sz="900" dirty="0"/>
+                        <a:t>+ crearReserva(documentoHuesped: char*, codigoAlojamiento: char*, fechaEntrada: Fecha, duracion: int, metodoPago: int, monto: double, anotaciones: char*): void</a:t>
+                      </a:r>
+                    </a:p>
+                    <a:p>
+                      <a:r>
+                        <a:rPr lang="en-CO" sz="900" dirty="0"/>
+                        <a:t>+ anularReserva(codigoReserva: char*): void</a:t>
+                      </a:r>
+                    </a:p>
+                    <a:p>
+                      <a:r>
+                        <a:rPr lang="en-CO" sz="900" dirty="0"/>
+                        <a:t>+consultarReservasAnfitrion(documentoAnfitrion: char*, fechaDesde: Fecha, fechaHasta: Fecha): void</a:t>
+                      </a:r>
+                    </a:p>
+                    <a:p>
+                      <a:r>
+                        <a:rPr lang="en-CO" sz="900" dirty="0"/>
+                        <a:t>+actualizarReservasHistoricas(nuevaFechaCorte: Fecha): void</a:t>
+                      </a:r>
+                    </a:p>
+                    <a:p>
+                      <a:r>
+                        <a:rPr lang="en-CO" sz="900" dirty="0"/>
+                        <a:t>+ medirConsumoDeRecursos(): void</a:t>
+                      </a:r>
+                    </a:p>
+                    <a:p>
+                      <a:r>
+                        <a:rPr lang="en-CO" sz="900" dirty="0"/>
+                        <a:t>+ cargarDatosDesdeArchivo(): void</a:t>
+                      </a:r>
+                    </a:p>
+                    <a:p>
+                      <a:r>
+                        <a:rPr lang="en-CO" sz="900" dirty="0"/>
+                        <a:t>+ guardarDatosEnArchivo(): void</a:t>
+                      </a:r>
+                      <a:br>
+                        <a:rPr lang="en-US" sz="900" dirty="0"/>
+                      </a:br>
+                      <a:r>
+                        <a:rPr lang="en-US" sz="900" dirty="0"/>
+                        <a:t>- int </a:t>
+                      </a:r>
+                      <a:r>
+                        <a:rPr lang="en-US" sz="900" dirty="0" err="1"/>
+                        <a:t>buscarHuesped</a:t>
+                      </a:r>
+                      <a:r>
+                        <a:rPr lang="en-US" sz="900" dirty="0"/>
+                        <a:t>(char* </a:t>
+                      </a:r>
+                      <a:r>
+                        <a:rPr lang="en-US" sz="900" dirty="0" err="1"/>
+                        <a:t>documento</a:t>
+                      </a:r>
+                      <a:r>
+                        <a:rPr lang="en-US" sz="900" dirty="0"/>
+                        <a:t>)</a:t>
+                      </a:r>
+                    </a:p>
+                    <a:p>
+                      <a:r>
+                        <a:rPr lang="en-US" sz="900" dirty="0"/>
+                        <a:t>- int </a:t>
+                      </a:r>
+                      <a:r>
+                        <a:rPr lang="en-US" sz="900" dirty="0" err="1"/>
+                        <a:t>buscarAlojamiento</a:t>
+                      </a:r>
+                      <a:r>
+                        <a:rPr lang="en-US" sz="900" dirty="0"/>
+                        <a:t>(char* </a:t>
+                      </a:r>
+                      <a:r>
+                        <a:rPr lang="en-US" sz="900" dirty="0" err="1"/>
+                        <a:t>codigo</a:t>
+                      </a:r>
+                      <a:r>
+                        <a:rPr lang="en-US" sz="900" dirty="0"/>
+                        <a:t>)</a:t>
+                      </a:r>
+                    </a:p>
+                    <a:p>
+                      <a:r>
+                        <a:rPr lang="en-US" sz="900" dirty="0"/>
+                        <a:t>- int </a:t>
+                      </a:r>
+                      <a:r>
+                        <a:rPr lang="en-US" sz="900" dirty="0" err="1"/>
+                        <a:t>buscarAnfitrion</a:t>
+                      </a:r>
+                      <a:r>
+                        <a:rPr lang="en-US" sz="900" dirty="0"/>
+                        <a:t>(char* </a:t>
+                      </a:r>
+                      <a:r>
+                        <a:rPr lang="en-US" sz="900" dirty="0" err="1"/>
+                        <a:t>documento</a:t>
+                      </a:r>
+                      <a:r>
+                        <a:rPr lang="en-US" sz="900" dirty="0"/>
+                        <a:t>)</a:t>
+                      </a:r>
+                    </a:p>
+                    <a:p>
+                      <a:r>
+                        <a:rPr lang="en-US" sz="900" dirty="0"/>
+                        <a:t>- </a:t>
+                      </a:r>
+                      <a:r>
+                        <a:rPr lang="en-US" sz="900" dirty="0" err="1"/>
+                        <a:t>Reserva</a:t>
+                      </a:r>
+                      <a:r>
+                        <a:rPr lang="en-US" sz="900" dirty="0"/>
+                        <a:t>* </a:t>
+                      </a:r>
+                      <a:r>
+                        <a:rPr lang="en-US" sz="900" dirty="0" err="1"/>
+                        <a:t>buscarReserva</a:t>
+                      </a:r>
+                      <a:r>
+                        <a:rPr lang="en-US" sz="900" dirty="0"/>
+                        <a:t>(char* </a:t>
+                      </a:r>
+                      <a:r>
+                        <a:rPr lang="en-US" sz="900" dirty="0" err="1"/>
+                        <a:t>codigo</a:t>
+                      </a:r>
+                      <a:r>
+                        <a:rPr lang="en-US" sz="900" dirty="0"/>
+                        <a:t>)</a:t>
+                      </a:r>
+                    </a:p>
+                    <a:p>
+                      <a:r>
+                        <a:rPr lang="en-US" sz="900" dirty="0"/>
+                        <a:t>- char* </a:t>
+                      </a:r>
+                      <a:r>
+                        <a:rPr lang="en-US" sz="900" dirty="0" err="1"/>
+                        <a:t>generarCodigoReserva</a:t>
+                      </a:r>
+                      <a:r>
+                        <a:rPr lang="en-US" sz="900" dirty="0"/>
                         <a:t>()</a:t>
                       </a:r>
                     </a:p>
                     <a:p>
                       <a:r>
-                        <a:rPr lang="es-419" sz="900" dirty="0"/>
-                        <a:t>+ ~</a:t>
-                      </a:r>
-                      <a:r>
-                        <a:rPr lang="es-419" sz="900" dirty="0" err="1"/>
-                        <a:t>UdeAStay</a:t>
-                      </a:r>
-                      <a:r>
-                        <a:rPr lang="es-419" sz="900" dirty="0"/>
+                        <a:rPr lang="en-US" sz="900" dirty="0"/>
+                        <a:t>- </a:t>
+                      </a:r>
+                      <a:r>
+                        <a:rPr lang="en-US" sz="900" dirty="0" err="1"/>
+                        <a:t>Fecha</a:t>
+                      </a:r>
+                      <a:r>
+                        <a:rPr lang="en-US" sz="900" dirty="0"/>
+                        <a:t> </a:t>
+                      </a:r>
+                      <a:r>
+                        <a:rPr lang="en-US" sz="900" dirty="0" err="1"/>
+                        <a:t>sumarDias</a:t>
+                      </a:r>
+                      <a:r>
+                        <a:rPr lang="en-US" sz="900" dirty="0"/>
+                        <a:t>(</a:t>
+                      </a:r>
+                      <a:r>
+                        <a:rPr lang="en-US" sz="900" dirty="0" err="1"/>
+                        <a:t>Fecha</a:t>
+                      </a:r>
+                      <a:r>
+                        <a:rPr lang="en-US" sz="900" dirty="0"/>
+                        <a:t> </a:t>
+                      </a:r>
+                      <a:r>
+                        <a:rPr lang="en-US" sz="900" dirty="0" err="1"/>
+                        <a:t>fecha</a:t>
+                      </a:r>
+                      <a:r>
+                        <a:rPr lang="en-US" sz="900" dirty="0"/>
+                        <a:t>, int </a:t>
+                      </a:r>
+                      <a:r>
+                        <a:rPr lang="en-US" sz="900" dirty="0" err="1"/>
+                        <a:t>cantidad</a:t>
+                      </a:r>
+                      <a:r>
+                        <a:rPr lang="en-US" sz="900" dirty="0"/>
+                        <a:t>)</a:t>
+                      </a:r>
+                    </a:p>
+                    <a:p>
+                      <a:r>
+                        <a:rPr lang="en-US" sz="900" dirty="0"/>
+                        <a:t>- void </a:t>
+                      </a:r>
+                      <a:r>
+                        <a:rPr lang="en-US" sz="900" dirty="0" err="1"/>
+                        <a:t>expandirListasSiEsNecesario</a:t>
+                      </a:r>
+                      <a:r>
+                        <a:rPr lang="en-US" sz="900" dirty="0"/>
                         <a:t>()</a:t>
                       </a:r>
                     </a:p>
                     <a:p>
                       <a:r>
-                        <a:rPr lang="es-419" sz="900" dirty="0"/>
-                        <a:t>+ </a:t>
-                      </a:r>
-                      <a:r>
-                        <a:rPr lang="es-419" sz="900" dirty="0" err="1"/>
-                        <a:t>iniciarSesion</a:t>
-                      </a:r>
-                      <a:r>
-                        <a:rPr lang="es-419" sz="900" dirty="0"/>
+                        <a:rPr lang="en-US" sz="900" dirty="0"/>
+                        <a:t>- bool </a:t>
+                      </a:r>
+                      <a:r>
+                        <a:rPr lang="en-US" sz="900" dirty="0" err="1"/>
+                        <a:t>validarDisponibilidad</a:t>
+                      </a:r>
+                      <a:r>
+                        <a:rPr lang="en-US" sz="900" dirty="0"/>
                         <a:t>(</a:t>
                       </a:r>
                       <a:r>
-                        <a:rPr lang="es-419" sz="900" dirty="0" err="1"/>
-                        <a:t>documentoIdentidad</a:t>
-                      </a:r>
-                      <a:r>
-                        <a:rPr lang="es-419" sz="900" dirty="0"/>
-                        <a:t>: </a:t>
-                      </a:r>
-                      <a:r>
-                        <a:rPr lang="es-419" sz="900" dirty="0" err="1"/>
-                        <a:t>char</a:t>
-                      </a:r>
-                      <a:r>
-                        <a:rPr lang="es-419" sz="900" dirty="0"/>
-                        <a:t>*, </a:t>
-                      </a:r>
-                      <a:r>
-                        <a:rPr lang="es-419" sz="900" dirty="0" err="1"/>
-                        <a:t>tipoUsuario</a:t>
-                      </a:r>
-                      <a:r>
-                        <a:rPr lang="es-419" sz="900" dirty="0"/>
-                        <a:t>: </a:t>
-                      </a:r>
-                      <a:r>
-                        <a:rPr lang="es-419" sz="900" dirty="0" err="1"/>
-                        <a:t>int</a:t>
-                      </a:r>
-                      <a:r>
-                        <a:rPr lang="es-419" sz="900" dirty="0"/>
-                        <a:t>): </a:t>
-                      </a:r>
-                      <a:r>
-                        <a:rPr lang="es-419" sz="900" dirty="0" err="1"/>
-                        <a:t>void</a:t>
-                      </a:r>
-                      <a:endParaRPr lang="es-419" sz="900" dirty="0"/>
-                    </a:p>
-                    <a:p>
-                      <a:r>
-                        <a:rPr lang="es-419" sz="900" dirty="0"/>
-                        <a:t>+ </a:t>
-                      </a:r>
-                      <a:r>
-                        <a:rPr lang="es-419" sz="900" dirty="0" err="1"/>
-                        <a:t>buscarAlojamiento</a:t>
-                      </a:r>
-                      <a:r>
-                        <a:rPr lang="es-419" sz="900" dirty="0"/>
-                        <a:t>(</a:t>
-                      </a:r>
-                      <a:r>
-                        <a:rPr lang="es-419" sz="900" dirty="0" err="1"/>
-                        <a:t>fechaInicio</a:t>
-                      </a:r>
-                      <a:r>
-                        <a:rPr lang="es-419" sz="900" dirty="0"/>
-                        <a:t>: Fecha, municipio: </a:t>
-                      </a:r>
-                      <a:r>
-                        <a:rPr lang="es-419" sz="900" dirty="0" err="1"/>
-                        <a:t>char</a:t>
-                      </a:r>
-                      <a:r>
-                        <a:rPr lang="es-419" sz="900" dirty="0"/>
-                        <a:t>*, </a:t>
-                      </a:r>
-                      <a:r>
-                        <a:rPr lang="es-419" sz="900" dirty="0" err="1"/>
+                        <a:rPr lang="en-US" sz="900" dirty="0" err="1"/>
+                        <a:t>Alojamiento</a:t>
+                      </a:r>
+                      <a:r>
+                        <a:rPr lang="en-US" sz="900" dirty="0"/>
+                        <a:t>* a, </a:t>
+                      </a:r>
+                      <a:r>
+                        <a:rPr lang="en-US" sz="900" dirty="0" err="1"/>
+                        <a:t>Fecha</a:t>
+                      </a:r>
+                      <a:r>
+                        <a:rPr lang="en-US" sz="900" dirty="0"/>
+                        <a:t> </a:t>
+                      </a:r>
+                      <a:r>
+                        <a:rPr lang="en-US" sz="900" dirty="0" err="1"/>
+                        <a:t>inicio</a:t>
+                      </a:r>
+                      <a:r>
+                        <a:rPr lang="en-US" sz="900" dirty="0"/>
+                        <a:t>, int </a:t>
+                      </a:r>
+                      <a:r>
+                        <a:rPr lang="en-US" sz="900" dirty="0" err="1"/>
                         <a:t>duracion</a:t>
                       </a:r>
                       <a:r>
-                        <a:rPr lang="es-419" sz="900" dirty="0"/>
-                        <a:t>: </a:t>
-                      </a:r>
-                      <a:r>
-                        <a:rPr lang="es-419" sz="900" dirty="0" err="1"/>
-                        <a:t>int</a:t>
-                      </a:r>
-                      <a:r>
-                        <a:rPr lang="es-419" sz="900" dirty="0"/>
-                        <a:t>, </a:t>
-                      </a:r>
-                      <a:r>
-                        <a:rPr lang="es-419" sz="900" dirty="0" err="1"/>
-                        <a:t>precioMaximo</a:t>
-                      </a:r>
-                      <a:r>
-                        <a:rPr lang="es-419" sz="900" dirty="0"/>
-                        <a:t>: </a:t>
-                      </a:r>
-                      <a:r>
-                        <a:rPr lang="es-419" sz="900" dirty="0" err="1"/>
-                        <a:t>double</a:t>
-                      </a:r>
-                      <a:r>
-                        <a:rPr lang="es-419" sz="900" dirty="0"/>
-                        <a:t>, </a:t>
-                      </a:r>
-                      <a:r>
-                        <a:rPr lang="es-419" sz="900" dirty="0" err="1"/>
-                        <a:t>puntuacionMinima</a:t>
-                      </a:r>
-                      <a:r>
-                        <a:rPr lang="es-419" sz="900" dirty="0"/>
-                        <a:t>: </a:t>
-                      </a:r>
-                      <a:r>
-                        <a:rPr lang="es-419" sz="900" dirty="0" err="1"/>
-                        <a:t>float</a:t>
-                      </a:r>
-                      <a:r>
-                        <a:rPr lang="es-419" sz="900" dirty="0"/>
-                        <a:t>): </a:t>
-                      </a:r>
-                      <a:r>
-                        <a:rPr lang="es-419" sz="900" dirty="0" err="1"/>
-                        <a:t>void</a:t>
-                      </a:r>
-                      <a:endParaRPr lang="es-419" sz="900" dirty="0"/>
-                    </a:p>
-                    <a:p>
-                      <a:r>
-                        <a:rPr lang="es-419" sz="900" dirty="0"/>
-                        <a:t>+ </a:t>
-                      </a:r>
-                      <a:r>
-                        <a:rPr lang="es-419" sz="900" dirty="0" err="1"/>
-                        <a:t>crearReservacion</a:t>
-                      </a:r>
-                      <a:r>
-                        <a:rPr lang="es-419" sz="900" dirty="0"/>
-                        <a:t>(</a:t>
-                      </a:r>
-                      <a:r>
-                        <a:rPr lang="es-419" sz="900" dirty="0" err="1"/>
-                        <a:t>documentoHuesped</a:t>
-                      </a:r>
-                      <a:r>
-                        <a:rPr lang="es-419" sz="900" dirty="0"/>
-                        <a:t>: </a:t>
-                      </a:r>
-                      <a:r>
-                        <a:rPr lang="es-419" sz="900" dirty="0" err="1"/>
-                        <a:t>char</a:t>
-                      </a:r>
-                      <a:r>
-                        <a:rPr lang="es-419" sz="900" dirty="0"/>
-                        <a:t>*, </a:t>
-                      </a:r>
-                      <a:r>
-                        <a:rPr lang="es-419" sz="900" dirty="0" err="1"/>
-                        <a:t>codigoAlojamiento</a:t>
-                      </a:r>
-                      <a:r>
-                        <a:rPr lang="es-419" sz="900" dirty="0"/>
-                        <a:t>: </a:t>
-                      </a:r>
-                      <a:r>
-                        <a:rPr lang="es-419" sz="900" dirty="0" err="1"/>
-                        <a:t>char</a:t>
-                      </a:r>
-                      <a:r>
-                        <a:rPr lang="es-419" sz="900" dirty="0"/>
-                        <a:t>*, </a:t>
-                      </a:r>
-                      <a:r>
-                        <a:rPr lang="es-419" sz="900" dirty="0" err="1"/>
-                        <a:t>fechaEntrada</a:t>
-                      </a:r>
-                      <a:r>
-                        <a:rPr lang="es-419" sz="900" dirty="0"/>
-                        <a:t>: Fecha, </a:t>
-                      </a:r>
-                      <a:r>
-                        <a:rPr lang="es-419" sz="900" dirty="0" err="1"/>
-                        <a:t>duracion</a:t>
-                      </a:r>
-                      <a:r>
-                        <a:rPr lang="es-419" sz="900" dirty="0"/>
-                        <a:t>: </a:t>
-                      </a:r>
-                      <a:r>
-                        <a:rPr lang="es-419" sz="900" dirty="0" err="1"/>
-                        <a:t>int</a:t>
-                      </a:r>
-                      <a:r>
-                        <a:rPr lang="es-419" sz="900" dirty="0"/>
-                        <a:t>, </a:t>
-                      </a:r>
-                      <a:r>
-                        <a:rPr lang="es-419" sz="900" dirty="0" err="1"/>
-                        <a:t>metodoPago</a:t>
-                      </a:r>
-                      <a:r>
-                        <a:rPr lang="es-419" sz="900" dirty="0"/>
-                        <a:t>: </a:t>
-                      </a:r>
-                      <a:r>
-                        <a:rPr lang="es-419" sz="900" dirty="0" err="1"/>
-                        <a:t>int</a:t>
-                      </a:r>
-                      <a:r>
-                        <a:rPr lang="es-419" sz="900" dirty="0"/>
-                        <a:t>, monto: </a:t>
-                      </a:r>
-                      <a:r>
-                        <a:rPr lang="es-419" sz="900" dirty="0" err="1"/>
-                        <a:t>double</a:t>
-                      </a:r>
-                      <a:r>
-                        <a:rPr lang="es-419" sz="900" dirty="0"/>
-                        <a:t>, anotaciones: </a:t>
-                      </a:r>
-                      <a:r>
-                        <a:rPr lang="es-419" sz="900" dirty="0" err="1"/>
-                        <a:t>char</a:t>
-                      </a:r>
-                      <a:r>
-                        <a:rPr lang="es-419" sz="900" dirty="0"/>
-                        <a:t>*): </a:t>
-                      </a:r>
-                      <a:r>
-                        <a:rPr lang="es-419" sz="900" dirty="0" err="1"/>
-                        <a:t>void</a:t>
-                      </a:r>
-                      <a:endParaRPr lang="es-419" sz="900" dirty="0"/>
-                    </a:p>
-                    <a:p>
-                      <a:r>
-                        <a:rPr lang="es-419" sz="900" dirty="0"/>
-                        <a:t>+ </a:t>
-                      </a:r>
-                      <a:r>
-                        <a:rPr lang="es-419" sz="900" dirty="0" err="1"/>
-                        <a:t>anularReservacion</a:t>
-                      </a:r>
-                      <a:r>
-                        <a:rPr lang="es-419" sz="900" dirty="0"/>
-                        <a:t>(</a:t>
-                      </a:r>
-                      <a:r>
-                        <a:rPr lang="es-419" sz="900" dirty="0" err="1"/>
-                        <a:t>codigoReservacion</a:t>
-                      </a:r>
-                      <a:r>
-                        <a:rPr lang="es-419" sz="900" dirty="0"/>
-                        <a:t>: </a:t>
-                      </a:r>
-                      <a:r>
-                        <a:rPr lang="es-419" sz="900" dirty="0" err="1"/>
-                        <a:t>char</a:t>
-                      </a:r>
-                      <a:r>
-                        <a:rPr lang="es-419" sz="900" dirty="0"/>
-                        <a:t>*): </a:t>
-                      </a:r>
-                      <a:r>
-                        <a:rPr lang="es-419" sz="900" dirty="0" err="1"/>
-                        <a:t>void</a:t>
-                      </a:r>
-                      <a:endParaRPr lang="es-419" sz="900" dirty="0"/>
-                    </a:p>
-                    <a:p>
-                      <a:r>
-                        <a:rPr lang="es-419" sz="900" dirty="0"/>
-                        <a:t>+</a:t>
-                      </a:r>
-                      <a:r>
-                        <a:rPr lang="es-419" sz="900" dirty="0" err="1"/>
-                        <a:t>consultarReservasAnfitrion</a:t>
-                      </a:r>
-                      <a:r>
-                        <a:rPr lang="es-419" sz="900" dirty="0"/>
-                        <a:t>(</a:t>
-                      </a:r>
-                      <a:r>
-                        <a:rPr lang="es-419" sz="900" dirty="0" err="1"/>
-                        <a:t>documentoAnfitrion</a:t>
-                      </a:r>
-                      <a:r>
-                        <a:rPr lang="es-419" sz="900" dirty="0"/>
-                        <a:t>: </a:t>
-                      </a:r>
-                      <a:r>
-                        <a:rPr lang="es-419" sz="900" dirty="0" err="1"/>
-                        <a:t>char</a:t>
-                      </a:r>
-                      <a:r>
-                        <a:rPr lang="es-419" sz="900" dirty="0"/>
-                        <a:t>*, </a:t>
-                      </a:r>
-                      <a:r>
-                        <a:rPr lang="es-419" sz="900" dirty="0" err="1"/>
-                        <a:t>fechaDesde</a:t>
-                      </a:r>
-                      <a:r>
-                        <a:rPr lang="es-419" sz="900" dirty="0"/>
-                        <a:t>: Fecha, </a:t>
-                      </a:r>
-                      <a:r>
-                        <a:rPr lang="es-419" sz="900" dirty="0" err="1"/>
-                        <a:t>fechaHasta</a:t>
-                      </a:r>
-                      <a:r>
-                        <a:rPr lang="es-419" sz="900" dirty="0"/>
-                        <a:t>: Fecha): </a:t>
-                      </a:r>
-                      <a:r>
-                        <a:rPr lang="es-419" sz="900" dirty="0" err="1"/>
-                        <a:t>void</a:t>
-                      </a:r>
-                      <a:endParaRPr lang="es-419" sz="900" dirty="0"/>
-                    </a:p>
-                    <a:p>
-                      <a:r>
-                        <a:rPr lang="es-419" sz="900" dirty="0"/>
-                        <a:t>+</a:t>
-                      </a:r>
-                      <a:r>
-                        <a:rPr lang="es-419" sz="900" dirty="0" err="1"/>
-                        <a:t>actualizarReservacionesHistoricas</a:t>
-                      </a:r>
-                      <a:r>
-                        <a:rPr lang="es-419" sz="900" dirty="0"/>
-                        <a:t>(</a:t>
-                      </a:r>
-                      <a:r>
-                        <a:rPr lang="es-419" sz="900" dirty="0" err="1"/>
-                        <a:t>nuevaFechaCorte</a:t>
-                      </a:r>
-                      <a:r>
-                        <a:rPr lang="es-419" sz="900" dirty="0"/>
-                        <a:t>: Fecha): </a:t>
-                      </a:r>
-                      <a:r>
-                        <a:rPr lang="es-419" sz="900" dirty="0" err="1"/>
-                        <a:t>void</a:t>
-                      </a:r>
-                      <a:endParaRPr lang="es-419" sz="900" dirty="0"/>
-                    </a:p>
-                    <a:p>
-                      <a:r>
-                        <a:rPr lang="es-419" sz="900" dirty="0"/>
-                        <a:t>+ </a:t>
-                      </a:r>
-                      <a:r>
-                        <a:rPr lang="es-419" sz="900" dirty="0" err="1"/>
-                        <a:t>medirConsumoDeRecursos</a:t>
-                      </a:r>
-                      <a:r>
-                        <a:rPr lang="es-419" sz="900" dirty="0"/>
-                        <a:t>(): </a:t>
-                      </a:r>
-                      <a:r>
-                        <a:rPr lang="es-419" sz="900" dirty="0" err="1"/>
-                        <a:t>void</a:t>
-                      </a:r>
-                      <a:endParaRPr lang="es-419" sz="900" dirty="0"/>
-                    </a:p>
-                    <a:p>
-                      <a:r>
-                        <a:rPr lang="es-419" sz="900" dirty="0"/>
-                        <a:t>+ </a:t>
-                      </a:r>
-                      <a:r>
-                        <a:rPr lang="es-419" sz="900" dirty="0" err="1"/>
-                        <a:t>cargarDatosDesdeArchivo</a:t>
-                      </a:r>
-                      <a:r>
-                        <a:rPr lang="es-419" sz="900" dirty="0"/>
-                        <a:t>(): </a:t>
-                      </a:r>
-                      <a:r>
-                        <a:rPr lang="es-419" sz="900" dirty="0" err="1"/>
-                        <a:t>void</a:t>
-                      </a:r>
-                      <a:endParaRPr lang="es-419" sz="900" dirty="0"/>
-                    </a:p>
-                    <a:p>
-                      <a:r>
-                        <a:rPr lang="es-419" sz="900" dirty="0"/>
-                        <a:t>+ </a:t>
-                      </a:r>
-                      <a:r>
-                        <a:rPr lang="es-419" sz="900" dirty="0" err="1"/>
-                        <a:t>guardarDatosEnArchivo</a:t>
-                      </a:r>
-                      <a:r>
-                        <a:rPr lang="es-419" sz="900" dirty="0"/>
-                        <a:t>(): </a:t>
-                      </a:r>
-                      <a:r>
-                        <a:rPr lang="es-419" sz="900" dirty="0" err="1"/>
-                        <a:t>void</a:t>
+                        <a:rPr lang="en-US" sz="900" dirty="0"/>
+                        <a:t>)</a:t>
                       </a:r>
                       <a:endParaRPr lang="en-CO" sz="900" dirty="0"/>
                     </a:p>
@@ -5562,15 +4773,14 @@
           </p:cNvPr>
           <p:cNvCxnSpPr>
             <a:cxnSpLocks/>
-            <a:stCxn id="8" idx="0"/>
             <a:endCxn id="3" idx="2"/>
           </p:cNvCxnSpPr>
           <p:nvPr/>
         </p:nvCxnSpPr>
         <p:spPr>
-          <a:xfrm flipV="1">
-            <a:off x="1750558" y="4725981"/>
-            <a:ext cx="0" cy="370536"/>
+          <a:xfrm flipH="1">
+            <a:off x="1658623" y="5616181"/>
+            <a:ext cx="216591" cy="0"/>
           </a:xfrm>
           <a:prstGeom prst="line">
             <a:avLst/>
@@ -5654,14 +4864,14 @@
           <p:nvPr>
             <p:extLst>
               <p:ext uri="{D42A27DB-BD31-4B8C-83A1-F6EECF244321}">
-                <p14:modId xmlns:p14="http://schemas.microsoft.com/office/powerpoint/2010/main" val="477826820"/>
+                <p14:modId xmlns:p14="http://schemas.microsoft.com/office/powerpoint/2010/main" val="1710120569"/>
               </p:ext>
             </p:extLst>
           </p:nvPr>
         </p:nvGraphicFramePr>
         <p:xfrm>
           <a:off x="6478502" y="131121"/>
-          <a:ext cx="2285551" cy="5692140"/>
+          <a:ext cx="2285551" cy="6103620"/>
         </p:xfrm>
         <a:graphic>
           <a:graphicData uri="http://schemas.openxmlformats.org/drawingml/2006/table">
@@ -5708,7 +4918,7 @@
                     <a:p>
                       <a:r>
                         <a:rPr lang="en-US" sz="900" dirty="0"/>
-                        <a:t>– </a:t>
+                        <a:t>- </a:t>
                       </a:r>
                       <a:r>
                         <a:rPr lang="en-US" sz="900" dirty="0" err="1"/>
@@ -5722,7 +4932,7 @@
                     <a:p>
                       <a:r>
                         <a:rPr lang="en-US" sz="900" dirty="0"/>
-                        <a:t>– </a:t>
+                        <a:t>- </a:t>
                       </a:r>
                       <a:r>
                         <a:rPr lang="en-US" sz="900" dirty="0" err="1"/>
@@ -5736,19 +4946,27 @@
                     <a:p>
                       <a:r>
                         <a:rPr lang="en-US" sz="900" dirty="0"/>
-                        <a:t>– Departamento: char*</a:t>
-                      </a:r>
-                    </a:p>
-                    <a:p>
-                      <a:r>
-                        <a:rPr lang="en-US" sz="900" dirty="0"/>
-                        <a:t>– Municipio: char*</a:t>
-                      </a:r>
-                    </a:p>
-                    <a:p>
-                      <a:r>
-                        <a:rPr lang="en-US" sz="900" dirty="0"/>
-                        <a:t>– </a:t>
+                        <a:t>- </a:t>
+                      </a:r>
+                      <a:r>
+                        <a:rPr lang="en-US" sz="900" dirty="0" err="1"/>
+                        <a:t>departamento</a:t>
+                      </a:r>
+                      <a:r>
+                        <a:rPr lang="en-US" sz="900" dirty="0"/>
+                        <a:t>: char*</a:t>
+                      </a:r>
+                    </a:p>
+                    <a:p>
+                      <a:r>
+                        <a:rPr lang="en-US" sz="900" dirty="0"/>
+                        <a:t>- municipio: char*</a:t>
+                      </a:r>
+                    </a:p>
+                    <a:p>
+                      <a:r>
+                        <a:rPr lang="en-US" sz="900" dirty="0"/>
+                        <a:t>- </a:t>
                       </a:r>
                       <a:r>
                         <a:rPr lang="en-US" sz="900" dirty="0" err="1"/>
@@ -5762,7 +4980,7 @@
                     <a:p>
                       <a:r>
                         <a:rPr lang="en-US" sz="900" dirty="0"/>
-                        <a:t>– </a:t>
+                        <a:t>- </a:t>
                       </a:r>
                       <a:r>
                         <a:rPr lang="en-US" sz="900" dirty="0" err="1"/>
@@ -5770,18 +4988,13 @@
                       </a:r>
                       <a:r>
                         <a:rPr lang="en-US" sz="900" dirty="0"/>
-                        <a:t>: int  // 0 = casa, 1 = </a:t>
-                      </a:r>
-                      <a:r>
-                        <a:rPr lang="en-US" sz="900" dirty="0" err="1"/>
-                        <a:t>apartamento</a:t>
-                      </a:r>
-                      <a:endParaRPr lang="en-US" sz="900" dirty="0"/>
-                    </a:p>
-                    <a:p>
-                      <a:r>
-                        <a:rPr lang="en-US" sz="900" dirty="0"/>
-                        <a:t>– </a:t>
+                        <a:t>: int</a:t>
+                      </a:r>
+                    </a:p>
+                    <a:p>
+                      <a:r>
+                        <a:rPr lang="en-US" sz="900" dirty="0"/>
+                        <a:t>- </a:t>
                       </a:r>
                       <a:r>
                         <a:rPr lang="en-US" sz="900" dirty="0" err="1"/>
@@ -5795,7 +5008,7 @@
                     <a:p>
                       <a:r>
                         <a:rPr lang="en-US" sz="900" dirty="0"/>
-                        <a:t>– </a:t>
+                        <a:t>- </a:t>
                       </a:r>
                       <a:r>
                         <a:rPr lang="en-US" sz="900" dirty="0" err="1"/>
@@ -5803,13 +5016,13 @@
                       </a:r>
                       <a:r>
                         <a:rPr lang="en-US" sz="900" dirty="0"/>
-                        <a:t>: int       </a:t>
-                      </a:r>
-                    </a:p>
-                    <a:p>
-                      <a:r>
-                        <a:rPr lang="en-US" sz="900" dirty="0"/>
-                        <a:t>– </a:t>
+                        <a:t>: int</a:t>
+                      </a:r>
+                    </a:p>
+                    <a:p>
+                      <a:r>
+                        <a:rPr lang="en-US" sz="900" dirty="0"/>
+                        <a:t>- </a:t>
                       </a:r>
                       <a:r>
                         <a:rPr lang="en-US" sz="900" dirty="0" err="1"/>
@@ -5831,7 +5044,7 @@
                     <a:p>
                       <a:r>
                         <a:rPr lang="en-US" sz="900" dirty="0"/>
-                        <a:t>– </a:t>
+                        <a:t>- </a:t>
                       </a:r>
                       <a:r>
                         <a:rPr lang="en-US" sz="900" dirty="0" err="1"/>
@@ -5845,11 +5058,11 @@
                     <a:p>
                       <a:r>
                         <a:rPr lang="en-US" sz="900" dirty="0"/>
-                        <a:t>– </a:t>
-                      </a:r>
-                      <a:r>
-                        <a:rPr lang="en-US" sz="900" dirty="0" err="1"/>
-                        <a:t>cantidadReservaciones</a:t>
+                        <a:t>- </a:t>
+                      </a:r>
+                      <a:r>
+                        <a:rPr lang="en-US" sz="900" dirty="0" err="1"/>
+                        <a:t>cantidadReservas</a:t>
                       </a:r>
                       <a:r>
                         <a:rPr lang="en-US" sz="900" dirty="0"/>
@@ -5859,11 +5072,11 @@
                     <a:p>
                       <a:r>
                         <a:rPr lang="en-US" sz="900" dirty="0"/>
-                        <a:t>– </a:t>
-                      </a:r>
-                      <a:r>
-                        <a:rPr lang="en-US" sz="900" dirty="0" err="1"/>
-                        <a:t>capacidadReservaciones</a:t>
+                        <a:t>- </a:t>
+                      </a:r>
+                      <a:r>
+                        <a:rPr lang="en-US" sz="900" dirty="0" err="1"/>
+                        <a:t>capacidadReservas</a:t>
                       </a:r>
                       <a:r>
                         <a:rPr lang="en-US" sz="900" dirty="0"/>
@@ -5873,7 +5086,7 @@
                     <a:p>
                       <a:r>
                         <a:rPr lang="en-US" sz="900" dirty="0"/>
-                        <a:t>– </a:t>
+                        <a:t>- </a:t>
                       </a:r>
                       <a:r>
                         <a:rPr lang="en-US" sz="900" dirty="0" err="1"/>
@@ -6354,7 +5567,7 @@
                       </a:r>
                       <a:r>
                         <a:rPr lang="es-419" sz="900" dirty="0" err="1"/>
-                        <a:t>agregarReservacion</a:t>
+                        <a:t>agregarReserva</a:t>
                       </a:r>
                       <a:r>
                         <a:rPr lang="es-419" sz="900" dirty="0"/>
@@ -6397,7 +5610,7 @@
                       </a:r>
                       <a:r>
                         <a:rPr lang="es-419" sz="900" dirty="0" err="1"/>
-                        <a:t>eliminarReservacion</a:t>
+                        <a:t>eliminarReserva</a:t>
                       </a:r>
                       <a:r>
                         <a:rPr lang="es-419" sz="900" dirty="0"/>
@@ -6405,7 +5618,7 @@
                       </a:r>
                       <a:r>
                         <a:rPr lang="es-419" sz="900" dirty="0" err="1"/>
-                        <a:t>codigoReservacion</a:t>
+                        <a:t>codigoReserva</a:t>
                       </a:r>
                       <a:r>
                         <a:rPr lang="es-419" sz="900" dirty="0"/>
@@ -6445,6 +5658,105 @@
                       <a:r>
                         <a:rPr lang="es-419" sz="900" dirty="0"/>
                         <a:t>*</a:t>
+                      </a:r>
+                      <a:br>
+                        <a:rPr lang="es-419" sz="900" dirty="0"/>
+                      </a:br>
+                      <a:r>
+                        <a:rPr lang="es-ES" sz="900" dirty="0"/>
+                        <a:t>- </a:t>
+                      </a:r>
+                      <a:r>
+                        <a:rPr lang="es-ES" sz="900" dirty="0" err="1"/>
+                        <a:t>int</a:t>
+                      </a:r>
+                      <a:r>
+                        <a:rPr lang="es-ES" sz="900" dirty="0"/>
+                        <a:t> </a:t>
+                      </a:r>
+                      <a:r>
+                        <a:rPr lang="es-ES" sz="900" dirty="0" err="1"/>
+                        <a:t>buscarReserva</a:t>
+                      </a:r>
+                      <a:r>
+                        <a:rPr lang="es-ES" sz="900" dirty="0"/>
+                        <a:t>(</a:t>
+                      </a:r>
+                      <a:r>
+                        <a:rPr lang="es-ES" sz="900" dirty="0" err="1"/>
+                        <a:t>char</a:t>
+                      </a:r>
+                      <a:r>
+                        <a:rPr lang="es-ES" sz="900" dirty="0"/>
+                        <a:t>* </a:t>
+                      </a:r>
+                      <a:r>
+                        <a:rPr lang="es-ES" sz="900" dirty="0" err="1"/>
+                        <a:t>codigo</a:t>
+                      </a:r>
+                      <a:r>
+                        <a:rPr lang="es-ES" sz="900" dirty="0"/>
+                        <a:t>)</a:t>
+                      </a:r>
+                    </a:p>
+                    <a:p>
+                      <a:r>
+                        <a:rPr lang="es-ES" sz="900" dirty="0"/>
+                        <a:t>- </a:t>
+                      </a:r>
+                      <a:r>
+                        <a:rPr lang="es-ES" sz="900" dirty="0" err="1"/>
+                        <a:t>void</a:t>
+                      </a:r>
+                      <a:r>
+                        <a:rPr lang="es-ES" sz="900" dirty="0"/>
+                        <a:t> </a:t>
+                      </a:r>
+                      <a:r>
+                        <a:rPr lang="es-ES" sz="900" dirty="0" err="1"/>
+                        <a:t>expandirReservas</a:t>
+                      </a:r>
+                      <a:r>
+                        <a:rPr lang="es-ES" sz="900" dirty="0"/>
+                        <a:t>()</a:t>
+                      </a:r>
+                    </a:p>
+                    <a:p>
+                      <a:r>
+                        <a:rPr lang="es-ES" sz="900" dirty="0"/>
+                        <a:t>- </a:t>
+                      </a:r>
+                      <a:r>
+                        <a:rPr lang="es-ES" sz="900" dirty="0" err="1"/>
+                        <a:t>bool</a:t>
+                      </a:r>
+                      <a:r>
+                        <a:rPr lang="es-ES" sz="900" dirty="0"/>
+                        <a:t> </a:t>
+                      </a:r>
+                      <a:r>
+                        <a:rPr lang="es-ES" sz="900" dirty="0" err="1"/>
+                        <a:t>seCruzanFechas</a:t>
+                      </a:r>
+                      <a:r>
+                        <a:rPr lang="es-ES" sz="900" dirty="0"/>
+                        <a:t>(Fecha nueva, </a:t>
+                      </a:r>
+                      <a:r>
+                        <a:rPr lang="es-ES" sz="900" dirty="0" err="1"/>
+                        <a:t>int</a:t>
+                      </a:r>
+                      <a:r>
+                        <a:rPr lang="es-ES" sz="900" dirty="0"/>
+                        <a:t> </a:t>
+                      </a:r>
+                      <a:r>
+                        <a:rPr lang="es-ES" sz="900" dirty="0" err="1"/>
+                        <a:t>duracion</a:t>
+                      </a:r>
+                      <a:r>
+                        <a:rPr lang="es-ES" sz="900" dirty="0"/>
+                        <a:t>)</a:t>
                       </a:r>
                       <a:endParaRPr lang="en-CO" sz="900" dirty="0"/>
                     </a:p>
@@ -6472,13 +5784,14 @@
           </p:cNvPr>
           <p:cNvCxnSpPr>
             <a:cxnSpLocks/>
+            <a:endCxn id="6" idx="2"/>
           </p:cNvCxnSpPr>
           <p:nvPr/>
         </p:nvCxnSpPr>
         <p:spPr>
           <a:xfrm flipV="1">
-            <a:off x="4571999" y="2653341"/>
-            <a:ext cx="0" cy="418938"/>
+            <a:off x="4572000" y="2278621"/>
+            <a:ext cx="2" cy="68339"/>
           </a:xfrm>
           <a:prstGeom prst="line">
             <a:avLst/>
@@ -6709,13 +6022,14 @@
           <p:cNvCxnSpPr>
             <a:cxnSpLocks/>
             <a:stCxn id="51" idx="0"/>
+            <a:endCxn id="42" idx="2"/>
           </p:cNvCxnSpPr>
           <p:nvPr/>
         </p:nvCxnSpPr>
         <p:spPr>
           <a:xfrm flipV="1">
-            <a:off x="7621277" y="5823261"/>
-            <a:ext cx="9524" cy="601987"/>
+            <a:off x="7621277" y="6234741"/>
+            <a:ext cx="0" cy="190507"/>
           </a:xfrm>
           <a:prstGeom prst="line">
             <a:avLst/>
@@ -7029,7 +6343,7 @@
         </p:nvSpPr>
         <p:spPr>
           <a:xfrm>
-            <a:off x="4536555" y="2838691"/>
+            <a:off x="5389673" y="1793983"/>
             <a:ext cx="266420" cy="276999"/>
           </a:xfrm>
           <a:prstGeom prst="rect">
@@ -7065,79 +6379,7 @@
         </p:nvSpPr>
         <p:spPr>
           <a:xfrm>
-            <a:off x="4536555" y="2605634"/>
-            <a:ext cx="266420" cy="276999"/>
-          </a:xfrm>
-          <a:prstGeom prst="rect">
-            <a:avLst/>
-          </a:prstGeom>
-          <a:noFill/>
-        </p:spPr>
-        <p:txBody>
-          <a:bodyPr wrap="none" rtlCol="0">
-            <a:spAutoFit/>
-          </a:bodyPr>
-          <a:lstStyle/>
-          <a:p>
-            <a:r>
-              <a:rPr lang="es-ES" sz="1200" dirty="0"/>
-              <a:t>1</a:t>
-            </a:r>
-            <a:endParaRPr lang="es-CO" sz="1200" dirty="0"/>
-          </a:p>
-        </p:txBody>
-      </p:sp>
-      <p:sp>
-        <p:nvSpPr>
-          <p:cNvPr id="28" name="CuadroTexto 16">
-            <a:extLst>
-              <a:ext uri="{FF2B5EF4-FFF2-40B4-BE49-F238E27FC236}">
-                <a16:creationId xmlns:a16="http://schemas.microsoft.com/office/drawing/2014/main" id="{917B2054-9F3B-2D56-D1F2-2E03C2E3CDD0}"/>
-              </a:ext>
-            </a:extLst>
-          </p:cNvPr>
-          <p:cNvSpPr txBox="1"/>
-          <p:nvPr/>
-        </p:nvSpPr>
-        <p:spPr>
-          <a:xfrm>
-            <a:off x="1706108" y="4863968"/>
-            <a:ext cx="266420" cy="276999"/>
-          </a:xfrm>
-          <a:prstGeom prst="rect">
-            <a:avLst/>
-          </a:prstGeom>
-          <a:noFill/>
-        </p:spPr>
-        <p:txBody>
-          <a:bodyPr wrap="none" rtlCol="0">
-            <a:spAutoFit/>
-          </a:bodyPr>
-          <a:lstStyle/>
-          <a:p>
-            <a:r>
-              <a:rPr lang="es-ES" sz="1200" dirty="0"/>
-              <a:t>1</a:t>
-            </a:r>
-            <a:endParaRPr lang="es-CO" sz="1200" dirty="0"/>
-          </a:p>
-        </p:txBody>
-      </p:sp>
-      <p:sp>
-        <p:nvSpPr>
-          <p:cNvPr id="29" name="CuadroTexto 16">
-            <a:extLst>
-              <a:ext uri="{FF2B5EF4-FFF2-40B4-BE49-F238E27FC236}">
-                <a16:creationId xmlns:a16="http://schemas.microsoft.com/office/drawing/2014/main" id="{86403EC8-A7C5-0F97-9D09-E5916F05F9F1}"/>
-              </a:ext>
-            </a:extLst>
-          </p:cNvPr>
-          <p:cNvSpPr txBox="1"/>
-          <p:nvPr/>
-        </p:nvSpPr>
-        <p:spPr>
-          <a:xfrm>
-            <a:off x="1706108" y="4681531"/>
+            <a:off x="5414281" y="1996850"/>
             <a:ext cx="266420" cy="276999"/>
           </a:xfrm>
           <a:prstGeom prst="rect">
@@ -7195,6 +6437,156 @@
           </a:p>
         </p:txBody>
       </p:sp>
+      <p:graphicFrame>
+        <p:nvGraphicFramePr>
+          <p:cNvPr id="13" name="Table 9">
+            <a:extLst>
+              <a:ext uri="{FF2B5EF4-FFF2-40B4-BE49-F238E27FC236}">
+                <a16:creationId xmlns:a16="http://schemas.microsoft.com/office/drawing/2014/main" id="{6F7039AA-5065-1680-9871-DFA51830A66D}"/>
+              </a:ext>
+            </a:extLst>
+          </p:cNvPr>
+          <p:cNvGraphicFramePr>
+            <a:graphicFrameLocks noGrp="1"/>
+          </p:cNvGraphicFramePr>
+          <p:nvPr>
+            <p:extLst>
+              <p:ext uri="{D42A27DB-BD31-4B8C-83A1-F6EECF244321}">
+                <p14:modId xmlns:p14="http://schemas.microsoft.com/office/powerpoint/2010/main" val="123254151"/>
+              </p:ext>
+            </p:extLst>
+          </p:nvPr>
+        </p:nvGraphicFramePr>
+        <p:xfrm>
+          <a:off x="659282" y="6273832"/>
+          <a:ext cx="2285551" cy="743902"/>
+        </p:xfrm>
+        <a:graphic>
+          <a:graphicData uri="http://schemas.openxmlformats.org/drawingml/2006/table">
+            <a:tbl>
+              <a:tblPr firstRow="1" bandRow="1">
+                <a:tableStyleId>{5940675A-B579-460E-94D1-54222C63F5DA}</a:tableStyleId>
+              </a:tblPr>
+              <a:tblGrid>
+                <a:gridCol w="2285551">
+                  <a:extLst>
+                    <a:ext uri="{9D8B030D-6E8A-4147-A177-3AD203B41FA5}">
+                      <a16:colId xmlns:a16="http://schemas.microsoft.com/office/drawing/2014/main" val="2587242417"/>
+                    </a:ext>
+                  </a:extLst>
+                </a:gridCol>
+              </a:tblGrid>
+              <a:tr h="0">
+                <a:tc>
+                  <a:txBody>
+                    <a:bodyPr/>
+                    <a:lstStyle/>
+                    <a:p>
+                      <a:pPr algn="ctr"/>
+                      <a:r>
+                        <a:rPr lang="es-419" sz="900" dirty="0" err="1"/>
+                        <a:t>Huesped</a:t>
+                      </a:r>
+                      <a:endParaRPr lang="en-CO" sz="900" dirty="0"/>
+                    </a:p>
+                  </a:txBody>
+                  <a:tcPr marL="68580" marR="68580" marT="34290" marB="34290"/>
+                </a:tc>
+                <a:extLst>
+                  <a:ext uri="{0D108BD9-81ED-4DB2-BD59-A6C34878D82A}">
+                    <a16:rowId xmlns:a16="http://schemas.microsoft.com/office/drawing/2014/main" val="3263559475"/>
+                  </a:ext>
+                </a:extLst>
+              </a:tr>
+              <a:tr h="271462">
+                <a:tc>
+                  <a:txBody>
+                    <a:bodyPr/>
+                    <a:lstStyle/>
+                    <a:p>
+                      <a:r>
+                        <a:rPr lang="en-US" sz="900" dirty="0"/>
+                        <a:t>…</a:t>
+                      </a:r>
+                      <a:endParaRPr lang="en-CO" sz="900" dirty="0"/>
+                    </a:p>
+                  </a:txBody>
+                  <a:tcPr marL="68580" marR="68580" marT="34290" marB="34290"/>
+                </a:tc>
+                <a:extLst>
+                  <a:ext uri="{0D108BD9-81ED-4DB2-BD59-A6C34878D82A}">
+                    <a16:rowId xmlns:a16="http://schemas.microsoft.com/office/drawing/2014/main" val="2954312317"/>
+                  </a:ext>
+                </a:extLst>
+              </a:tr>
+              <a:tr h="266700">
+                <a:tc>
+                  <a:txBody>
+                    <a:bodyPr/>
+                    <a:lstStyle/>
+                    <a:p>
+                      <a:r>
+                        <a:rPr lang="en-US" sz="900" dirty="0"/>
+                        <a:t>…</a:t>
+                      </a:r>
+                      <a:endParaRPr lang="en-CO" sz="900" dirty="0"/>
+                    </a:p>
+                  </a:txBody>
+                  <a:tcPr marL="68580" marR="68580" marT="34290" marB="34290"/>
+                </a:tc>
+                <a:extLst>
+                  <a:ext uri="{0D108BD9-81ED-4DB2-BD59-A6C34878D82A}">
+                    <a16:rowId xmlns:a16="http://schemas.microsoft.com/office/drawing/2014/main" val="2815277544"/>
+                  </a:ext>
+                </a:extLst>
+              </a:tr>
+            </a:tbl>
+          </a:graphicData>
+        </a:graphic>
+      </p:graphicFrame>
+      <p:cxnSp>
+        <p:nvCxnSpPr>
+          <p:cNvPr id="15" name="Conector recto 4">
+            <a:extLst>
+              <a:ext uri="{FF2B5EF4-FFF2-40B4-BE49-F238E27FC236}">
+                <a16:creationId xmlns:a16="http://schemas.microsoft.com/office/drawing/2014/main" id="{9369EA49-EF1D-B339-72B4-7151CC92B96D}"/>
+              </a:ext>
+            </a:extLst>
+          </p:cNvPr>
+          <p:cNvCxnSpPr>
+            <a:cxnSpLocks/>
+          </p:cNvCxnSpPr>
+          <p:nvPr/>
+        </p:nvCxnSpPr>
+        <p:spPr>
+          <a:xfrm flipV="1">
+            <a:off x="1766918" y="5616181"/>
+            <a:ext cx="0" cy="657651"/>
+          </a:xfrm>
+          <a:prstGeom prst="line">
+            <a:avLst/>
+          </a:prstGeom>
+          <a:ln>
+            <a:solidFill>
+              <a:schemeClr val="tx1"/>
+            </a:solidFill>
+          </a:ln>
+        </p:spPr>
+        <p:style>
+          <a:lnRef idx="2">
+            <a:schemeClr val="accent1"/>
+          </a:lnRef>
+          <a:fillRef idx="0">
+            <a:schemeClr val="accent1"/>
+          </a:fillRef>
+          <a:effectRef idx="1">
+            <a:schemeClr val="accent1"/>
+          </a:effectRef>
+          <a:fontRef idx="minor">
+            <a:schemeClr val="tx1"/>
+          </a:fontRef>
+        </p:style>
+      </p:cxnSp>
     </p:spTree>
     <p:extLst>
       <p:ext uri="{BB962C8B-B14F-4D97-AF65-F5344CB8AC3E}">
@@ -7240,14 +6632,14 @@
           <p:nvPr>
             <p:extLst>
               <p:ext uri="{D42A27DB-BD31-4B8C-83A1-F6EECF244321}">
-                <p14:modId xmlns:p14="http://schemas.microsoft.com/office/powerpoint/2010/main" val="1219453021"/>
+                <p14:modId xmlns:p14="http://schemas.microsoft.com/office/powerpoint/2010/main" val="3097733784"/>
               </p:ext>
             </p:extLst>
           </p:nvPr>
         </p:nvGraphicFramePr>
         <p:xfrm>
           <a:off x="3467323" y="1214431"/>
-          <a:ext cx="2388550" cy="3634740"/>
+          <a:ext cx="2388550" cy="3771900"/>
         </p:xfrm>
         <a:graphic>
           <a:graphicData uri="http://schemas.openxmlformats.org/drawingml/2006/table">
@@ -7294,7 +6686,7 @@
                     <a:p>
                       <a:r>
                         <a:rPr lang="en-US" sz="900" dirty="0"/>
-                        <a:t>– </a:t>
+                        <a:t>- </a:t>
                       </a:r>
                       <a:r>
                         <a:rPr lang="en-US" sz="900" dirty="0" err="1"/>
@@ -7308,7 +6700,7 @@
                     <a:p>
                       <a:r>
                         <a:rPr lang="en-US" sz="900" dirty="0"/>
-                        <a:t>– </a:t>
+                        <a:t>- </a:t>
                       </a:r>
                       <a:r>
                         <a:rPr lang="en-US" sz="900" dirty="0" err="1"/>
@@ -7322,7 +6714,7 @@
                     <a:p>
                       <a:r>
                         <a:rPr lang="en-US" sz="900" dirty="0"/>
-                        <a:t>– </a:t>
+                        <a:t>- </a:t>
                       </a:r>
                       <a:r>
                         <a:rPr lang="en-US" sz="900" dirty="0" err="1"/>
@@ -7336,7 +6728,7 @@
                     <a:p>
                       <a:r>
                         <a:rPr lang="en-US" sz="900" dirty="0"/>
-                        <a:t>– </a:t>
+                        <a:t>- </a:t>
                       </a:r>
                       <a:r>
                         <a:rPr lang="en-US" sz="900" dirty="0" err="1"/>
@@ -7350,7 +6742,7 @@
                     <a:p>
                       <a:r>
                         <a:rPr lang="en-US" sz="900" dirty="0"/>
-                        <a:t>– </a:t>
+                        <a:t>- </a:t>
                       </a:r>
                       <a:r>
                         <a:rPr lang="en-US" sz="900" dirty="0" err="1"/>
@@ -7372,7 +6764,7 @@
                     <a:p>
                       <a:r>
                         <a:rPr lang="en-US" sz="900" dirty="0"/>
-                        <a:t>– </a:t>
+                        <a:t>- </a:t>
                       </a:r>
                       <a:r>
                         <a:rPr lang="en-US" sz="900" dirty="0" err="1"/>
@@ -7386,7 +6778,7 @@
                     <a:p>
                       <a:r>
                         <a:rPr lang="en-US" sz="900" dirty="0"/>
-                        <a:t>– </a:t>
+                        <a:t>- </a:t>
                       </a:r>
                       <a:r>
                         <a:rPr lang="en-US" sz="900" dirty="0" err="1"/>
@@ -7691,7 +7083,7 @@
                       </a:r>
                       <a:r>
                         <a:rPr lang="es-419" sz="900" dirty="0" err="1"/>
-                        <a:t>verReservaciones</a:t>
+                        <a:t>verReservas</a:t>
                       </a:r>
                       <a:r>
                         <a:rPr lang="es-419" sz="900" dirty="0"/>
@@ -7726,7 +7118,7 @@
                       </a:r>
                       <a:r>
                         <a:rPr lang="es-419" sz="900" dirty="0" err="1"/>
-                        <a:t>anularReservacion</a:t>
+                        <a:t>anularReserva</a:t>
                       </a:r>
                       <a:r>
                         <a:rPr lang="es-419" sz="900" dirty="0"/>
@@ -7734,7 +7126,7 @@
                       </a:r>
                       <a:r>
                         <a:rPr lang="es-419" sz="900" dirty="0" err="1"/>
-                        <a:t>codigoReservacion</a:t>
+                        <a:t>codigoReserva</a:t>
                       </a:r>
                       <a:r>
                         <a:rPr lang="es-419" sz="900" dirty="0"/>
@@ -7751,6 +7143,438 @@
                       <a:r>
                         <a:rPr lang="es-419" sz="900" dirty="0" err="1"/>
                         <a:t>void</a:t>
+                      </a:r>
+                      <a:br>
+                        <a:rPr lang="es-419" sz="900" dirty="0"/>
+                      </a:br>
+                      <a:r>
+                        <a:rPr lang="es-419" sz="900" dirty="0"/>
+                        <a:t>- </a:t>
+                      </a:r>
+                      <a:r>
+                        <a:rPr lang="es-419" sz="900" dirty="0" err="1"/>
+                        <a:t>int</a:t>
+                      </a:r>
+                      <a:r>
+                        <a:rPr lang="es-419" sz="900" dirty="0"/>
+                        <a:t> </a:t>
+                      </a:r>
+                      <a:r>
+                        <a:rPr lang="es-419" sz="900" dirty="0" err="1"/>
+                        <a:t>buscarAlojamiento</a:t>
+                      </a:r>
+                      <a:r>
+                        <a:rPr lang="es-419" sz="900" dirty="0"/>
+                        <a:t>(</a:t>
+                      </a:r>
+                      <a:r>
+                        <a:rPr lang="es-419" sz="900" dirty="0" err="1"/>
+                        <a:t>char</a:t>
+                      </a:r>
+                      <a:r>
+                        <a:rPr lang="es-419" sz="900" dirty="0"/>
+                        <a:t>* </a:t>
+                      </a:r>
+                      <a:r>
+                        <a:rPr lang="es-419" sz="900" dirty="0" err="1"/>
+                        <a:t>codigo</a:t>
+                      </a:r>
+                      <a:r>
+                        <a:rPr lang="es-419" sz="900" dirty="0"/>
+                        <a:t>)</a:t>
+                      </a:r>
+                    </a:p>
+                    <a:p>
+                      <a:r>
+                        <a:rPr lang="es-419" sz="900" dirty="0"/>
+                        <a:t>- </a:t>
+                      </a:r>
+                      <a:r>
+                        <a:rPr lang="es-419" sz="900" dirty="0" err="1"/>
+                        <a:t>void</a:t>
+                      </a:r>
+                      <a:r>
+                        <a:rPr lang="es-419" sz="900" dirty="0"/>
+                        <a:t> </a:t>
+                      </a:r>
+                      <a:r>
+                        <a:rPr lang="es-419" sz="900" dirty="0" err="1"/>
+                        <a:t>expandirAlojamientos</a:t>
+                      </a:r>
+                      <a:r>
+                        <a:rPr lang="es-419" sz="900" dirty="0"/>
+                        <a:t>()</a:t>
+                      </a:r>
+                      <a:endParaRPr lang="en-CO" sz="900" dirty="0"/>
+                    </a:p>
+                  </a:txBody>
+                  <a:tcPr marL="68580" marR="68580" marT="34290" marB="34290"/>
+                </a:tc>
+                <a:extLst>
+                  <a:ext uri="{0D108BD9-81ED-4DB2-BD59-A6C34878D82A}">
+                    <a16:rowId xmlns:a16="http://schemas.microsoft.com/office/drawing/2014/main" val="2815277544"/>
+                  </a:ext>
+                </a:extLst>
+              </a:tr>
+            </a:tbl>
+          </a:graphicData>
+        </a:graphic>
+      </p:graphicFrame>
+      <p:graphicFrame>
+        <p:nvGraphicFramePr>
+          <p:cNvPr id="8" name="Table 7">
+            <a:extLst>
+              <a:ext uri="{FF2B5EF4-FFF2-40B4-BE49-F238E27FC236}">
+                <a16:creationId xmlns:a16="http://schemas.microsoft.com/office/drawing/2014/main" id="{DBA6ECAA-FB23-3C26-7FC4-D2B8AF74520F}"/>
+              </a:ext>
+            </a:extLst>
+          </p:cNvPr>
+          <p:cNvGraphicFramePr>
+            <a:graphicFrameLocks noGrp="1"/>
+          </p:cNvGraphicFramePr>
+          <p:nvPr>
+            <p:extLst>
+              <p:ext uri="{D42A27DB-BD31-4B8C-83A1-F6EECF244321}">
+                <p14:modId xmlns:p14="http://schemas.microsoft.com/office/powerpoint/2010/main" val="3748169277"/>
+              </p:ext>
+            </p:extLst>
+          </p:nvPr>
+        </p:nvGraphicFramePr>
+        <p:xfrm>
+          <a:off x="863819" y="4499769"/>
+          <a:ext cx="2388550" cy="4046220"/>
+        </p:xfrm>
+        <a:graphic>
+          <a:graphicData uri="http://schemas.openxmlformats.org/drawingml/2006/table">
+            <a:tbl>
+              <a:tblPr firstRow="1" bandRow="1">
+                <a:tableStyleId>{5940675A-B579-460E-94D1-54222C63F5DA}</a:tableStyleId>
+              </a:tblPr>
+              <a:tblGrid>
+                <a:gridCol w="2388550">
+                  <a:extLst>
+                    <a:ext uri="{9D8B030D-6E8A-4147-A177-3AD203B41FA5}">
+                      <a16:colId xmlns:a16="http://schemas.microsoft.com/office/drawing/2014/main" val="2587242417"/>
+                    </a:ext>
+                  </a:extLst>
+                </a:gridCol>
+              </a:tblGrid>
+              <a:tr h="110327">
+                <a:tc>
+                  <a:txBody>
+                    <a:bodyPr/>
+                    <a:lstStyle/>
+                    <a:p>
+                      <a:pPr algn="ctr"/>
+                      <a:r>
+                        <a:rPr lang="es-419" sz="900" dirty="0"/>
+                        <a:t>Huésped</a:t>
+                      </a:r>
+                      <a:endParaRPr lang="en-CO" sz="900" dirty="0"/>
+                    </a:p>
+                  </a:txBody>
+                  <a:tcPr marL="68580" marR="68580" marT="34290" marB="34290"/>
+                </a:tc>
+                <a:extLst>
+                  <a:ext uri="{0D108BD9-81ED-4DB2-BD59-A6C34878D82A}">
+                    <a16:rowId xmlns:a16="http://schemas.microsoft.com/office/drawing/2014/main" val="3263559475"/>
+                  </a:ext>
+                </a:extLst>
+              </a:tr>
+              <a:tr h="640080">
+                <a:tc>
+                  <a:txBody>
+                    <a:bodyPr/>
+                    <a:lstStyle/>
+                    <a:p>
+                      <a:r>
+                        <a:rPr lang="es-ES" sz="900" dirty="0"/>
+                        <a:t>- documento: </a:t>
+                      </a:r>
+                      <a:r>
+                        <a:rPr lang="es-ES" sz="900" dirty="0" err="1"/>
+                        <a:t>char</a:t>
+                      </a:r>
+                      <a:r>
+                        <a:rPr lang="es-ES" sz="900" dirty="0"/>
+                        <a:t>*</a:t>
+                      </a:r>
+                    </a:p>
+                    <a:p>
+                      <a:r>
+                        <a:rPr lang="es-ES" sz="900" dirty="0"/>
+                        <a:t>- nombre: </a:t>
+                      </a:r>
+                      <a:r>
+                        <a:rPr lang="es-ES" sz="900" dirty="0" err="1"/>
+                        <a:t>char</a:t>
+                      </a:r>
+                      <a:r>
+                        <a:rPr lang="es-ES" sz="900" dirty="0"/>
+                        <a:t>*</a:t>
+                      </a:r>
+                    </a:p>
+                    <a:p>
+                      <a:r>
+                        <a:rPr lang="es-ES" sz="900" dirty="0"/>
+                        <a:t>- </a:t>
+                      </a:r>
+                      <a:r>
+                        <a:rPr lang="es-ES" sz="900" dirty="0" err="1"/>
+                        <a:t>antiguedadEnMeses</a:t>
+                      </a:r>
+                      <a:r>
+                        <a:rPr lang="es-ES" sz="900" dirty="0"/>
+                        <a:t>: </a:t>
+                      </a:r>
+                      <a:r>
+                        <a:rPr lang="es-ES" sz="900" dirty="0" err="1"/>
+                        <a:t>int</a:t>
+                      </a:r>
+                      <a:endParaRPr lang="es-ES" sz="900" dirty="0"/>
+                    </a:p>
+                    <a:p>
+                      <a:r>
+                        <a:rPr lang="es-ES" sz="900" dirty="0"/>
+                        <a:t>- </a:t>
+                      </a:r>
+                      <a:r>
+                        <a:rPr lang="es-ES" sz="900" dirty="0" err="1"/>
+                        <a:t>puntuacion</a:t>
+                      </a:r>
+                      <a:r>
+                        <a:rPr lang="es-ES" sz="900" dirty="0"/>
+                        <a:t>: </a:t>
+                      </a:r>
+                      <a:r>
+                        <a:rPr lang="es-ES" sz="900" dirty="0" err="1"/>
+                        <a:t>float</a:t>
+                      </a:r>
+                      <a:endParaRPr lang="es-ES" sz="900" dirty="0"/>
+                    </a:p>
+                    <a:p>
+                      <a:r>
+                        <a:rPr lang="es-ES" sz="900" dirty="0"/>
+                        <a:t>- </a:t>
+                      </a:r>
+                      <a:r>
+                        <a:rPr lang="es-ES" sz="900" dirty="0" err="1"/>
+                        <a:t>listaReservas</a:t>
+                      </a:r>
+                      <a:r>
+                        <a:rPr lang="es-ES" sz="900" dirty="0"/>
+                        <a:t>: Reserva**</a:t>
+                      </a:r>
+                    </a:p>
+                    <a:p>
+                      <a:r>
+                        <a:rPr lang="es-ES" sz="900" dirty="0"/>
+                        <a:t>- </a:t>
+                      </a:r>
+                      <a:r>
+                        <a:rPr lang="es-ES" sz="900" dirty="0" err="1"/>
+                        <a:t>cantidadReservas</a:t>
+                      </a:r>
+                      <a:r>
+                        <a:rPr lang="es-ES" sz="900" dirty="0"/>
+                        <a:t>: </a:t>
+                      </a:r>
+                      <a:r>
+                        <a:rPr lang="es-ES" sz="900" dirty="0" err="1"/>
+                        <a:t>int</a:t>
+                      </a:r>
+                      <a:endParaRPr lang="es-ES" sz="900" dirty="0"/>
+                    </a:p>
+                    <a:p>
+                      <a:r>
+                        <a:rPr lang="es-ES" sz="900" dirty="0"/>
+                        <a:t>- </a:t>
+                      </a:r>
+                      <a:r>
+                        <a:rPr lang="es-ES" sz="900" dirty="0" err="1"/>
+                        <a:t>capacidadReservas</a:t>
+                      </a:r>
+                      <a:r>
+                        <a:rPr lang="es-ES" sz="900" dirty="0"/>
+                        <a:t>: </a:t>
+                      </a:r>
+                      <a:r>
+                        <a:rPr lang="es-ES" sz="900" dirty="0" err="1"/>
+                        <a:t>int</a:t>
+                      </a:r>
+                      <a:endParaRPr lang="en-CO" sz="900" dirty="0"/>
+                    </a:p>
+                  </a:txBody>
+                  <a:tcPr marL="68580" marR="68580" marT="34290" marB="34290"/>
+                </a:tc>
+                <a:extLst>
+                  <a:ext uri="{0D108BD9-81ED-4DB2-BD59-A6C34878D82A}">
+                    <a16:rowId xmlns:a16="http://schemas.microsoft.com/office/drawing/2014/main" val="2954312317"/>
+                  </a:ext>
+                </a:extLst>
+              </a:tr>
+              <a:tr h="1097280">
+                <a:tc>
+                  <a:txBody>
+                    <a:bodyPr/>
+                    <a:lstStyle/>
+                    <a:p>
+                      <a:r>
+                        <a:rPr lang="en-CO" sz="900" dirty="0"/>
+                        <a:t>+ Huesped(documento: char*, nombre: char*, antiguedad: int)</a:t>
+                      </a:r>
+                    </a:p>
+                    <a:p>
+                      <a:r>
+                        <a:rPr lang="en-CO" sz="900" dirty="0"/>
+                        <a:t>+ Huesped(const Huesped&amp; otro)</a:t>
+                      </a:r>
+                    </a:p>
+                    <a:p>
+                      <a:r>
+                        <a:rPr lang="en-CO" sz="900" dirty="0"/>
+                        <a:t>+ ~Huesped()</a:t>
+                      </a:r>
+                    </a:p>
+                    <a:p>
+                      <a:r>
+                        <a:rPr lang="en-CO" sz="900" dirty="0"/>
+                        <a:t>+ getDocumentoIdentidad(): char*</a:t>
+                      </a:r>
+                    </a:p>
+                    <a:p>
+                      <a:r>
+                        <a:rPr lang="en-CO" sz="900" dirty="0"/>
+                        <a:t>+ getNombreCompleto(): char*</a:t>
+                      </a:r>
+                    </a:p>
+                    <a:p>
+                      <a:r>
+                        <a:rPr lang="en-CO" sz="900" dirty="0"/>
+                        <a:t>+ setNombreCompleto(nombre: char*): void</a:t>
+                      </a:r>
+                    </a:p>
+                    <a:p>
+                      <a:r>
+                        <a:rPr lang="en-CO" sz="900" dirty="0"/>
+                        <a:t>+ getAntiguedadEnMeses(): int</a:t>
+                      </a:r>
+                    </a:p>
+                    <a:p>
+                      <a:r>
+                        <a:rPr lang="en-CO" sz="900" dirty="0"/>
+                        <a:t>+ getPuntuacion(): float</a:t>
+                      </a:r>
+                    </a:p>
+                    <a:p>
+                      <a:r>
+                        <a:rPr lang="en-CO" sz="900" dirty="0"/>
+                        <a:t>+ setPuntuacion(puntuacion: float): void</a:t>
+                      </a:r>
+                    </a:p>
+                    <a:p>
+                      <a:r>
+                        <a:rPr lang="en-CO" sz="900" dirty="0"/>
+                        <a:t>+ getCantidadReservas(): int</a:t>
+                      </a:r>
+                    </a:p>
+                    <a:p>
+                      <a:r>
+                        <a:rPr lang="en-CO" sz="900" dirty="0"/>
+                        <a:t>+ puedeReservar(fechaInicio: Fecha, duracion: int): bool</a:t>
+                      </a:r>
+                    </a:p>
+                    <a:p>
+                      <a:r>
+                        <a:rPr lang="en-CO" sz="900" dirty="0"/>
+                        <a:t>+ agregarReserva(reserva: Reserva*): void</a:t>
+                      </a:r>
+                    </a:p>
+                    <a:p>
+                      <a:r>
+                        <a:rPr lang="en-CO" sz="900" dirty="0"/>
+                        <a:t>+ anularReserva(codigoReserva: char*): void</a:t>
+                      </a:r>
+                    </a:p>
+                    <a:p>
+                      <a:r>
+                        <a:rPr lang="en-CO" sz="900" dirty="0"/>
+                        <a:t>+ consultarReservas(): void</a:t>
+                      </a:r>
+                      <a:br>
+                        <a:rPr lang="en-US" sz="900" dirty="0"/>
+                      </a:br>
+                      <a:r>
+                        <a:rPr lang="en-US" sz="900" dirty="0"/>
+                        <a:t>- int </a:t>
+                      </a:r>
+                      <a:r>
+                        <a:rPr lang="en-US" sz="900" dirty="0" err="1"/>
+                        <a:t>buscarReserva</a:t>
+                      </a:r>
+                      <a:r>
+                        <a:rPr lang="en-US" sz="900" dirty="0"/>
+                        <a:t>(char* </a:t>
+                      </a:r>
+                      <a:r>
+                        <a:rPr lang="en-US" sz="900" dirty="0" err="1"/>
+                        <a:t>codigo</a:t>
+                      </a:r>
+                      <a:r>
+                        <a:rPr lang="en-US" sz="900" dirty="0"/>
+                        <a:t>)</a:t>
+                      </a:r>
+                    </a:p>
+                    <a:p>
+                      <a:r>
+                        <a:rPr lang="en-US" sz="900" dirty="0"/>
+                        <a:t>- bool </a:t>
+                      </a:r>
+                      <a:r>
+                        <a:rPr lang="en-US" sz="900" dirty="0" err="1"/>
+                        <a:t>fechasSolapadas</a:t>
+                      </a:r>
+                      <a:r>
+                        <a:rPr lang="en-US" sz="900" dirty="0"/>
+                        <a:t>(</a:t>
+                      </a:r>
+                      <a:r>
+                        <a:rPr lang="en-US" sz="900" dirty="0" err="1"/>
+                        <a:t>Fecha</a:t>
+                      </a:r>
+                      <a:r>
+                        <a:rPr lang="en-US" sz="900" dirty="0"/>
+                        <a:t> </a:t>
+                      </a:r>
+                      <a:r>
+                        <a:rPr lang="en-US" sz="900" dirty="0" err="1"/>
+                        <a:t>inicio</a:t>
+                      </a:r>
+                      <a:r>
+                        <a:rPr lang="en-US" sz="900" dirty="0"/>
+                        <a:t>, int </a:t>
+                      </a:r>
+                      <a:r>
+                        <a:rPr lang="en-US" sz="900" dirty="0" err="1"/>
+                        <a:t>duracion</a:t>
+                      </a:r>
+                      <a:r>
+                        <a:rPr lang="en-US" sz="900" dirty="0"/>
+                        <a:t>)</a:t>
+                      </a:r>
+                    </a:p>
+                    <a:p>
+                      <a:r>
+                        <a:rPr lang="en-US" sz="900" dirty="0"/>
+                        <a:t>- void </a:t>
+                      </a:r>
+                      <a:r>
+                        <a:rPr lang="en-US" sz="900" dirty="0" err="1"/>
+                        <a:t>expandirReservas</a:t>
+                      </a:r>
+                      <a:r>
+                        <a:rPr lang="en-US" sz="900" dirty="0"/>
+                        <a:t>()</a:t>
                       </a:r>
                       <a:endParaRPr lang="en-CO" sz="900" dirty="0"/>
                     </a:p>

--- a/Documentos/Diagrama de clases .pptx
+++ b/Documentos/Diagrama de clases .pptx
@@ -244,7 +244,7 @@
           <a:p>
             <a:fld id="{761B82EC-0E7A-1D43-9F13-C1D8E66B749A}" type="datetimeFigureOut">
               <a:rPr lang="en-CO" smtClean="0"/>
-              <a:t>05/19/2025</a:t>
+              <a:t>05/25/2025</a:t>
             </a:fld>
             <a:endParaRPr lang="en-CO"/>
           </a:p>
@@ -414,7 +414,7 @@
           <a:p>
             <a:fld id="{761B82EC-0E7A-1D43-9F13-C1D8E66B749A}" type="datetimeFigureOut">
               <a:rPr lang="en-CO" smtClean="0"/>
-              <a:t>05/19/2025</a:t>
+              <a:t>05/25/2025</a:t>
             </a:fld>
             <a:endParaRPr lang="en-CO"/>
           </a:p>
@@ -594,7 +594,7 @@
           <a:p>
             <a:fld id="{761B82EC-0E7A-1D43-9F13-C1D8E66B749A}" type="datetimeFigureOut">
               <a:rPr lang="en-CO" smtClean="0"/>
-              <a:t>05/19/2025</a:t>
+              <a:t>05/25/2025</a:t>
             </a:fld>
             <a:endParaRPr lang="en-CO"/>
           </a:p>
@@ -764,7 +764,7 @@
           <a:p>
             <a:fld id="{761B82EC-0E7A-1D43-9F13-C1D8E66B749A}" type="datetimeFigureOut">
               <a:rPr lang="en-CO" smtClean="0"/>
-              <a:t>05/19/2025</a:t>
+              <a:t>05/25/2025</a:t>
             </a:fld>
             <a:endParaRPr lang="en-CO"/>
           </a:p>
@@ -1010,7 +1010,7 @@
           <a:p>
             <a:fld id="{761B82EC-0E7A-1D43-9F13-C1D8E66B749A}" type="datetimeFigureOut">
               <a:rPr lang="en-CO" smtClean="0"/>
-              <a:t>05/19/2025</a:t>
+              <a:t>05/25/2025</a:t>
             </a:fld>
             <a:endParaRPr lang="en-CO"/>
           </a:p>
@@ -1242,7 +1242,7 @@
           <a:p>
             <a:fld id="{761B82EC-0E7A-1D43-9F13-C1D8E66B749A}" type="datetimeFigureOut">
               <a:rPr lang="en-CO" smtClean="0"/>
-              <a:t>05/19/2025</a:t>
+              <a:t>05/25/2025</a:t>
             </a:fld>
             <a:endParaRPr lang="en-CO"/>
           </a:p>
@@ -1609,7 +1609,7 @@
           <a:p>
             <a:fld id="{761B82EC-0E7A-1D43-9F13-C1D8E66B749A}" type="datetimeFigureOut">
               <a:rPr lang="en-CO" smtClean="0"/>
-              <a:t>05/19/2025</a:t>
+              <a:t>05/25/2025</a:t>
             </a:fld>
             <a:endParaRPr lang="en-CO"/>
           </a:p>
@@ -1727,7 +1727,7 @@
           <a:p>
             <a:fld id="{761B82EC-0E7A-1D43-9F13-C1D8E66B749A}" type="datetimeFigureOut">
               <a:rPr lang="en-CO" smtClean="0"/>
-              <a:t>05/19/2025</a:t>
+              <a:t>05/25/2025</a:t>
             </a:fld>
             <a:endParaRPr lang="en-CO"/>
           </a:p>
@@ -1822,7 +1822,7 @@
           <a:p>
             <a:fld id="{761B82EC-0E7A-1D43-9F13-C1D8E66B749A}" type="datetimeFigureOut">
               <a:rPr lang="en-CO" smtClean="0"/>
-              <a:t>05/19/2025</a:t>
+              <a:t>05/25/2025</a:t>
             </a:fld>
             <a:endParaRPr lang="en-CO"/>
           </a:p>
@@ -2099,7 +2099,7 @@
           <a:p>
             <a:fld id="{761B82EC-0E7A-1D43-9F13-C1D8E66B749A}" type="datetimeFigureOut">
               <a:rPr lang="en-CO" smtClean="0"/>
-              <a:t>05/19/2025</a:t>
+              <a:t>05/25/2025</a:t>
             </a:fld>
             <a:endParaRPr lang="en-CO"/>
           </a:p>
@@ -2356,7 +2356,7 @@
           <a:p>
             <a:fld id="{761B82EC-0E7A-1D43-9F13-C1D8E66B749A}" type="datetimeFigureOut">
               <a:rPr lang="en-CO" smtClean="0"/>
-              <a:t>05/19/2025</a:t>
+              <a:t>05/25/2025</a:t>
             </a:fld>
             <a:endParaRPr lang="en-CO"/>
           </a:p>
@@ -2569,7 +2569,7 @@
           <a:p>
             <a:fld id="{761B82EC-0E7A-1D43-9F13-C1D8E66B749A}" type="datetimeFigureOut">
               <a:rPr lang="en-CO" smtClean="0"/>
-              <a:t>05/19/2025</a:t>
+              <a:t>05/25/2025</a:t>
             </a:fld>
             <a:endParaRPr lang="en-CO"/>
           </a:p>
@@ -6632,14 +6632,14 @@
           <p:nvPr>
             <p:extLst>
               <p:ext uri="{D42A27DB-BD31-4B8C-83A1-F6EECF244321}">
-                <p14:modId xmlns:p14="http://schemas.microsoft.com/office/powerpoint/2010/main" val="3097733784"/>
+                <p14:modId xmlns:p14="http://schemas.microsoft.com/office/powerpoint/2010/main" val="2705940708"/>
               </p:ext>
             </p:extLst>
           </p:nvPr>
         </p:nvGraphicFramePr>
         <p:xfrm>
           <a:off x="3467323" y="1214431"/>
-          <a:ext cx="2388550" cy="3771900"/>
+          <a:ext cx="2388550" cy="4046220"/>
         </p:xfrm>
         <a:graphic>
           <a:graphicData uri="http://schemas.openxmlformats.org/drawingml/2006/table">
@@ -7142,6 +7142,33 @@
                       </a:r>
                       <a:r>
                         <a:rPr lang="es-419" sz="900" dirty="0" err="1"/>
+                        <a:t>void</a:t>
+                      </a:r>
+                      <a:br>
+                        <a:rPr lang="es-419" sz="900" dirty="0"/>
+                      </a:br>
+                      <a:r>
+                        <a:rPr lang="es-419" sz="900" dirty="0"/>
+                        <a:t>+ </a:t>
+                      </a:r>
+                      <a:r>
+                        <a:rPr lang="es-419" sz="900" dirty="0" err="1"/>
+                        <a:t>setDocumentoIdentidad</a:t>
+                      </a:r>
+                      <a:r>
+                        <a:rPr lang="es-419" sz="900" dirty="0"/>
+                        <a:t>(documento: </a:t>
+                      </a:r>
+                      <a:r>
+                        <a:rPr lang="es-419" sz="900" dirty="0" err="1"/>
+                        <a:t>char</a:t>
+                      </a:r>
+                      <a:r>
+                        <a:rPr lang="es-419" sz="900" dirty="0"/>
+                        <a:t>*): </a:t>
+                      </a:r>
+                      <a:r>
+                        <a:rPr lang="es-419" sz="900"/>
                         <a:t>void</a:t>
                       </a:r>
                       <a:br>

--- a/Documentos/Diagrama de clases .pptx
+++ b/Documentos/Diagrama de clases .pptx
@@ -4044,14 +4044,14 @@
           <p:nvPr>
             <p:extLst>
               <p:ext uri="{D42A27DB-BD31-4B8C-83A1-F6EECF244321}">
-                <p14:modId xmlns:p14="http://schemas.microsoft.com/office/powerpoint/2010/main" val="1974979576"/>
+                <p14:modId xmlns:p14="http://schemas.microsoft.com/office/powerpoint/2010/main" val="3122191812"/>
               </p:ext>
             </p:extLst>
           </p:nvPr>
         </p:nvGraphicFramePr>
         <p:xfrm>
           <a:off x="3447743" y="2342989"/>
-          <a:ext cx="2388550" cy="6652260"/>
+          <a:ext cx="2388550" cy="5143500"/>
         </p:xfrm>
         <a:graphic>
           <a:graphicData uri="http://schemas.openxmlformats.org/drawingml/2006/table">
@@ -4222,147 +4222,6 @@
                         <a:rPr lang="en-US" sz="900" dirty="0" err="1"/>
                         <a:t>Fecha</a:t>
                       </a:r>
-                      <a:endParaRPr lang="en-US" sz="900" dirty="0"/>
-                    </a:p>
-                    <a:p>
-                      <a:r>
-                        <a:rPr lang="en-US" sz="900" dirty="0"/>
-                        <a:t>- </a:t>
-                      </a:r>
-                      <a:r>
-                        <a:rPr lang="en-US" sz="900" dirty="0" err="1"/>
-                        <a:t>cantidadAnfitriones</a:t>
-                      </a:r>
-                      <a:r>
-                        <a:rPr lang="en-US" sz="900" dirty="0"/>
-                        <a:t>: int</a:t>
-                      </a:r>
-                    </a:p>
-                    <a:p>
-                      <a:r>
-                        <a:rPr lang="en-US" sz="900" dirty="0"/>
-                        <a:t>- </a:t>
-                      </a:r>
-                      <a:r>
-                        <a:rPr lang="en-US" sz="900" dirty="0" err="1"/>
-                        <a:t>capacidadAnfitriones</a:t>
-                      </a:r>
-                      <a:r>
-                        <a:rPr lang="en-US" sz="900" dirty="0"/>
-                        <a:t>: int</a:t>
-                      </a:r>
-                    </a:p>
-                    <a:p>
-                      <a:r>
-                        <a:rPr lang="en-US" sz="900" dirty="0"/>
-                        <a:t>- </a:t>
-                      </a:r>
-                      <a:r>
-                        <a:rPr lang="en-US" sz="900" dirty="0" err="1"/>
-                        <a:t>cantidadHuespedes</a:t>
-                      </a:r>
-                      <a:r>
-                        <a:rPr lang="en-US" sz="900" dirty="0"/>
-                        <a:t>: int</a:t>
-                      </a:r>
-                    </a:p>
-                    <a:p>
-                      <a:r>
-                        <a:rPr lang="en-US" sz="900" dirty="0"/>
-                        <a:t>- </a:t>
-                      </a:r>
-                      <a:r>
-                        <a:rPr lang="en-US" sz="900" dirty="0" err="1"/>
-                        <a:t>capacidadHuespedes</a:t>
-                      </a:r>
-                      <a:r>
-                        <a:rPr lang="en-US" sz="900" dirty="0"/>
-                        <a:t>: int</a:t>
-                      </a:r>
-                    </a:p>
-                    <a:p>
-                      <a:r>
-                        <a:rPr lang="en-US" sz="900" dirty="0"/>
-                        <a:t>- </a:t>
-                      </a:r>
-                      <a:r>
-                        <a:rPr lang="en-US" sz="900" dirty="0" err="1"/>
-                        <a:t>cantidadAlojamientos</a:t>
-                      </a:r>
-                      <a:r>
-                        <a:rPr lang="en-US" sz="900" dirty="0"/>
-                        <a:t>: int</a:t>
-                      </a:r>
-                    </a:p>
-                    <a:p>
-                      <a:r>
-                        <a:rPr lang="en-US" sz="900" dirty="0"/>
-                        <a:t>- </a:t>
-                      </a:r>
-                      <a:r>
-                        <a:rPr lang="en-US" sz="900" dirty="0" err="1"/>
-                        <a:t>capacidadAlojamientos</a:t>
-                      </a:r>
-                      <a:r>
-                        <a:rPr lang="en-US" sz="900" dirty="0"/>
-                        <a:t>: int</a:t>
-                      </a:r>
-                    </a:p>
-                    <a:p>
-                      <a:r>
-                        <a:rPr lang="en-US" sz="900" dirty="0"/>
-                        <a:t>- </a:t>
-                      </a:r>
-                      <a:r>
-                        <a:rPr lang="en-US" sz="900" dirty="0" err="1"/>
-                        <a:t>cantidadReservasVigentes</a:t>
-                      </a:r>
-                      <a:r>
-                        <a:rPr lang="en-US" sz="900" dirty="0"/>
-                        <a:t>: int</a:t>
-                      </a:r>
-                    </a:p>
-                    <a:p>
-                      <a:r>
-                        <a:rPr lang="en-US" sz="900" dirty="0"/>
-                        <a:t>- </a:t>
-                      </a:r>
-                      <a:r>
-                        <a:rPr lang="en-US" sz="900" dirty="0" err="1"/>
-                        <a:t>capacidadReservasVigentes</a:t>
-                      </a:r>
-                      <a:r>
-                        <a:rPr lang="en-US" sz="900" dirty="0"/>
-                        <a:t>: int</a:t>
-                      </a:r>
-                    </a:p>
-                    <a:p>
-                      <a:r>
-                        <a:rPr lang="en-US" sz="900" dirty="0"/>
-                        <a:t>- </a:t>
-                      </a:r>
-                      <a:r>
-                        <a:rPr lang="en-US" sz="900" dirty="0" err="1"/>
-                        <a:t>cantidadReservasHistoricas</a:t>
-                      </a:r>
-                      <a:r>
-                        <a:rPr lang="en-US" sz="900" dirty="0"/>
-                        <a:t>: int</a:t>
-                      </a:r>
-                    </a:p>
-                    <a:p>
-                      <a:r>
-                        <a:rPr lang="en-US" sz="900" dirty="0"/>
-                        <a:t>- </a:t>
-                      </a:r>
-                      <a:r>
-                        <a:rPr lang="en-US" sz="900" dirty="0" err="1"/>
-                        <a:t>capacidadReservasHistoricas</a:t>
-                      </a:r>
-                      <a:r>
-                        <a:rPr lang="en-US" sz="900" dirty="0"/>
-                        <a:t>: int</a:t>
-                      </a:r>
                       <a:endParaRPr lang="en-CO" sz="900" dirty="0"/>
                     </a:p>
                   </a:txBody>
@@ -4406,7 +4265,7 @@
                     <a:p>
                       <a:r>
                         <a:rPr lang="en-CO" sz="900" dirty="0"/>
-                        <a:t>+ crearReserva(documentoHuesped: char*, codigoAlojamiento: char*, fechaEntrada: Fecha, duracion: int, metodoPago: int, monto: double, anotaciones: char*): void</a:t>
+                        <a:t>+ crearReserva(documentoHuesped: char*, codigoAlojamiento: char*, fechaEntrada: Fecha, duracion: int, metodoPago: int, fechaPago: Fecha, monto: double, anotaciones: char*): void</a:t>
                       </a:r>
                     </a:p>
                     <a:p>
@@ -4418,13 +4277,13 @@
                     <a:p>
                       <a:r>
                         <a:rPr lang="en-CO" sz="900" dirty="0"/>
-                        <a:t>+consultarReservasAnfitrion(documentoAnfitrion: char*, fechaDesde: Fecha, fechaHasta: Fecha): void</a:t>
+                        <a:t>+ consultarReservasAnfitrion(documentoAnfitrion: char*, fechaDesde: Fecha, fechaHasta: Fecha): void</a:t>
                       </a:r>
                     </a:p>
                     <a:p>
                       <a:r>
                         <a:rPr lang="en-CO" sz="900" dirty="0"/>
-                        <a:t>+actualizarReservasHistoricas(nuevaFechaCorte: Fecha): void</a:t>
+                        <a:t>+ actualizarReservasHistoricas(nuevaFechaCorte: Fecha): void</a:t>
                       </a:r>
                     </a:p>
                     <a:p>
@@ -4444,224 +4303,36 @@
                         <a:rPr lang="en-CO" sz="900" dirty="0"/>
                         <a:t>+ guardarDatosEnArchivo(): void</a:t>
                       </a:r>
-                      <a:br>
-                        <a:rPr lang="en-US" sz="900" dirty="0"/>
-                      </a:br>
-                      <a:r>
-                        <a:rPr lang="en-US" sz="900" dirty="0"/>
-                        <a:t>- int </a:t>
-                      </a:r>
-                      <a:r>
-                        <a:rPr lang="en-US" sz="900" dirty="0" err="1"/>
-                        <a:t>buscarHuesped</a:t>
-                      </a:r>
-                      <a:r>
-                        <a:rPr lang="en-US" sz="900" dirty="0"/>
-                        <a:t>(char* </a:t>
-                      </a:r>
-                      <a:r>
-                        <a:rPr lang="en-US" sz="900" dirty="0" err="1"/>
-                        <a:t>documento</a:t>
-                      </a:r>
-                      <a:r>
-                        <a:rPr lang="en-US" sz="900" dirty="0"/>
-                        <a:t>)</a:t>
-                      </a:r>
-                    </a:p>
-                    <a:p>
-                      <a:r>
-                        <a:rPr lang="en-US" sz="900" dirty="0"/>
-                        <a:t>- int </a:t>
-                      </a:r>
-                      <a:r>
-                        <a:rPr lang="en-US" sz="900" dirty="0" err="1"/>
-                        <a:t>buscarAlojamiento</a:t>
-                      </a:r>
-                      <a:r>
-                        <a:rPr lang="en-US" sz="900" dirty="0"/>
-                        <a:t>(char* </a:t>
-                      </a:r>
-                      <a:r>
-                        <a:rPr lang="en-US" sz="900" dirty="0" err="1"/>
-                        <a:t>codigo</a:t>
-                      </a:r>
-                      <a:r>
-                        <a:rPr lang="en-US" sz="900" dirty="0"/>
-                        <a:t>)</a:t>
-                      </a:r>
-                    </a:p>
-                    <a:p>
-                      <a:r>
-                        <a:rPr lang="en-US" sz="900" dirty="0"/>
-                        <a:t>- int </a:t>
-                      </a:r>
-                      <a:r>
-                        <a:rPr lang="en-US" sz="900" dirty="0" err="1"/>
-                        <a:t>buscarAnfitrion</a:t>
-                      </a:r>
-                      <a:r>
-                        <a:rPr lang="en-US" sz="900" dirty="0"/>
-                        <a:t>(char* </a:t>
-                      </a:r>
-                      <a:r>
-                        <a:rPr lang="en-US" sz="900" dirty="0" err="1"/>
-                        <a:t>documento</a:t>
-                      </a:r>
-                      <a:r>
-                        <a:rPr lang="en-US" sz="900" dirty="0"/>
-                        <a:t>)</a:t>
-                      </a:r>
-                    </a:p>
-                    <a:p>
-                      <a:r>
-                        <a:rPr lang="en-US" sz="900" dirty="0"/>
-                        <a:t>- </a:t>
-                      </a:r>
-                      <a:r>
-                        <a:rPr lang="en-US" sz="900" dirty="0" err="1"/>
-                        <a:t>Reserva</a:t>
-                      </a:r>
-                      <a:r>
-                        <a:rPr lang="en-US" sz="900" dirty="0"/>
-                        <a:t>* </a:t>
-                      </a:r>
-                      <a:r>
-                        <a:rPr lang="en-US" sz="900" dirty="0" err="1"/>
-                        <a:t>buscarReserva</a:t>
-                      </a:r>
-                      <a:r>
-                        <a:rPr lang="en-US" sz="900" dirty="0"/>
-                        <a:t>(char* </a:t>
-                      </a:r>
-                      <a:r>
-                        <a:rPr lang="en-US" sz="900" dirty="0" err="1"/>
-                        <a:t>codigo</a:t>
-                      </a:r>
-                      <a:r>
-                        <a:rPr lang="en-US" sz="900" dirty="0"/>
-                        <a:t>)</a:t>
-                      </a:r>
-                    </a:p>
-                    <a:p>
-                      <a:r>
-                        <a:rPr lang="en-US" sz="900" dirty="0"/>
-                        <a:t>- char* </a:t>
-                      </a:r>
-                      <a:r>
-                        <a:rPr lang="en-US" sz="900" dirty="0" err="1"/>
-                        <a:t>generarCodigoReserva</a:t>
-                      </a:r>
-                      <a:r>
-                        <a:rPr lang="en-US" sz="900" dirty="0"/>
-                        <a:t>()</a:t>
-                      </a:r>
-                    </a:p>
-                    <a:p>
-                      <a:r>
-                        <a:rPr lang="en-US" sz="900" dirty="0"/>
-                        <a:t>- </a:t>
-                      </a:r>
-                      <a:r>
-                        <a:rPr lang="en-US" sz="900" dirty="0" err="1"/>
-                        <a:t>Fecha</a:t>
-                      </a:r>
-                      <a:r>
-                        <a:rPr lang="en-US" sz="900" dirty="0"/>
-                        <a:t> </a:t>
-                      </a:r>
-                      <a:r>
-                        <a:rPr lang="en-US" sz="900" dirty="0" err="1"/>
-                        <a:t>sumarDias</a:t>
-                      </a:r>
-                      <a:r>
-                        <a:rPr lang="en-US" sz="900" dirty="0"/>
-                        <a:t>(</a:t>
-                      </a:r>
-                      <a:r>
-                        <a:rPr lang="en-US" sz="900" dirty="0" err="1"/>
-                        <a:t>Fecha</a:t>
-                      </a:r>
-                      <a:r>
-                        <a:rPr lang="en-US" sz="900" dirty="0"/>
-                        <a:t> </a:t>
-                      </a:r>
-                      <a:r>
-                        <a:rPr lang="en-US" sz="900" dirty="0" err="1"/>
-                        <a:t>fecha</a:t>
-                      </a:r>
-                      <a:r>
-                        <a:rPr lang="en-US" sz="900" dirty="0"/>
-                        <a:t>, int </a:t>
-                      </a:r>
-                      <a:r>
-                        <a:rPr lang="en-US" sz="900" dirty="0" err="1"/>
-                        <a:t>cantidad</a:t>
-                      </a:r>
-                      <a:r>
-                        <a:rPr lang="en-US" sz="900" dirty="0"/>
-                        <a:t>)</a:t>
-                      </a:r>
-                    </a:p>
-                    <a:p>
-                      <a:r>
-                        <a:rPr lang="en-US" sz="900" dirty="0"/>
-                        <a:t>- void </a:t>
-                      </a:r>
-                      <a:r>
-                        <a:rPr lang="en-US" sz="900" dirty="0" err="1"/>
-                        <a:t>expandirListasSiEsNecesario</a:t>
-                      </a:r>
-                      <a:r>
-                        <a:rPr lang="en-US" sz="900" dirty="0"/>
-                        <a:t>()</a:t>
-                      </a:r>
-                    </a:p>
-                    <a:p>
-                      <a:r>
-                        <a:rPr lang="en-US" sz="900" dirty="0"/>
-                        <a:t>- bool </a:t>
-                      </a:r>
-                      <a:r>
-                        <a:rPr lang="en-US" sz="900" dirty="0" err="1"/>
-                        <a:t>validarDisponibilidad</a:t>
-                      </a:r>
-                      <a:r>
-                        <a:rPr lang="en-US" sz="900" dirty="0"/>
-                        <a:t>(</a:t>
-                      </a:r>
-                      <a:r>
-                        <a:rPr lang="en-US" sz="900" dirty="0" err="1"/>
-                        <a:t>Alojamiento</a:t>
-                      </a:r>
-                      <a:r>
-                        <a:rPr lang="en-US" sz="900" dirty="0"/>
-                        <a:t>* a, </a:t>
-                      </a:r>
-                      <a:r>
-                        <a:rPr lang="en-US" sz="900" dirty="0" err="1"/>
-                        <a:t>Fecha</a:t>
-                      </a:r>
-                      <a:r>
-                        <a:rPr lang="en-US" sz="900" dirty="0"/>
-                        <a:t> </a:t>
-                      </a:r>
-                      <a:r>
-                        <a:rPr lang="en-US" sz="900" dirty="0" err="1"/>
-                        <a:t>inicio</a:t>
-                      </a:r>
-                      <a:r>
-                        <a:rPr lang="en-US" sz="900" dirty="0"/>
-                        <a:t>, int </a:t>
-                      </a:r>
-                      <a:r>
-                        <a:rPr lang="en-US" sz="900" dirty="0" err="1"/>
-                        <a:t>duracion</a:t>
-                      </a:r>
-                      <a:r>
-                        <a:rPr lang="en-US" sz="900" dirty="0"/>
-                        <a:t>)</a:t>
-                      </a:r>
-                      <a:endParaRPr lang="en-CO" sz="900" dirty="0"/>
+                    </a:p>
+                    <a:p>
+                      <a:r>
+                        <a:rPr lang="en-CO" sz="900" dirty="0"/>
+                        <a:t>+ getCantidadAnfitriones(): int</a:t>
+                      </a:r>
+                    </a:p>
+                    <a:p>
+                      <a:r>
+                        <a:rPr lang="en-CO" sz="900" dirty="0"/>
+                        <a:t>+ getCantidadHuespedes(): int</a:t>
+                      </a:r>
+                    </a:p>
+                    <a:p>
+                      <a:r>
+                        <a:rPr lang="en-CO" sz="900" dirty="0"/>
+                        <a:t>+ getCantidadAlojamientos(): int</a:t>
+                      </a:r>
+                    </a:p>
+                    <a:p>
+                      <a:r>
+                        <a:rPr lang="en-CO" sz="900" dirty="0"/>
+                        <a:t>+ getCantidadReservasVigentes(): int</a:t>
+                      </a:r>
+                    </a:p>
+                    <a:p>
+                      <a:r>
+                        <a:rPr lang="en-CO" sz="900" dirty="0"/>
+                        <a:t>+ getCantidadReservasHistoricas(): int</a:t>
+                      </a:r>
                     </a:p>
                   </a:txBody>
                   <a:tcPr marL="68580" marR="68580" marT="34290" marB="34290"/>
@@ -6632,13 +6303,13 @@
           <p:nvPr>
             <p:extLst>
               <p:ext uri="{D42A27DB-BD31-4B8C-83A1-F6EECF244321}">
-                <p14:modId xmlns:p14="http://schemas.microsoft.com/office/powerpoint/2010/main" val="2705940708"/>
+                <p14:modId xmlns:p14="http://schemas.microsoft.com/office/powerpoint/2010/main" val="366905272"/>
               </p:ext>
             </p:extLst>
           </p:nvPr>
         </p:nvGraphicFramePr>
         <p:xfrm>
-          <a:off x="3467323" y="1214431"/>
+          <a:off x="4184873" y="839212"/>
           <a:ext cx="2388550" cy="4046220"/>
         </p:xfrm>
         <a:graphic>
@@ -6656,7 +6327,7 @@
                   </a:extLst>
                 </a:gridCol>
               </a:tblGrid>
-              <a:tr h="198206">
+              <a:tr h="139891">
                 <a:tc>
                   <a:txBody>
                     <a:bodyPr/>
@@ -7168,7 +6839,7 @@
                         <a:t>*): </a:t>
                       </a:r>
                       <a:r>
-                        <a:rPr lang="es-419" sz="900"/>
+                        <a:rPr lang="es-419" sz="900" dirty="0" err="1"/>
                         <a:t>void</a:t>
                       </a:r>
                       <a:br>

--- a/Documentos/Diagrama de clases .pptx
+++ b/Documentos/Diagrama de clases .pptx
@@ -4,6 +4,9 @@
   <p:sldMasterIdLst>
     <p:sldMasterId id="2147483672" r:id="rId1"/>
   </p:sldMasterIdLst>
+  <p:notesMasterIdLst>
+    <p:notesMasterId r:id="rId4"/>
+  </p:notesMasterIdLst>
   <p:sldIdLst>
     <p:sldId id="256" r:id="rId2"/>
     <p:sldId id="257" r:id="rId3"/>
@@ -113,6 +116,439 @@
 </p:presentation>
 </file>
 
+<file path=ppt/notesMasters/notesMaster1.xml><?xml version="1.0" encoding="utf-8"?>
+<p:notesMaster xmlns:a="http://schemas.openxmlformats.org/drawingml/2006/main" xmlns:r="http://schemas.openxmlformats.org/officeDocument/2006/relationships" xmlns:p="http://schemas.openxmlformats.org/presentationml/2006/main">
+  <p:cSld>
+    <p:bg>
+      <p:bgRef idx="1001">
+        <a:schemeClr val="bg1"/>
+      </p:bgRef>
+    </p:bg>
+    <p:spTree>
+      <p:nvGrpSpPr>
+        <p:cNvPr id="1" name=""/>
+        <p:cNvGrpSpPr/>
+        <p:nvPr/>
+      </p:nvGrpSpPr>
+      <p:grpSpPr>
+        <a:xfrm>
+          <a:off x="0" y="0"/>
+          <a:ext cx="0" cy="0"/>
+          <a:chOff x="0" y="0"/>
+          <a:chExt cx="0" cy="0"/>
+        </a:xfrm>
+      </p:grpSpPr>
+      <p:sp>
+        <p:nvSpPr>
+          <p:cNvPr id="2" name="Header Placeholder 1"/>
+          <p:cNvSpPr>
+            <a:spLocks noGrp="1"/>
+          </p:cNvSpPr>
+          <p:nvPr>
+            <p:ph type="hdr" sz="quarter"/>
+          </p:nvPr>
+        </p:nvSpPr>
+        <p:spPr>
+          <a:xfrm>
+            <a:off x="0" y="0"/>
+            <a:ext cx="2971800" cy="458788"/>
+          </a:xfrm>
+          <a:prstGeom prst="rect">
+            <a:avLst/>
+          </a:prstGeom>
+        </p:spPr>
+        <p:txBody>
+          <a:bodyPr vert="horz" lIns="91440" tIns="45720" rIns="91440" bIns="45720" rtlCol="0"/>
+          <a:lstStyle>
+            <a:lvl1pPr algn="l">
+              <a:defRPr sz="1200"/>
+            </a:lvl1pPr>
+          </a:lstStyle>
+          <a:p>
+            <a:endParaRPr lang="en-US"/>
+          </a:p>
+        </p:txBody>
+      </p:sp>
+      <p:sp>
+        <p:nvSpPr>
+          <p:cNvPr id="3" name="Date Placeholder 2"/>
+          <p:cNvSpPr>
+            <a:spLocks noGrp="1"/>
+          </p:cNvSpPr>
+          <p:nvPr>
+            <p:ph type="dt" idx="1"/>
+          </p:nvPr>
+        </p:nvSpPr>
+        <p:spPr>
+          <a:xfrm>
+            <a:off x="3884613" y="0"/>
+            <a:ext cx="2971800" cy="458788"/>
+          </a:xfrm>
+          <a:prstGeom prst="rect">
+            <a:avLst/>
+          </a:prstGeom>
+        </p:spPr>
+        <p:txBody>
+          <a:bodyPr vert="horz" lIns="91440" tIns="45720" rIns="91440" bIns="45720" rtlCol="0"/>
+          <a:lstStyle>
+            <a:lvl1pPr algn="r">
+              <a:defRPr sz="1200"/>
+            </a:lvl1pPr>
+          </a:lstStyle>
+          <a:p>
+            <a:fld id="{28F8C26E-2CEE-4CBC-890B-0FEC0016A618}" type="datetimeFigureOut">
+              <a:rPr lang="en-US" smtClean="0"/>
+              <a:t>5/28/2025</a:t>
+            </a:fld>
+            <a:endParaRPr lang="en-US"/>
+          </a:p>
+        </p:txBody>
+      </p:sp>
+      <p:sp>
+        <p:nvSpPr>
+          <p:cNvPr id="4" name="Slide Image Placeholder 3"/>
+          <p:cNvSpPr>
+            <a:spLocks noGrp="1" noRot="1" noChangeAspect="1"/>
+          </p:cNvSpPr>
+          <p:nvPr>
+            <p:ph type="sldImg" idx="2"/>
+          </p:nvPr>
+        </p:nvSpPr>
+        <p:spPr>
+          <a:xfrm>
+            <a:off x="1860550" y="1143000"/>
+            <a:ext cx="3136900" cy="3086100"/>
+          </a:xfrm>
+          <a:prstGeom prst="rect">
+            <a:avLst/>
+          </a:prstGeom>
+          <a:noFill/>
+          <a:ln w="12700">
+            <a:solidFill>
+              <a:prstClr val="black"/>
+            </a:solidFill>
+          </a:ln>
+        </p:spPr>
+        <p:txBody>
+          <a:bodyPr vert="horz" lIns="91440" tIns="45720" rIns="91440" bIns="45720" rtlCol="0" anchor="ctr"/>
+          <a:lstStyle/>
+          <a:p>
+            <a:endParaRPr lang="en-US"/>
+          </a:p>
+        </p:txBody>
+      </p:sp>
+      <p:sp>
+        <p:nvSpPr>
+          <p:cNvPr id="5" name="Notes Placeholder 4"/>
+          <p:cNvSpPr>
+            <a:spLocks noGrp="1"/>
+          </p:cNvSpPr>
+          <p:nvPr>
+            <p:ph type="body" sz="quarter" idx="3"/>
+          </p:nvPr>
+        </p:nvSpPr>
+        <p:spPr>
+          <a:xfrm>
+            <a:off x="685800" y="4400550"/>
+            <a:ext cx="5486400" cy="3600450"/>
+          </a:xfrm>
+          <a:prstGeom prst="rect">
+            <a:avLst/>
+          </a:prstGeom>
+        </p:spPr>
+        <p:txBody>
+          <a:bodyPr vert="horz" lIns="91440" tIns="45720" rIns="91440" bIns="45720" rtlCol="0"/>
+          <a:lstStyle/>
+          <a:p>
+            <a:pPr lvl="0"/>
+            <a:r>
+              <a:rPr lang="en-US"/>
+              <a:t>Click to edit Master text styles</a:t>
+            </a:r>
+          </a:p>
+          <a:p>
+            <a:pPr lvl="1"/>
+            <a:r>
+              <a:rPr lang="en-US"/>
+              <a:t>Second level</a:t>
+            </a:r>
+          </a:p>
+          <a:p>
+            <a:pPr lvl="2"/>
+            <a:r>
+              <a:rPr lang="en-US"/>
+              <a:t>Third level</a:t>
+            </a:r>
+          </a:p>
+          <a:p>
+            <a:pPr lvl="3"/>
+            <a:r>
+              <a:rPr lang="en-US"/>
+              <a:t>Fourth level</a:t>
+            </a:r>
+          </a:p>
+          <a:p>
+            <a:pPr lvl="4"/>
+            <a:r>
+              <a:rPr lang="en-US"/>
+              <a:t>Fifth level</a:t>
+            </a:r>
+          </a:p>
+        </p:txBody>
+      </p:sp>
+      <p:sp>
+        <p:nvSpPr>
+          <p:cNvPr id="6" name="Footer Placeholder 5"/>
+          <p:cNvSpPr>
+            <a:spLocks noGrp="1"/>
+          </p:cNvSpPr>
+          <p:nvPr>
+            <p:ph type="ftr" sz="quarter" idx="4"/>
+          </p:nvPr>
+        </p:nvSpPr>
+        <p:spPr>
+          <a:xfrm>
+            <a:off x="0" y="8685213"/>
+            <a:ext cx="2971800" cy="458787"/>
+          </a:xfrm>
+          <a:prstGeom prst="rect">
+            <a:avLst/>
+          </a:prstGeom>
+        </p:spPr>
+        <p:txBody>
+          <a:bodyPr vert="horz" lIns="91440" tIns="45720" rIns="91440" bIns="45720" rtlCol="0" anchor="b"/>
+          <a:lstStyle>
+            <a:lvl1pPr algn="l">
+              <a:defRPr sz="1200"/>
+            </a:lvl1pPr>
+          </a:lstStyle>
+          <a:p>
+            <a:endParaRPr lang="en-US"/>
+          </a:p>
+        </p:txBody>
+      </p:sp>
+      <p:sp>
+        <p:nvSpPr>
+          <p:cNvPr id="7" name="Slide Number Placeholder 6"/>
+          <p:cNvSpPr>
+            <a:spLocks noGrp="1"/>
+          </p:cNvSpPr>
+          <p:nvPr>
+            <p:ph type="sldNum" sz="quarter" idx="5"/>
+          </p:nvPr>
+        </p:nvSpPr>
+        <p:spPr>
+          <a:xfrm>
+            <a:off x="3884613" y="8685213"/>
+            <a:ext cx="2971800" cy="458787"/>
+          </a:xfrm>
+          <a:prstGeom prst="rect">
+            <a:avLst/>
+          </a:prstGeom>
+        </p:spPr>
+        <p:txBody>
+          <a:bodyPr vert="horz" lIns="91440" tIns="45720" rIns="91440" bIns="45720" rtlCol="0" anchor="b"/>
+          <a:lstStyle>
+            <a:lvl1pPr algn="r">
+              <a:defRPr sz="1200"/>
+            </a:lvl1pPr>
+          </a:lstStyle>
+          <a:p>
+            <a:fld id="{5C0B48D8-FB48-47C3-8EDD-669B7A4FBFF5}" type="slidenum">
+              <a:rPr lang="en-US" smtClean="0"/>
+              <a:t>‹#›</a:t>
+            </a:fld>
+            <a:endParaRPr lang="en-US"/>
+          </a:p>
+        </p:txBody>
+      </p:sp>
+    </p:spTree>
+    <p:extLst>
+      <p:ext uri="{BB962C8B-B14F-4D97-AF65-F5344CB8AC3E}">
+        <p14:creationId xmlns:p14="http://schemas.microsoft.com/office/powerpoint/2010/main" val="400219877"/>
+      </p:ext>
+    </p:extLst>
+  </p:cSld>
+  <p:clrMap bg1="lt1" tx1="dk1" bg2="lt2" tx2="dk2" accent1="accent1" accent2="accent2" accent3="accent3" accent4="accent4" accent5="accent5" accent6="accent6" hlink="hlink" folHlink="folHlink"/>
+  <p:notesStyle>
+    <a:lvl1pPr marL="0" algn="l" defTabSz="914400" rtl="0" eaLnBrk="1" latinLnBrk="0" hangingPunct="1">
+      <a:defRPr sz="1200" kern="1200">
+        <a:solidFill>
+          <a:schemeClr val="tx1"/>
+        </a:solidFill>
+        <a:latin typeface="+mn-lt"/>
+        <a:ea typeface="+mn-ea"/>
+        <a:cs typeface="+mn-cs"/>
+      </a:defRPr>
+    </a:lvl1pPr>
+    <a:lvl2pPr marL="457200" algn="l" defTabSz="914400" rtl="0" eaLnBrk="1" latinLnBrk="0" hangingPunct="1">
+      <a:defRPr sz="1200" kern="1200">
+        <a:solidFill>
+          <a:schemeClr val="tx1"/>
+        </a:solidFill>
+        <a:latin typeface="+mn-lt"/>
+        <a:ea typeface="+mn-ea"/>
+        <a:cs typeface="+mn-cs"/>
+      </a:defRPr>
+    </a:lvl2pPr>
+    <a:lvl3pPr marL="914400" algn="l" defTabSz="914400" rtl="0" eaLnBrk="1" latinLnBrk="0" hangingPunct="1">
+      <a:defRPr sz="1200" kern="1200">
+        <a:solidFill>
+          <a:schemeClr val="tx1"/>
+        </a:solidFill>
+        <a:latin typeface="+mn-lt"/>
+        <a:ea typeface="+mn-ea"/>
+        <a:cs typeface="+mn-cs"/>
+      </a:defRPr>
+    </a:lvl3pPr>
+    <a:lvl4pPr marL="1371600" algn="l" defTabSz="914400" rtl="0" eaLnBrk="1" latinLnBrk="0" hangingPunct="1">
+      <a:defRPr sz="1200" kern="1200">
+        <a:solidFill>
+          <a:schemeClr val="tx1"/>
+        </a:solidFill>
+        <a:latin typeface="+mn-lt"/>
+        <a:ea typeface="+mn-ea"/>
+        <a:cs typeface="+mn-cs"/>
+      </a:defRPr>
+    </a:lvl4pPr>
+    <a:lvl5pPr marL="1828800" algn="l" defTabSz="914400" rtl="0" eaLnBrk="1" latinLnBrk="0" hangingPunct="1">
+      <a:defRPr sz="1200" kern="1200">
+        <a:solidFill>
+          <a:schemeClr val="tx1"/>
+        </a:solidFill>
+        <a:latin typeface="+mn-lt"/>
+        <a:ea typeface="+mn-ea"/>
+        <a:cs typeface="+mn-cs"/>
+      </a:defRPr>
+    </a:lvl5pPr>
+    <a:lvl6pPr marL="2286000" algn="l" defTabSz="914400" rtl="0" eaLnBrk="1" latinLnBrk="0" hangingPunct="1">
+      <a:defRPr sz="1200" kern="1200">
+        <a:solidFill>
+          <a:schemeClr val="tx1"/>
+        </a:solidFill>
+        <a:latin typeface="+mn-lt"/>
+        <a:ea typeface="+mn-ea"/>
+        <a:cs typeface="+mn-cs"/>
+      </a:defRPr>
+    </a:lvl6pPr>
+    <a:lvl7pPr marL="2743200" algn="l" defTabSz="914400" rtl="0" eaLnBrk="1" latinLnBrk="0" hangingPunct="1">
+      <a:defRPr sz="1200" kern="1200">
+        <a:solidFill>
+          <a:schemeClr val="tx1"/>
+        </a:solidFill>
+        <a:latin typeface="+mn-lt"/>
+        <a:ea typeface="+mn-ea"/>
+        <a:cs typeface="+mn-cs"/>
+      </a:defRPr>
+    </a:lvl7pPr>
+    <a:lvl8pPr marL="3200400" algn="l" defTabSz="914400" rtl="0" eaLnBrk="1" latinLnBrk="0" hangingPunct="1">
+      <a:defRPr sz="1200" kern="1200">
+        <a:solidFill>
+          <a:schemeClr val="tx1"/>
+        </a:solidFill>
+        <a:latin typeface="+mn-lt"/>
+        <a:ea typeface="+mn-ea"/>
+        <a:cs typeface="+mn-cs"/>
+      </a:defRPr>
+    </a:lvl8pPr>
+    <a:lvl9pPr marL="3657600" algn="l" defTabSz="914400" rtl="0" eaLnBrk="1" latinLnBrk="0" hangingPunct="1">
+      <a:defRPr sz="1200" kern="1200">
+        <a:solidFill>
+          <a:schemeClr val="tx1"/>
+        </a:solidFill>
+        <a:latin typeface="+mn-lt"/>
+        <a:ea typeface="+mn-ea"/>
+        <a:cs typeface="+mn-cs"/>
+      </a:defRPr>
+    </a:lvl9pPr>
+  </p:notesStyle>
+</p:notesMaster>
+</file>
+
+<file path=ppt/notesSlides/notesSlide1.xml><?xml version="1.0" encoding="utf-8"?>
+<p:notes xmlns:a="http://schemas.openxmlformats.org/drawingml/2006/main" xmlns:r="http://schemas.openxmlformats.org/officeDocument/2006/relationships" xmlns:p="http://schemas.openxmlformats.org/presentationml/2006/main">
+  <p:cSld>
+    <p:spTree>
+      <p:nvGrpSpPr>
+        <p:cNvPr id="1" name=""/>
+        <p:cNvGrpSpPr/>
+        <p:nvPr/>
+      </p:nvGrpSpPr>
+      <p:grpSpPr>
+        <a:xfrm>
+          <a:off x="0" y="0"/>
+          <a:ext cx="0" cy="0"/>
+          <a:chOff x="0" y="0"/>
+          <a:chExt cx="0" cy="0"/>
+        </a:xfrm>
+      </p:grpSpPr>
+      <p:sp>
+        <p:nvSpPr>
+          <p:cNvPr id="2" name="Slide Image Placeholder 1"/>
+          <p:cNvSpPr>
+            <a:spLocks noGrp="1" noRot="1" noChangeAspect="1"/>
+          </p:cNvSpPr>
+          <p:nvPr>
+            <p:ph type="sldImg"/>
+          </p:nvPr>
+        </p:nvSpPr>
+        <p:spPr/>
+      </p:sp>
+      <p:sp>
+        <p:nvSpPr>
+          <p:cNvPr id="3" name="Notes Placeholder 2"/>
+          <p:cNvSpPr>
+            <a:spLocks noGrp="1"/>
+          </p:cNvSpPr>
+          <p:nvPr>
+            <p:ph type="body" idx="1"/>
+          </p:nvPr>
+        </p:nvSpPr>
+        <p:spPr/>
+        <p:txBody>
+          <a:bodyPr/>
+          <a:lstStyle/>
+          <a:p>
+            <a:endParaRPr lang="en-US" dirty="0"/>
+          </a:p>
+        </p:txBody>
+      </p:sp>
+      <p:sp>
+        <p:nvSpPr>
+          <p:cNvPr id="4" name="Slide Number Placeholder 3"/>
+          <p:cNvSpPr>
+            <a:spLocks noGrp="1"/>
+          </p:cNvSpPr>
+          <p:nvPr>
+            <p:ph type="sldNum" sz="quarter" idx="5"/>
+          </p:nvPr>
+        </p:nvSpPr>
+        <p:spPr/>
+        <p:txBody>
+          <a:bodyPr/>
+          <a:lstStyle/>
+          <a:p>
+            <a:fld id="{5C0B48D8-FB48-47C3-8EDD-669B7A4FBFF5}" type="slidenum">
+              <a:rPr lang="en-US" smtClean="0"/>
+              <a:t>1</a:t>
+            </a:fld>
+            <a:endParaRPr lang="en-US"/>
+          </a:p>
+        </p:txBody>
+      </p:sp>
+    </p:spTree>
+    <p:extLst>
+      <p:ext uri="{BB962C8B-B14F-4D97-AF65-F5344CB8AC3E}">
+        <p14:creationId xmlns:p14="http://schemas.microsoft.com/office/powerpoint/2010/main" val="3076569848"/>
+      </p:ext>
+    </p:extLst>
+  </p:cSld>
+  <p:clrMapOvr>
+    <a:masterClrMapping/>
+  </p:clrMapOvr>
+</p:notes>
+</file>
+
 <file path=ppt/slideLayouts/slideLayout1.xml><?xml version="1.0" encoding="utf-8"?>
 <p:sldLayout xmlns:a="http://schemas.openxmlformats.org/drawingml/2006/main" xmlns:r="http://schemas.openxmlformats.org/officeDocument/2006/relationships" xmlns:p="http://schemas.openxmlformats.org/presentationml/2006/main" type="title" preserve="1">
   <p:cSld name="Diapositiva de título">
@@ -244,7 +680,7 @@
           <a:p>
             <a:fld id="{761B82EC-0E7A-1D43-9F13-C1D8E66B749A}" type="datetimeFigureOut">
               <a:rPr lang="en-CO" smtClean="0"/>
-              <a:t>05/25/2025</a:t>
+              <a:t>05/28/2025</a:t>
             </a:fld>
             <a:endParaRPr lang="en-CO"/>
           </a:p>
@@ -414,7 +850,7 @@
           <a:p>
             <a:fld id="{761B82EC-0E7A-1D43-9F13-C1D8E66B749A}" type="datetimeFigureOut">
               <a:rPr lang="en-CO" smtClean="0"/>
-              <a:t>05/25/2025</a:t>
+              <a:t>05/28/2025</a:t>
             </a:fld>
             <a:endParaRPr lang="en-CO"/>
           </a:p>
@@ -594,7 +1030,7 @@
           <a:p>
             <a:fld id="{761B82EC-0E7A-1D43-9F13-C1D8E66B749A}" type="datetimeFigureOut">
               <a:rPr lang="en-CO" smtClean="0"/>
-              <a:t>05/25/2025</a:t>
+              <a:t>05/28/2025</a:t>
             </a:fld>
             <a:endParaRPr lang="en-CO"/>
           </a:p>
@@ -764,7 +1200,7 @@
           <a:p>
             <a:fld id="{761B82EC-0E7A-1D43-9F13-C1D8E66B749A}" type="datetimeFigureOut">
               <a:rPr lang="en-CO" smtClean="0"/>
-              <a:t>05/25/2025</a:t>
+              <a:t>05/28/2025</a:t>
             </a:fld>
             <a:endParaRPr lang="en-CO"/>
           </a:p>
@@ -1010,7 +1446,7 @@
           <a:p>
             <a:fld id="{761B82EC-0E7A-1D43-9F13-C1D8E66B749A}" type="datetimeFigureOut">
               <a:rPr lang="en-CO" smtClean="0"/>
-              <a:t>05/25/2025</a:t>
+              <a:t>05/28/2025</a:t>
             </a:fld>
             <a:endParaRPr lang="en-CO"/>
           </a:p>
@@ -1242,7 +1678,7 @@
           <a:p>
             <a:fld id="{761B82EC-0E7A-1D43-9F13-C1D8E66B749A}" type="datetimeFigureOut">
               <a:rPr lang="en-CO" smtClean="0"/>
-              <a:t>05/25/2025</a:t>
+              <a:t>05/28/2025</a:t>
             </a:fld>
             <a:endParaRPr lang="en-CO"/>
           </a:p>
@@ -1609,7 +2045,7 @@
           <a:p>
             <a:fld id="{761B82EC-0E7A-1D43-9F13-C1D8E66B749A}" type="datetimeFigureOut">
               <a:rPr lang="en-CO" smtClean="0"/>
-              <a:t>05/25/2025</a:t>
+              <a:t>05/28/2025</a:t>
             </a:fld>
             <a:endParaRPr lang="en-CO"/>
           </a:p>
@@ -1727,7 +2163,7 @@
           <a:p>
             <a:fld id="{761B82EC-0E7A-1D43-9F13-C1D8E66B749A}" type="datetimeFigureOut">
               <a:rPr lang="en-CO" smtClean="0"/>
-              <a:t>05/25/2025</a:t>
+              <a:t>05/28/2025</a:t>
             </a:fld>
             <a:endParaRPr lang="en-CO"/>
           </a:p>
@@ -1822,7 +2258,7 @@
           <a:p>
             <a:fld id="{761B82EC-0E7A-1D43-9F13-C1D8E66B749A}" type="datetimeFigureOut">
               <a:rPr lang="en-CO" smtClean="0"/>
-              <a:t>05/25/2025</a:t>
+              <a:t>05/28/2025</a:t>
             </a:fld>
             <a:endParaRPr lang="en-CO"/>
           </a:p>
@@ -2099,7 +2535,7 @@
           <a:p>
             <a:fld id="{761B82EC-0E7A-1D43-9F13-C1D8E66B749A}" type="datetimeFigureOut">
               <a:rPr lang="en-CO" smtClean="0"/>
-              <a:t>05/25/2025</a:t>
+              <a:t>05/28/2025</a:t>
             </a:fld>
             <a:endParaRPr lang="en-CO"/>
           </a:p>
@@ -2356,7 +2792,7 @@
           <a:p>
             <a:fld id="{761B82EC-0E7A-1D43-9F13-C1D8E66B749A}" type="datetimeFigureOut">
               <a:rPr lang="en-CO" smtClean="0"/>
-              <a:t>05/25/2025</a:t>
+              <a:t>05/28/2025</a:t>
             </a:fld>
             <a:endParaRPr lang="en-CO"/>
           </a:p>
@@ -2569,7 +3005,7 @@
           <a:p>
             <a:fld id="{761B82EC-0E7A-1D43-9F13-C1D8E66B749A}" type="datetimeFigureOut">
               <a:rPr lang="en-CO" smtClean="0"/>
-              <a:t>05/25/2025</a:t>
+              <a:t>05/28/2025</a:t>
             </a:fld>
             <a:endParaRPr lang="en-CO"/>
           </a:p>
@@ -2989,14 +3425,14 @@
           <p:nvPr>
             <p:extLst>
               <p:ext uri="{D42A27DB-BD31-4B8C-83A1-F6EECF244321}">
-                <p14:modId xmlns:p14="http://schemas.microsoft.com/office/powerpoint/2010/main" val="1994567745"/>
+                <p14:modId xmlns:p14="http://schemas.microsoft.com/office/powerpoint/2010/main" val="3816031081"/>
               </p:ext>
             </p:extLst>
           </p:nvPr>
         </p:nvGraphicFramePr>
         <p:xfrm>
           <a:off x="3808276" y="241"/>
-          <a:ext cx="1527453" cy="2278380"/>
+          <a:ext cx="1527453" cy="3253740"/>
         </p:xfrm>
         <a:graphic>
           <a:graphicData uri="http://schemas.openxmlformats.org/drawingml/2006/table">
@@ -3051,7 +3487,7 @@
                       </a:r>
                       <a:r>
                         <a:rPr lang="en-US" sz="800" dirty="0"/>
-                        <a:t>: int</a:t>
+                        <a:t> : int</a:t>
                       </a:r>
                     </a:p>
                     <a:p>
@@ -3065,7 +3501,7 @@
                       </a:r>
                       <a:r>
                         <a:rPr lang="en-US" sz="800" dirty="0"/>
-                        <a:t>: int</a:t>
+                        <a:t> : int</a:t>
                       </a:r>
                     </a:p>
                     <a:p>
@@ -3079,7 +3515,7 @@
                       </a:r>
                       <a:r>
                         <a:rPr lang="en-US" sz="800" dirty="0"/>
-                        <a:t>: int</a:t>
+                        <a:t> : int</a:t>
                       </a:r>
                       <a:endParaRPr lang="en-CO" sz="800" dirty="0"/>
                     </a:p>
@@ -3100,11 +3536,241 @@
                     <a:p>
                       <a:r>
                         <a:rPr lang="es-419" sz="800" dirty="0"/>
-                        <a:t>+ Fecha(</a:t>
+                        <a:t>+ Fecha()</a:t>
+                      </a:r>
+                    </a:p>
+                    <a:p>
+                      <a:r>
+                        <a:rPr lang="es-419" sz="800" dirty="0"/>
+                        <a:t>+ Fecha(d: </a:t>
                       </a:r>
                       <a:r>
                         <a:rPr lang="es-419" sz="800" dirty="0" err="1"/>
-                        <a:t>dia</a:t>
+                        <a:t>int</a:t>
+                      </a:r>
+                      <a:r>
+                        <a:rPr lang="es-419" sz="800" dirty="0"/>
+                        <a:t>, m: </a:t>
+                      </a:r>
+                      <a:r>
+                        <a:rPr lang="es-419" sz="800" dirty="0" err="1"/>
+                        <a:t>int</a:t>
+                      </a:r>
+                      <a:r>
+                        <a:rPr lang="es-419" sz="800" dirty="0"/>
+                        <a:t>, a: </a:t>
+                      </a:r>
+                      <a:r>
+                        <a:rPr lang="es-419" sz="800" dirty="0" err="1"/>
+                        <a:t>int</a:t>
+                      </a:r>
+                      <a:r>
+                        <a:rPr lang="es-419" sz="800" dirty="0"/>
+                        <a:t>)</a:t>
+                      </a:r>
+                    </a:p>
+                    <a:p>
+                      <a:r>
+                        <a:rPr lang="es-419" sz="800" dirty="0"/>
+                        <a:t>+ Fecha(otra: Fecha)</a:t>
+                      </a:r>
+                    </a:p>
+                    <a:p>
+                      <a:r>
+                        <a:rPr lang="es-419" sz="800" dirty="0"/>
+                        <a:t>+ </a:t>
+                      </a:r>
+                      <a:r>
+                        <a:rPr lang="es-419" sz="800" dirty="0" err="1"/>
+                        <a:t>operator</a:t>
+                      </a:r>
+                      <a:r>
+                        <a:rPr lang="es-419" sz="800" dirty="0"/>
+                        <a:t>=(otra: Fecha) : Fecha&amp;</a:t>
+                      </a:r>
+                    </a:p>
+                    <a:p>
+                      <a:r>
+                        <a:rPr lang="es-419" sz="800" dirty="0"/>
+                        <a:t>+ ~Fecha()</a:t>
+                      </a:r>
+                    </a:p>
+                    <a:p>
+                      <a:r>
+                        <a:rPr lang="es-419" sz="800" dirty="0"/>
+                        <a:t>+ </a:t>
+                      </a:r>
+                      <a:r>
+                        <a:rPr lang="es-419" sz="800" dirty="0" err="1"/>
+                        <a:t>getDia</a:t>
+                      </a:r>
+                      <a:r>
+                        <a:rPr lang="es-419" sz="800" dirty="0"/>
+                        <a:t>() : </a:t>
+                      </a:r>
+                      <a:r>
+                        <a:rPr lang="es-419" sz="800" dirty="0" err="1"/>
+                        <a:t>int</a:t>
+                      </a:r>
+                      <a:endParaRPr lang="es-419" sz="800" dirty="0"/>
+                    </a:p>
+                    <a:p>
+                      <a:r>
+                        <a:rPr lang="es-419" sz="800" dirty="0"/>
+                        <a:t>+ </a:t>
+                      </a:r>
+                      <a:r>
+                        <a:rPr lang="es-419" sz="800" dirty="0" err="1"/>
+                        <a:t>getMes</a:t>
+                      </a:r>
+                      <a:r>
+                        <a:rPr lang="es-419" sz="800" dirty="0"/>
+                        <a:t>() : </a:t>
+                      </a:r>
+                      <a:r>
+                        <a:rPr lang="es-419" sz="800" dirty="0" err="1"/>
+                        <a:t>int</a:t>
+                      </a:r>
+                      <a:endParaRPr lang="es-419" sz="800" dirty="0"/>
+                    </a:p>
+                    <a:p>
+                      <a:r>
+                        <a:rPr lang="es-419" sz="800" dirty="0"/>
+                        <a:t>+ </a:t>
+                      </a:r>
+                      <a:r>
+                        <a:rPr lang="es-419" sz="800" dirty="0" err="1"/>
+                        <a:t>getAnio</a:t>
+                      </a:r>
+                      <a:r>
+                        <a:rPr lang="es-419" sz="800" dirty="0"/>
+                        <a:t>() : </a:t>
+                      </a:r>
+                      <a:r>
+                        <a:rPr lang="es-419" sz="800" dirty="0" err="1"/>
+                        <a:t>int</a:t>
+                      </a:r>
+                      <a:endParaRPr lang="es-419" sz="800" dirty="0"/>
+                    </a:p>
+                    <a:p>
+                      <a:r>
+                        <a:rPr lang="es-419" sz="800" dirty="0"/>
+                        <a:t>+ </a:t>
+                      </a:r>
+                      <a:r>
+                        <a:rPr lang="es-419" sz="800" dirty="0" err="1"/>
+                        <a:t>setDia</a:t>
+                      </a:r>
+                      <a:r>
+                        <a:rPr lang="es-419" sz="800" dirty="0"/>
+                        <a:t>(d: </a:t>
+                      </a:r>
+                      <a:r>
+                        <a:rPr lang="es-419" sz="800" dirty="0" err="1"/>
+                        <a:t>int</a:t>
+                      </a:r>
+                      <a:r>
+                        <a:rPr lang="es-419" sz="800" dirty="0"/>
+                        <a:t>) : </a:t>
+                      </a:r>
+                      <a:r>
+                        <a:rPr lang="es-419" sz="800" dirty="0" err="1"/>
+                        <a:t>void</a:t>
+                      </a:r>
+                      <a:endParaRPr lang="es-419" sz="800" dirty="0"/>
+                    </a:p>
+                    <a:p>
+                      <a:r>
+                        <a:rPr lang="es-419" sz="800" dirty="0"/>
+                        <a:t>+ </a:t>
+                      </a:r>
+                      <a:r>
+                        <a:rPr lang="es-419" sz="800" dirty="0" err="1"/>
+                        <a:t>setMes</a:t>
+                      </a:r>
+                      <a:r>
+                        <a:rPr lang="es-419" sz="800" dirty="0"/>
+                        <a:t>(m: </a:t>
+                      </a:r>
+                      <a:r>
+                        <a:rPr lang="es-419" sz="800" dirty="0" err="1"/>
+                        <a:t>int</a:t>
+                      </a:r>
+                      <a:r>
+                        <a:rPr lang="es-419" sz="800" dirty="0"/>
+                        <a:t>) : </a:t>
+                      </a:r>
+                      <a:r>
+                        <a:rPr lang="es-419" sz="800" dirty="0" err="1"/>
+                        <a:t>void</a:t>
+                      </a:r>
+                      <a:endParaRPr lang="es-419" sz="800" dirty="0"/>
+                    </a:p>
+                    <a:p>
+                      <a:r>
+                        <a:rPr lang="es-419" sz="800" dirty="0"/>
+                        <a:t>+ </a:t>
+                      </a:r>
+                      <a:r>
+                        <a:rPr lang="es-419" sz="800" dirty="0" err="1"/>
+                        <a:t>setAnio</a:t>
+                      </a:r>
+                      <a:r>
+                        <a:rPr lang="es-419" sz="800" dirty="0"/>
+                        <a:t>(a: </a:t>
+                      </a:r>
+                      <a:r>
+                        <a:rPr lang="es-419" sz="800" dirty="0" err="1"/>
+                        <a:t>int</a:t>
+                      </a:r>
+                      <a:r>
+                        <a:rPr lang="es-419" sz="800" dirty="0"/>
+                        <a:t>) : </a:t>
+                      </a:r>
+                      <a:r>
+                        <a:rPr lang="es-419" sz="800" dirty="0" err="1"/>
+                        <a:t>void</a:t>
+                      </a:r>
+                      <a:endParaRPr lang="es-419" sz="800" dirty="0"/>
+                    </a:p>
+                    <a:p>
+                      <a:r>
+                        <a:rPr lang="es-419" sz="800" dirty="0"/>
+                        <a:t>+ </a:t>
+                      </a:r>
+                      <a:r>
+                        <a:rPr lang="es-419" sz="800" dirty="0" err="1"/>
+                        <a:t>toString</a:t>
+                      </a:r>
+                      <a:r>
+                        <a:rPr lang="es-419" sz="800" dirty="0"/>
+                        <a:t>() : </a:t>
+                      </a:r>
+                      <a:r>
+                        <a:rPr lang="es-419" sz="800" dirty="0" err="1"/>
+                        <a:t>char</a:t>
+                      </a:r>
+                      <a:r>
+                        <a:rPr lang="es-419" sz="800" dirty="0"/>
+                        <a:t>*</a:t>
+                      </a:r>
+                    </a:p>
+                    <a:p>
+                      <a:r>
+                        <a:rPr lang="es-419" sz="800" dirty="0"/>
+                        <a:t>+ </a:t>
+                      </a:r>
+                      <a:r>
+                        <a:rPr lang="es-419" sz="800" dirty="0" err="1"/>
+                        <a:t>seCruzaCon</a:t>
+                      </a:r>
+                      <a:r>
+                        <a:rPr lang="es-419" sz="800" dirty="0"/>
+                        <a:t>(otra: Fecha, </a:t>
+                      </a:r>
+                      <a:r>
+                        <a:rPr lang="es-419" sz="800" dirty="0" err="1"/>
+                        <a:t>duracionOtra</a:t>
                       </a:r>
                       <a:r>
                         <a:rPr lang="es-419" sz="800" dirty="0"/>
@@ -3116,7 +3782,110 @@
                       </a:r>
                       <a:r>
                         <a:rPr lang="es-419" sz="800" dirty="0"/>
-                        <a:t>, mes: </a:t>
+                        <a:t>) : </a:t>
+                      </a:r>
+                      <a:r>
+                        <a:rPr lang="es-419" sz="800" dirty="0" err="1"/>
+                        <a:t>bool</a:t>
+                      </a:r>
+                      <a:endParaRPr lang="es-419" sz="800" dirty="0"/>
+                    </a:p>
+                    <a:p>
+                      <a:r>
+                        <a:rPr lang="es-419" sz="800" dirty="0"/>
+                        <a:t>+ </a:t>
+                      </a:r>
+                      <a:r>
+                        <a:rPr lang="es-419" sz="800" dirty="0" err="1"/>
+                        <a:t>operator</a:t>
+                      </a:r>
+                      <a:r>
+                        <a:rPr lang="es-419" sz="800" dirty="0"/>
+                        <a:t>==(otra: Fecha) : </a:t>
+                      </a:r>
+                      <a:r>
+                        <a:rPr lang="es-419" sz="800" dirty="0" err="1"/>
+                        <a:t>bool</a:t>
+                      </a:r>
+                      <a:endParaRPr lang="es-419" sz="800" dirty="0"/>
+                    </a:p>
+                    <a:p>
+                      <a:r>
+                        <a:rPr lang="es-419" sz="800" dirty="0"/>
+                        <a:t>+ </a:t>
+                      </a:r>
+                      <a:r>
+                        <a:rPr lang="es-419" sz="800" dirty="0" err="1"/>
+                        <a:t>operator</a:t>
+                      </a:r>
+                      <a:r>
+                        <a:rPr lang="es-419" sz="800" dirty="0"/>
+                        <a:t>&lt;(otra: Fecha) : </a:t>
+                      </a:r>
+                      <a:r>
+                        <a:rPr lang="es-419" sz="800" dirty="0" err="1"/>
+                        <a:t>bool</a:t>
+                      </a:r>
+                      <a:endParaRPr lang="es-419" sz="800" dirty="0"/>
+                    </a:p>
+                    <a:p>
+                      <a:r>
+                        <a:rPr lang="es-419" sz="800" dirty="0"/>
+                        <a:t>+ </a:t>
+                      </a:r>
+                      <a:r>
+                        <a:rPr lang="es-419" sz="800" dirty="0" err="1"/>
+                        <a:t>operator</a:t>
+                      </a:r>
+                      <a:r>
+                        <a:rPr lang="es-419" sz="800" dirty="0"/>
+                        <a:t>&lt;=(otra: Fecha) : </a:t>
+                      </a:r>
+                      <a:r>
+                        <a:rPr lang="es-419" sz="800" dirty="0" err="1"/>
+                        <a:t>bool</a:t>
+                      </a:r>
+                      <a:endParaRPr lang="es-419" sz="800" dirty="0"/>
+                    </a:p>
+                    <a:p>
+                      <a:r>
+                        <a:rPr lang="es-419" sz="800" dirty="0"/>
+                        <a:t>+ </a:t>
+                      </a:r>
+                      <a:r>
+                        <a:rPr lang="es-419" sz="800" dirty="0" err="1"/>
+                        <a:t>operator</a:t>
+                      </a:r>
+                      <a:r>
+                        <a:rPr lang="es-419" sz="800" dirty="0"/>
+                        <a:t>&gt;=(otra: Fecha) : </a:t>
+                      </a:r>
+                      <a:r>
+                        <a:rPr lang="es-419" sz="800" dirty="0" err="1"/>
+                        <a:t>bool</a:t>
+                      </a:r>
+                      <a:endParaRPr lang="es-419" sz="800" dirty="0"/>
+                    </a:p>
+                    <a:p>
+                      <a:r>
+                        <a:rPr lang="es-419" sz="800" dirty="0"/>
+                        <a:t>+ </a:t>
+                      </a:r>
+                      <a:r>
+                        <a:rPr lang="es-419" sz="800" dirty="0" err="1"/>
+                        <a:t>operator</a:t>
+                      </a:r>
+                      <a:r>
+                        <a:rPr lang="es-419" sz="800" dirty="0"/>
+                        <a:t>+(</a:t>
+                      </a:r>
+                      <a:r>
+                        <a:rPr lang="es-419" sz="800" dirty="0" err="1"/>
+                        <a:t>dias</a:t>
+                      </a:r>
+                      <a:r>
+                        <a:rPr lang="es-419" sz="800" dirty="0"/>
+                        <a:t>: </a:t>
                       </a:r>
                       <a:r>
                         <a:rPr lang="es-419" sz="800" dirty="0" err="1"/>
@@ -3124,43 +3893,7 @@
                       </a:r>
                       <a:r>
                         <a:rPr lang="es-419" sz="800" dirty="0"/>
-                        <a:t>, </a:t>
-                      </a:r>
-                      <a:r>
-                        <a:rPr lang="es-419" sz="800" dirty="0" err="1"/>
-                        <a:t>anio</a:t>
-                      </a:r>
-                      <a:r>
-                        <a:rPr lang="es-419" sz="800" dirty="0"/>
-                        <a:t>: </a:t>
-                      </a:r>
-                      <a:r>
-                        <a:rPr lang="es-419" sz="800" dirty="0" err="1"/>
-                        <a:t>int</a:t>
-                      </a:r>
-                      <a:r>
-                        <a:rPr lang="es-419" sz="800" dirty="0"/>
-                        <a:t>)</a:t>
-                      </a:r>
-                    </a:p>
-                    <a:p>
-                      <a:r>
-                        <a:rPr lang="es-419" sz="800" dirty="0"/>
-                        <a:t>+ Fecha(</a:t>
-                      </a:r>
-                      <a:r>
-                        <a:rPr lang="es-419" sz="800" dirty="0" err="1"/>
-                        <a:t>const</a:t>
-                      </a:r>
-                      <a:r>
-                        <a:rPr lang="es-419" sz="800" dirty="0"/>
-                        <a:t> Fecha&amp; otra)</a:t>
-                      </a:r>
-                    </a:p>
-                    <a:p>
-                      <a:r>
-                        <a:rPr lang="es-419" sz="800" dirty="0"/>
-                        <a:t>+ ~Fecha()</a:t>
+                        <a:t>) : Fecha</a:t>
                       </a:r>
                     </a:p>
                     <a:p>
@@ -3170,206 +3903,11 @@
                       </a:r>
                       <a:r>
                         <a:rPr lang="es-419" sz="800" dirty="0" err="1"/>
-                        <a:t>getDia</a:t>
+                        <a:t>esValida</a:t>
                       </a:r>
                       <a:r>
                         <a:rPr lang="es-419" sz="800" dirty="0"/>
-                        <a:t>(): </a:t>
-                      </a:r>
-                      <a:r>
-                        <a:rPr lang="es-419" sz="800" dirty="0" err="1"/>
-                        <a:t>int</a:t>
-                      </a:r>
-                      <a:endParaRPr lang="es-419" sz="800" dirty="0"/>
-                    </a:p>
-                    <a:p>
-                      <a:r>
-                        <a:rPr lang="es-419" sz="800" dirty="0"/>
-                        <a:t>+ </a:t>
-                      </a:r>
-                      <a:r>
-                        <a:rPr lang="es-419" sz="800" dirty="0" err="1"/>
-                        <a:t>getMes</a:t>
-                      </a:r>
-                      <a:r>
-                        <a:rPr lang="es-419" sz="800" dirty="0"/>
-                        <a:t>(): </a:t>
-                      </a:r>
-                      <a:r>
-                        <a:rPr lang="es-419" sz="800" dirty="0" err="1"/>
-                        <a:t>int</a:t>
-                      </a:r>
-                      <a:endParaRPr lang="es-419" sz="800" dirty="0"/>
-                    </a:p>
-                    <a:p>
-                      <a:r>
-                        <a:rPr lang="es-419" sz="800" dirty="0"/>
-                        <a:t>+ </a:t>
-                      </a:r>
-                      <a:r>
-                        <a:rPr lang="es-419" sz="800" dirty="0" err="1"/>
-                        <a:t>getAnio</a:t>
-                      </a:r>
-                      <a:r>
-                        <a:rPr lang="es-419" sz="800" dirty="0"/>
-                        <a:t>(): </a:t>
-                      </a:r>
-                      <a:r>
-                        <a:rPr lang="es-419" sz="800" dirty="0" err="1"/>
-                        <a:t>int</a:t>
-                      </a:r>
-                      <a:endParaRPr lang="es-419" sz="800" dirty="0"/>
-                    </a:p>
-                    <a:p>
-                      <a:r>
-                        <a:rPr lang="es-419" sz="800" dirty="0"/>
-                        <a:t>+ </a:t>
-                      </a:r>
-                      <a:r>
-                        <a:rPr lang="es-419" sz="800" dirty="0" err="1"/>
-                        <a:t>setDia</a:t>
-                      </a:r>
-                      <a:r>
-                        <a:rPr lang="es-419" sz="800" dirty="0"/>
-                        <a:t>(</a:t>
-                      </a:r>
-                      <a:r>
-                        <a:rPr lang="es-419" sz="800" dirty="0" err="1"/>
-                        <a:t>dia</a:t>
-                      </a:r>
-                      <a:r>
-                        <a:rPr lang="es-419" sz="800" dirty="0"/>
-                        <a:t>: </a:t>
-                      </a:r>
-                      <a:r>
-                        <a:rPr lang="es-419" sz="800" dirty="0" err="1"/>
-                        <a:t>int</a:t>
-                      </a:r>
-                      <a:r>
-                        <a:rPr lang="es-419" sz="800" dirty="0"/>
-                        <a:t>): </a:t>
-                      </a:r>
-                      <a:r>
-                        <a:rPr lang="es-419" sz="800" dirty="0" err="1"/>
-                        <a:t>void</a:t>
-                      </a:r>
-                      <a:endParaRPr lang="es-419" sz="800" dirty="0"/>
-                    </a:p>
-                    <a:p>
-                      <a:r>
-                        <a:rPr lang="es-419" sz="800" dirty="0"/>
-                        <a:t>+ </a:t>
-                      </a:r>
-                      <a:r>
-                        <a:rPr lang="es-419" sz="800" dirty="0" err="1"/>
-                        <a:t>setMes</a:t>
-                      </a:r>
-                      <a:r>
-                        <a:rPr lang="es-419" sz="800" dirty="0"/>
-                        <a:t>(mes: </a:t>
-                      </a:r>
-                      <a:r>
-                        <a:rPr lang="es-419" sz="800" dirty="0" err="1"/>
-                        <a:t>int</a:t>
-                      </a:r>
-                      <a:r>
-                        <a:rPr lang="es-419" sz="800" dirty="0"/>
-                        <a:t>): </a:t>
-                      </a:r>
-                      <a:r>
-                        <a:rPr lang="es-419" sz="800" dirty="0" err="1"/>
-                        <a:t>void</a:t>
-                      </a:r>
-                      <a:endParaRPr lang="es-419" sz="800" dirty="0"/>
-                    </a:p>
-                    <a:p>
-                      <a:r>
-                        <a:rPr lang="es-419" sz="800" dirty="0"/>
-                        <a:t>+ </a:t>
-                      </a:r>
-                      <a:r>
-                        <a:rPr lang="es-419" sz="800" dirty="0" err="1"/>
-                        <a:t>setAnio</a:t>
-                      </a:r>
-                      <a:r>
-                        <a:rPr lang="es-419" sz="800" dirty="0"/>
-                        <a:t>(</a:t>
-                      </a:r>
-                      <a:r>
-                        <a:rPr lang="es-419" sz="800" dirty="0" err="1"/>
-                        <a:t>anio</a:t>
-                      </a:r>
-                      <a:r>
-                        <a:rPr lang="es-419" sz="800" dirty="0"/>
-                        <a:t>: </a:t>
-                      </a:r>
-                      <a:r>
-                        <a:rPr lang="es-419" sz="800" dirty="0" err="1"/>
-                        <a:t>int</a:t>
-                      </a:r>
-                      <a:r>
-                        <a:rPr lang="es-419" sz="800" dirty="0"/>
-                        <a:t>): </a:t>
-                      </a:r>
-                      <a:r>
-                        <a:rPr lang="es-419" sz="800" dirty="0" err="1"/>
-                        <a:t>void</a:t>
-                      </a:r>
-                      <a:endParaRPr lang="es-419" sz="800" dirty="0"/>
-                    </a:p>
-                    <a:p>
-                      <a:r>
-                        <a:rPr lang="es-419" sz="800" dirty="0"/>
-                        <a:t>+ </a:t>
-                      </a:r>
-                      <a:r>
-                        <a:rPr lang="es-419" sz="800" dirty="0" err="1"/>
-                        <a:t>toString</a:t>
-                      </a:r>
-                      <a:r>
-                        <a:rPr lang="es-419" sz="800" dirty="0"/>
-                        <a:t>(): </a:t>
-                      </a:r>
-                      <a:r>
-                        <a:rPr lang="es-419" sz="800" dirty="0" err="1"/>
-                        <a:t>char</a:t>
-                      </a:r>
-                      <a:r>
-                        <a:rPr lang="es-419" sz="800" dirty="0"/>
-                        <a:t>*</a:t>
-                      </a:r>
-                    </a:p>
-                    <a:p>
-                      <a:r>
-                        <a:rPr lang="es-419" sz="800" dirty="0"/>
-                        <a:t>+ </a:t>
-                      </a:r>
-                      <a:r>
-                        <a:rPr lang="es-419" sz="800" dirty="0" err="1"/>
-                        <a:t>operator</a:t>
-                      </a:r>
-                      <a:r>
-                        <a:rPr lang="es-419" sz="800" dirty="0"/>
-                        <a:t>&lt;(otra: Fecha): </a:t>
-                      </a:r>
-                      <a:r>
-                        <a:rPr lang="es-419" sz="800" dirty="0" err="1"/>
-                        <a:t>bool</a:t>
-                      </a:r>
-                      <a:endParaRPr lang="es-419" sz="800" dirty="0"/>
-                    </a:p>
-                    <a:p>
-                      <a:r>
-                        <a:rPr lang="es-419" sz="800" dirty="0"/>
-                        <a:t>+ </a:t>
-                      </a:r>
-                      <a:r>
-                        <a:rPr lang="es-419" sz="800" dirty="0" err="1"/>
-                        <a:t>operator</a:t>
-                      </a:r>
-                      <a:r>
-                        <a:rPr lang="es-419" sz="800" dirty="0"/>
-                        <a:t>==(otra: Fecha): </a:t>
+                        <a:t>() : </a:t>
                       </a:r>
                       <a:r>
                         <a:rPr lang="es-419" sz="800" dirty="0" err="1"/>
@@ -3405,7 +3943,7 @@
           <p:nvPr>
             <p:extLst>
               <p:ext uri="{D42A27DB-BD31-4B8C-83A1-F6EECF244321}">
-                <p14:modId xmlns:p14="http://schemas.microsoft.com/office/powerpoint/2010/main" val="3691790209"/>
+                <p14:modId xmlns:p14="http://schemas.microsoft.com/office/powerpoint/2010/main" val="3183879021"/>
               </p:ext>
             </p:extLst>
           </p:nvPr>
@@ -3467,7 +4005,7 @@
                       </a:r>
                       <a:r>
                         <a:rPr lang="en-US" sz="900" dirty="0"/>
-                        <a:t>: char*</a:t>
+                        <a:t> : char*</a:t>
                       </a:r>
                     </a:p>
                     <a:p>
@@ -3481,7 +4019,7 @@
                       </a:r>
                       <a:r>
                         <a:rPr lang="en-US" sz="900" dirty="0"/>
-                        <a:t>: </a:t>
+                        <a:t> : </a:t>
                       </a:r>
                       <a:r>
                         <a:rPr lang="en-US" sz="900" dirty="0" err="1"/>
@@ -3496,11 +4034,11 @@
                       </a:r>
                       <a:r>
                         <a:rPr lang="en-US" sz="900" dirty="0" err="1"/>
-                        <a:t>duracionNoches</a:t>
-                      </a:r>
-                      <a:r>
-                        <a:rPr lang="en-US" sz="900" dirty="0"/>
-                        <a:t>: int</a:t>
+                        <a:t>duracion</a:t>
+                      </a:r>
+                      <a:r>
+                        <a:rPr lang="en-US" sz="900" dirty="0"/>
+                        <a:t> : int</a:t>
                       </a:r>
                     </a:p>
                     <a:p>
@@ -3514,7 +4052,7 @@
                       </a:r>
                       <a:r>
                         <a:rPr lang="en-US" sz="900" dirty="0"/>
-                        <a:t>: </a:t>
+                        <a:t> : </a:t>
                       </a:r>
                       <a:r>
                         <a:rPr lang="en-US" sz="900" dirty="0" err="1"/>
@@ -3536,7 +4074,7 @@
                       </a:r>
                       <a:r>
                         <a:rPr lang="en-US" sz="900" dirty="0"/>
-                        <a:t>: </a:t>
+                        <a:t> : </a:t>
                       </a:r>
                       <a:r>
                         <a:rPr lang="en-US" sz="900" dirty="0" err="1"/>
@@ -3558,7 +4096,7 @@
                       </a:r>
                       <a:r>
                         <a:rPr lang="en-US" sz="900" dirty="0"/>
-                        <a:t>: int</a:t>
+                        <a:t> : char*</a:t>
                       </a:r>
                     </a:p>
                     <a:p>
@@ -3572,7 +4110,7 @@
                       </a:r>
                       <a:r>
                         <a:rPr lang="en-US" sz="900" dirty="0"/>
-                        <a:t>: </a:t>
+                        <a:t> : </a:t>
                       </a:r>
                       <a:r>
                         <a:rPr lang="en-US" sz="900" dirty="0" err="1"/>
@@ -3591,7 +4129,7 @@
                       </a:r>
                       <a:r>
                         <a:rPr lang="en-US" sz="900" dirty="0"/>
-                        <a:t>: double</a:t>
+                        <a:t> : double</a:t>
                       </a:r>
                     </a:p>
                     <a:p>
@@ -3605,7 +4143,49 @@
                       </a:r>
                       <a:r>
                         <a:rPr lang="en-US" sz="900" dirty="0"/>
-                        <a:t>: char*</a:t>
+                        <a:t> : char*</a:t>
+                      </a:r>
+                    </a:p>
+                    <a:p>
+                      <a:r>
+                        <a:rPr lang="en-US" sz="900" dirty="0"/>
+                        <a:t>- static </a:t>
+                      </a:r>
+                      <a:r>
+                        <a:rPr lang="en-US" sz="900" dirty="0" err="1"/>
+                        <a:t>siguienteId</a:t>
+                      </a:r>
+                      <a:r>
+                        <a:rPr lang="en-US" sz="900" dirty="0"/>
+                        <a:t> : int</a:t>
+                      </a:r>
+                    </a:p>
+                    <a:p>
+                      <a:r>
+                        <a:rPr lang="en-US" sz="900" dirty="0"/>
+                        <a:t>- static </a:t>
+                      </a:r>
+                      <a:r>
+                        <a:rPr lang="en-US" sz="900" dirty="0" err="1"/>
+                        <a:t>totalReservasCreadas</a:t>
+                      </a:r>
+                      <a:r>
+                        <a:rPr lang="en-US" sz="900" dirty="0"/>
+                        <a:t> : int</a:t>
+                      </a:r>
+                    </a:p>
+                    <a:p>
+                      <a:r>
+                        <a:rPr lang="en-US" sz="900" dirty="0"/>
+                        <a:t>- static </a:t>
+                      </a:r>
+                      <a:r>
+                        <a:rPr lang="en-US" sz="900" dirty="0" err="1"/>
+                        <a:t>totalIteracionesEnReservas</a:t>
+                      </a:r>
+                      <a:r>
+                        <a:rPr lang="en-US" sz="900" dirty="0"/>
+                        <a:t> : int</a:t>
                       </a:r>
                       <a:endParaRPr lang="en-CO" sz="900" dirty="0"/>
                     </a:p>
@@ -3630,11 +4210,177 @@
                       </a:r>
                       <a:r>
                         <a:rPr lang="es-419" sz="900" dirty="0" err="1"/>
-                        <a:t>codigo</a:t>
-                      </a:r>
-                      <a:r>
-                        <a:rPr lang="es-419" sz="900" dirty="0"/>
-                        <a:t>: </a:t>
+                        <a:t>fechaEnt</a:t>
+                      </a:r>
+                      <a:r>
+                        <a:rPr lang="es-419" sz="900" dirty="0"/>
+                        <a:t>, </a:t>
+                      </a:r>
+                      <a:r>
+                        <a:rPr lang="es-419" sz="900" dirty="0" err="1"/>
+                        <a:t>dur</a:t>
+                      </a:r>
+                      <a:r>
+                        <a:rPr lang="es-419" sz="900" dirty="0"/>
+                        <a:t>, </a:t>
+                      </a:r>
+                      <a:r>
+                        <a:rPr lang="es-419" sz="900" dirty="0" err="1"/>
+                        <a:t>aloj</a:t>
+                      </a:r>
+                      <a:r>
+                        <a:rPr lang="es-419" sz="900" dirty="0"/>
+                        <a:t>, </a:t>
+                      </a:r>
+                      <a:r>
+                        <a:rPr lang="es-419" sz="900" dirty="0" err="1"/>
+                        <a:t>huesp</a:t>
+                      </a:r>
+                      <a:r>
+                        <a:rPr lang="es-419" sz="900" dirty="0"/>
+                        <a:t>, </a:t>
+                      </a:r>
+                      <a:r>
+                        <a:rPr lang="es-419" sz="900" dirty="0" err="1"/>
+                        <a:t>metodo</a:t>
+                      </a:r>
+                      <a:r>
+                        <a:rPr lang="es-419" sz="900" dirty="0"/>
+                        <a:t>, </a:t>
+                      </a:r>
+                      <a:r>
+                        <a:rPr lang="es-419" sz="900" dirty="0" err="1"/>
+                        <a:t>fechaPag</a:t>
+                      </a:r>
+                      <a:r>
+                        <a:rPr lang="es-419" sz="900" dirty="0"/>
+                        <a:t>, monto, </a:t>
+                      </a:r>
+                      <a:r>
+                        <a:rPr lang="es-419" sz="900" dirty="0" err="1"/>
+                        <a:t>anot</a:t>
+                      </a:r>
+                      <a:r>
+                        <a:rPr lang="es-419" sz="900" dirty="0"/>
+                        <a:t>)</a:t>
+                      </a:r>
+                    </a:p>
+                    <a:p>
+                      <a:r>
+                        <a:rPr lang="es-419" sz="900" dirty="0"/>
+                        <a:t>+ Reserva(</a:t>
+                      </a:r>
+                      <a:r>
+                        <a:rPr lang="es-419" sz="900" dirty="0" err="1"/>
+                        <a:t>cod</a:t>
+                      </a:r>
+                      <a:r>
+                        <a:rPr lang="es-419" sz="900" dirty="0"/>
+                        <a:t>, </a:t>
+                      </a:r>
+                      <a:r>
+                        <a:rPr lang="es-419" sz="900" dirty="0" err="1"/>
+                        <a:t>fechaEnt</a:t>
+                      </a:r>
+                      <a:r>
+                        <a:rPr lang="es-419" sz="900" dirty="0"/>
+                        <a:t>, </a:t>
+                      </a:r>
+                      <a:r>
+                        <a:rPr lang="es-419" sz="900" dirty="0" err="1"/>
+                        <a:t>dur</a:t>
+                      </a:r>
+                      <a:r>
+                        <a:rPr lang="es-419" sz="900" dirty="0"/>
+                        <a:t>, </a:t>
+                      </a:r>
+                      <a:r>
+                        <a:rPr lang="es-419" sz="900" dirty="0" err="1"/>
+                        <a:t>aloj</a:t>
+                      </a:r>
+                      <a:r>
+                        <a:rPr lang="es-419" sz="900" dirty="0"/>
+                        <a:t>, </a:t>
+                      </a:r>
+                      <a:r>
+                        <a:rPr lang="es-419" sz="900" dirty="0" err="1"/>
+                        <a:t>huesp</a:t>
+                      </a:r>
+                      <a:r>
+                        <a:rPr lang="es-419" sz="900" dirty="0"/>
+                        <a:t>, </a:t>
+                      </a:r>
+                      <a:r>
+                        <a:rPr lang="es-419" sz="900" dirty="0" err="1"/>
+                        <a:t>metodo</a:t>
+                      </a:r>
+                      <a:r>
+                        <a:rPr lang="es-419" sz="900" dirty="0"/>
+                        <a:t>, </a:t>
+                      </a:r>
+                      <a:r>
+                        <a:rPr lang="es-419" sz="900" dirty="0" err="1"/>
+                        <a:t>fechaPag</a:t>
+                      </a:r>
+                      <a:r>
+                        <a:rPr lang="es-419" sz="900" dirty="0"/>
+                        <a:t>, monto, </a:t>
+                      </a:r>
+                      <a:r>
+                        <a:rPr lang="es-419" sz="900" dirty="0" err="1"/>
+                        <a:t>anot</a:t>
+                      </a:r>
+                      <a:r>
+                        <a:rPr lang="es-419" sz="900" dirty="0"/>
+                        <a:t>)</a:t>
+                      </a:r>
+                    </a:p>
+                    <a:p>
+                      <a:r>
+                        <a:rPr lang="es-419" sz="900" dirty="0"/>
+                        <a:t>+ Reserva(otra: Reserva)</a:t>
+                      </a:r>
+                    </a:p>
+                    <a:p>
+                      <a:r>
+                        <a:rPr lang="es-419" sz="900" dirty="0"/>
+                        <a:t>+ </a:t>
+                      </a:r>
+                      <a:r>
+                        <a:rPr lang="es-419" sz="900" dirty="0" err="1"/>
+                        <a:t>operator</a:t>
+                      </a:r>
+                      <a:r>
+                        <a:rPr lang="es-419" sz="900" dirty="0"/>
+                        <a:t>=(otra: Reserva) : Reserva&amp;</a:t>
+                      </a:r>
+                    </a:p>
+                    <a:p>
+                      <a:r>
+                        <a:rPr lang="es-419" sz="900" dirty="0"/>
+                        <a:t>+ ~Reserva()</a:t>
+                      </a:r>
+                    </a:p>
+                    <a:p>
+                      <a:r>
+                        <a:rPr lang="es-419" sz="900" dirty="0"/>
+                        <a:t>+ </a:t>
+                      </a:r>
+                      <a:r>
+                        <a:rPr lang="es-419" sz="900" dirty="0" err="1"/>
+                        <a:t>getCodigo</a:t>
+                      </a:r>
+                      <a:r>
+                        <a:rPr lang="es-419" sz="900" dirty="0"/>
+                        <a:t>() : </a:t>
+                      </a:r>
+                      <a:r>
+                        <a:rPr lang="es-419" sz="900" dirty="0" err="1"/>
+                        <a:t>const</a:t>
+                      </a:r>
+                      <a:r>
+                        <a:rPr lang="es-419" sz="900" dirty="0"/>
+                        <a:t> </a:t>
                       </a:r>
                       <a:r>
                         <a:rPr lang="es-419" sz="900" dirty="0" err="1"/>
@@ -3642,39 +4388,68 @@
                       </a:r>
                       <a:r>
                         <a:rPr lang="es-419" sz="900" dirty="0"/>
-                        <a:t>*, </a:t>
-                      </a:r>
-                      <a:r>
-                        <a:rPr lang="es-419" sz="900" dirty="0" err="1"/>
-                        <a:t>fechaEntrada</a:t>
-                      </a:r>
-                      <a:r>
-                        <a:rPr lang="es-419" sz="900" dirty="0"/>
-                        <a:t>: Fecha, </a:t>
-                      </a:r>
-                      <a:r>
-                        <a:rPr lang="es-419" sz="900" dirty="0" err="1"/>
-                        <a:t>duracion</a:t>
-                      </a:r>
-                      <a:r>
-                        <a:rPr lang="es-419" sz="900" dirty="0"/>
-                        <a:t>: </a:t>
+                        <a:t>*</a:t>
+                      </a:r>
+                    </a:p>
+                    <a:p>
+                      <a:r>
+                        <a:rPr lang="es-419" sz="900" dirty="0"/>
+                        <a:t>+ </a:t>
+                      </a:r>
+                      <a:r>
+                        <a:rPr lang="es-419" sz="900" dirty="0" err="1"/>
+                        <a:t>getFechaEntrada</a:t>
+                      </a:r>
+                      <a:r>
+                        <a:rPr lang="es-419" sz="900" dirty="0"/>
+                        <a:t>() : Fecha</a:t>
+                      </a:r>
+                    </a:p>
+                    <a:p>
+                      <a:r>
+                        <a:rPr lang="es-419" sz="900" dirty="0"/>
+                        <a:t>+ </a:t>
+                      </a:r>
+                      <a:r>
+                        <a:rPr lang="es-419" sz="900" dirty="0" err="1"/>
+                        <a:t>getDuracion</a:t>
+                      </a:r>
+                      <a:r>
+                        <a:rPr lang="es-419" sz="900" dirty="0"/>
+                        <a:t>() : </a:t>
                       </a:r>
                       <a:r>
                         <a:rPr lang="es-419" sz="900" dirty="0" err="1"/>
                         <a:t>int</a:t>
                       </a:r>
-                      <a:r>
-                        <a:rPr lang="es-419" sz="900" dirty="0"/>
-                        <a:t>, alojamiento: Alojamiento*, </a:t>
-                      </a:r>
-                      <a:r>
-                        <a:rPr lang="es-419" sz="900" dirty="0" err="1"/>
-                        <a:t>huesped</a:t>
-                      </a:r>
-                      <a:r>
-                        <a:rPr lang="es-419" sz="900" dirty="0"/>
-                        <a:t>: </a:t>
+                      <a:endParaRPr lang="es-419" sz="900" dirty="0"/>
+                    </a:p>
+                    <a:p>
+                      <a:r>
+                        <a:rPr lang="es-419" sz="900" dirty="0"/>
+                        <a:t>+ </a:t>
+                      </a:r>
+                      <a:r>
+                        <a:rPr lang="es-419" sz="900" dirty="0" err="1"/>
+                        <a:t>getAlojamiento</a:t>
+                      </a:r>
+                      <a:r>
+                        <a:rPr lang="es-419" sz="900" dirty="0"/>
+                        <a:t>() : Alojamiento*</a:t>
+                      </a:r>
+                    </a:p>
+                    <a:p>
+                      <a:r>
+                        <a:rPr lang="es-419" sz="900" dirty="0"/>
+                        <a:t>+ </a:t>
+                      </a:r>
+                      <a:r>
+                        <a:rPr lang="es-419" sz="900" dirty="0" err="1"/>
+                        <a:t>getHuesped</a:t>
+                      </a:r>
+                      <a:r>
+                        <a:rPr lang="es-419" sz="900" dirty="0"/>
+                        <a:t>() : </a:t>
                       </a:r>
                       <a:r>
                         <a:rPr lang="es-419" sz="900" dirty="0" err="1"/>
@@ -3682,68 +4457,153 @@
                       </a:r>
                       <a:r>
                         <a:rPr lang="es-419" sz="900" dirty="0"/>
-                        <a:t>*, </a:t>
-                      </a:r>
-                      <a:r>
-                        <a:rPr lang="es-419" sz="900" dirty="0" err="1"/>
-                        <a:t>metodoPago</a:t>
-                      </a:r>
-                      <a:r>
-                        <a:rPr lang="es-419" sz="900" dirty="0"/>
-                        <a:t>: </a:t>
+                        <a:t>*</a:t>
+                      </a:r>
+                    </a:p>
+                    <a:p>
+                      <a:r>
+                        <a:rPr lang="es-419" sz="900" dirty="0"/>
+                        <a:t>+ </a:t>
+                      </a:r>
+                      <a:r>
+                        <a:rPr lang="es-419" sz="900" dirty="0" err="1"/>
+                        <a:t>getMetodoPago</a:t>
+                      </a:r>
+                      <a:r>
+                        <a:rPr lang="es-419" sz="900" dirty="0"/>
+                        <a:t>() : </a:t>
+                      </a:r>
+                      <a:r>
+                        <a:rPr lang="es-419" sz="900" dirty="0" err="1"/>
+                        <a:t>const</a:t>
+                      </a:r>
+                      <a:r>
+                        <a:rPr lang="es-419" sz="900" dirty="0"/>
+                        <a:t> </a:t>
+                      </a:r>
+                      <a:r>
+                        <a:rPr lang="es-419" sz="900" dirty="0" err="1"/>
+                        <a:t>char</a:t>
+                      </a:r>
+                      <a:r>
+                        <a:rPr lang="es-419" sz="900" dirty="0"/>
+                        <a:t>*</a:t>
+                      </a:r>
+                    </a:p>
+                    <a:p>
+                      <a:r>
+                        <a:rPr lang="es-419" sz="900" dirty="0"/>
+                        <a:t>+ </a:t>
+                      </a:r>
+                      <a:r>
+                        <a:rPr lang="es-419" sz="900" dirty="0" err="1"/>
+                        <a:t>getFechaPago</a:t>
+                      </a:r>
+                      <a:r>
+                        <a:rPr lang="es-419" sz="900" dirty="0"/>
+                        <a:t>() : Fecha</a:t>
+                      </a:r>
+                    </a:p>
+                    <a:p>
+                      <a:r>
+                        <a:rPr lang="es-419" sz="900" dirty="0"/>
+                        <a:t>+ </a:t>
+                      </a:r>
+                      <a:r>
+                        <a:rPr lang="es-419" sz="900" dirty="0" err="1"/>
+                        <a:t>getMonto</a:t>
+                      </a:r>
+                      <a:r>
+                        <a:rPr lang="es-419" sz="900" dirty="0"/>
+                        <a:t>() : </a:t>
+                      </a:r>
+                      <a:r>
+                        <a:rPr lang="es-419" sz="900" dirty="0" err="1"/>
+                        <a:t>double</a:t>
+                      </a:r>
+                      <a:endParaRPr lang="es-419" sz="900" dirty="0"/>
+                    </a:p>
+                    <a:p>
+                      <a:r>
+                        <a:rPr lang="es-419" sz="900" dirty="0"/>
+                        <a:t>+ </a:t>
+                      </a:r>
+                      <a:r>
+                        <a:rPr lang="es-419" sz="900" dirty="0" err="1"/>
+                        <a:t>getAnotaciones</a:t>
+                      </a:r>
+                      <a:r>
+                        <a:rPr lang="es-419" sz="900" dirty="0"/>
+                        <a:t>() : </a:t>
+                      </a:r>
+                      <a:r>
+                        <a:rPr lang="es-419" sz="900" dirty="0" err="1"/>
+                        <a:t>const</a:t>
+                      </a:r>
+                      <a:r>
+                        <a:rPr lang="es-419" sz="900" dirty="0"/>
+                        <a:t> </a:t>
+                      </a:r>
+                      <a:r>
+                        <a:rPr lang="es-419" sz="900" dirty="0" err="1"/>
+                        <a:t>char</a:t>
+                      </a:r>
+                      <a:r>
+                        <a:rPr lang="es-419" sz="900" dirty="0"/>
+                        <a:t>*</a:t>
+                      </a:r>
+                    </a:p>
+                    <a:p>
+                      <a:r>
+                        <a:rPr lang="es-419" sz="900" dirty="0"/>
+                        <a:t>+ </a:t>
+                      </a:r>
+                      <a:r>
+                        <a:rPr lang="es-419" sz="900" dirty="0" err="1"/>
+                        <a:t>calcularFechaSalida</a:t>
+                      </a:r>
+                      <a:r>
+                        <a:rPr lang="es-419" sz="900" dirty="0"/>
+                        <a:t>() : Fecha</a:t>
+                      </a:r>
+                    </a:p>
+                    <a:p>
+                      <a:r>
+                        <a:rPr lang="es-419" sz="900" dirty="0"/>
+                        <a:t>+ </a:t>
+                      </a:r>
+                      <a:r>
+                        <a:rPr lang="es-419" sz="900" dirty="0" err="1"/>
+                        <a:t>mostrarComprobante</a:t>
+                      </a:r>
+                      <a:r>
+                        <a:rPr lang="es-419" sz="900" dirty="0"/>
+                        <a:t>() : </a:t>
+                      </a:r>
+                      <a:r>
+                        <a:rPr lang="es-419" sz="900" dirty="0" err="1"/>
+                        <a:t>void</a:t>
+                      </a:r>
+                      <a:endParaRPr lang="es-419" sz="900" dirty="0"/>
+                    </a:p>
+                    <a:p>
+                      <a:r>
+                        <a:rPr lang="es-419" sz="900" dirty="0"/>
+                        <a:t>+ </a:t>
+                      </a:r>
+                      <a:r>
+                        <a:rPr lang="es-419" sz="900" dirty="0" err="1"/>
+                        <a:t>getTotalReservasCreadas</a:t>
+                      </a:r>
+                      <a:r>
+                        <a:rPr lang="es-419" sz="900" dirty="0"/>
+                        <a:t>() : </a:t>
                       </a:r>
                       <a:r>
                         <a:rPr lang="es-419" sz="900" dirty="0" err="1"/>
                         <a:t>int</a:t>
                       </a:r>
-                      <a:r>
-                        <a:rPr lang="es-419" sz="900" dirty="0"/>
-                        <a:t>, </a:t>
-                      </a:r>
-                      <a:r>
-                        <a:rPr lang="es-419" sz="900" dirty="0" err="1"/>
-                        <a:t>fechaPago</a:t>
-                      </a:r>
-                      <a:r>
-                        <a:rPr lang="es-419" sz="900" dirty="0"/>
-                        <a:t>: Fecha, monto: </a:t>
-                      </a:r>
-                      <a:r>
-                        <a:rPr lang="es-419" sz="900" dirty="0" err="1"/>
-                        <a:t>double</a:t>
-                      </a:r>
-                      <a:r>
-                        <a:rPr lang="es-419" sz="900" dirty="0"/>
-                        <a:t>, anotaciones: </a:t>
-                      </a:r>
-                      <a:r>
-                        <a:rPr lang="es-419" sz="900" dirty="0" err="1"/>
-                        <a:t>char</a:t>
-                      </a:r>
-                      <a:r>
-                        <a:rPr lang="es-419" sz="900" dirty="0"/>
-                        <a:t>*)</a:t>
-                      </a:r>
-                    </a:p>
-                    <a:p>
-                      <a:r>
-                        <a:rPr lang="es-419" sz="900" dirty="0"/>
-                        <a:t>+ Reserva(</a:t>
-                      </a:r>
-                      <a:r>
-                        <a:rPr lang="es-419" sz="900" dirty="0" err="1"/>
-                        <a:t>const</a:t>
-                      </a:r>
-                      <a:r>
-                        <a:rPr lang="es-419" sz="900" dirty="0"/>
-                        <a:t> Reserva&amp; otra)</a:t>
-                      </a:r>
-                    </a:p>
-                    <a:p>
-                      <a:r>
-                        <a:rPr lang="es-419" sz="900" dirty="0"/>
-                        <a:t>+ ~Reserva()</a:t>
-                      </a:r>
+                      <a:endParaRPr lang="es-419" sz="900" dirty="0"/>
                     </a:p>
                     <a:p>
                       <a:r>
@@ -3752,20 +4612,17 @@
                       </a:r>
                       <a:r>
                         <a:rPr lang="es-419" sz="900" dirty="0" err="1"/>
-                        <a:t>getCodigo</a:t>
-                      </a:r>
-                      <a:r>
-                        <a:rPr lang="es-419" sz="900" dirty="0"/>
-                        <a:t>(): </a:t>
-                      </a:r>
-                      <a:r>
-                        <a:rPr lang="es-419" sz="900" dirty="0" err="1"/>
-                        <a:t>char</a:t>
-                      </a:r>
-                      <a:r>
-                        <a:rPr lang="es-419" sz="900" dirty="0"/>
-                        <a:t>*</a:t>
-                      </a:r>
+                        <a:t>getTotalIteraciones</a:t>
+                      </a:r>
+                      <a:r>
+                        <a:rPr lang="es-419" sz="900" dirty="0"/>
+                        <a:t>() : </a:t>
+                      </a:r>
+                      <a:r>
+                        <a:rPr lang="es-419" sz="900" dirty="0" err="1"/>
+                        <a:t>int</a:t>
+                      </a:r>
+                      <a:endParaRPr lang="es-419" sz="900" dirty="0"/>
                     </a:p>
                     <a:p>
                       <a:r>
@@ -3774,12 +4631,17 @@
                       </a:r>
                       <a:r>
                         <a:rPr lang="es-419" sz="900" dirty="0" err="1"/>
-                        <a:t>getFechaEntrada</a:t>
-                      </a:r>
-                      <a:r>
-                        <a:rPr lang="es-419" sz="900" dirty="0"/>
-                        <a:t>(): Fecha</a:t>
-                      </a:r>
+                        <a:t>getSiguienteId</a:t>
+                      </a:r>
+                      <a:r>
+                        <a:rPr lang="es-419" sz="900" dirty="0"/>
+                        <a:t>() : </a:t>
+                      </a:r>
+                      <a:r>
+                        <a:rPr lang="es-419" sz="900" dirty="0" err="1"/>
+                        <a:t>int</a:t>
+                      </a:r>
+                      <a:endParaRPr lang="es-419" sz="900" dirty="0"/>
                     </a:p>
                     <a:p>
                       <a:r>
@@ -3788,190 +4650,25 @@
                       </a:r>
                       <a:r>
                         <a:rPr lang="es-419" sz="900" dirty="0" err="1"/>
-                        <a:t>getDuracionEnNoches</a:t>
-                      </a:r>
-                      <a:r>
-                        <a:rPr lang="es-419" sz="900" dirty="0"/>
-                        <a:t>(): </a:t>
+                        <a:t>setSiguienteId</a:t>
+                      </a:r>
+                      <a:r>
+                        <a:rPr lang="es-419" sz="900" dirty="0"/>
+                        <a:t>(id: </a:t>
                       </a:r>
                       <a:r>
                         <a:rPr lang="es-419" sz="900" dirty="0" err="1"/>
                         <a:t>int</a:t>
                       </a:r>
-                      <a:endParaRPr lang="es-419" sz="900" dirty="0"/>
-                    </a:p>
-                    <a:p>
-                      <a:r>
-                        <a:rPr lang="es-419" sz="900" dirty="0"/>
-                        <a:t>+ </a:t>
-                      </a:r>
-                      <a:r>
-                        <a:rPr lang="es-419" sz="900" dirty="0" err="1"/>
-                        <a:t>getAlojamientoReservado</a:t>
-                      </a:r>
-                      <a:r>
-                        <a:rPr lang="es-419" sz="900" dirty="0"/>
-                        <a:t>(): Alojamiento*</a:t>
-                      </a:r>
-                    </a:p>
-                    <a:p>
-                      <a:r>
-                        <a:rPr lang="es-419" sz="900" dirty="0"/>
-                        <a:t>+ </a:t>
-                      </a:r>
-                      <a:r>
-                        <a:rPr lang="es-419" sz="900" dirty="0" err="1"/>
-                        <a:t>getHuespedResponsable</a:t>
-                      </a:r>
-                      <a:r>
-                        <a:rPr lang="es-419" sz="900" dirty="0"/>
-                        <a:t>(): </a:t>
-                      </a:r>
-                      <a:r>
-                        <a:rPr lang="es-419" sz="900" dirty="0" err="1"/>
-                        <a:t>Huesped</a:t>
-                      </a:r>
-                      <a:r>
-                        <a:rPr lang="es-419" sz="900" dirty="0"/>
-                        <a:t>*</a:t>
-                      </a:r>
-                    </a:p>
-                    <a:p>
-                      <a:r>
-                        <a:rPr lang="es-419" sz="900" dirty="0"/>
-                        <a:t>+ </a:t>
-                      </a:r>
-                      <a:r>
-                        <a:rPr lang="es-419" sz="900" dirty="0" err="1"/>
-                        <a:t>getMetodoPago</a:t>
-                      </a:r>
-                      <a:r>
-                        <a:rPr lang="es-419" sz="900" dirty="0"/>
-                        <a:t>(): </a:t>
-                      </a:r>
-                      <a:r>
-                        <a:rPr lang="es-419" sz="900" dirty="0" err="1"/>
-                        <a:t>int</a:t>
-                      </a:r>
-                      <a:endParaRPr lang="es-419" sz="900" dirty="0"/>
-                    </a:p>
-                    <a:p>
-                      <a:r>
-                        <a:rPr lang="es-419" sz="900" dirty="0"/>
-                        <a:t>+ </a:t>
-                      </a:r>
-                      <a:r>
-                        <a:rPr lang="es-419" sz="900" dirty="0" err="1"/>
-                        <a:t>getFechaPago</a:t>
-                      </a:r>
-                      <a:r>
-                        <a:rPr lang="es-419" sz="900" dirty="0"/>
-                        <a:t>(): Fecha</a:t>
-                      </a:r>
-                    </a:p>
-                    <a:p>
-                      <a:r>
-                        <a:rPr lang="es-419" sz="900" dirty="0"/>
-                        <a:t>+ </a:t>
-                      </a:r>
-                      <a:r>
-                        <a:rPr lang="es-419" sz="900" dirty="0" err="1"/>
-                        <a:t>getMontoPagado</a:t>
-                      </a:r>
-                      <a:r>
-                        <a:rPr lang="es-419" sz="900" dirty="0"/>
-                        <a:t>(): </a:t>
-                      </a:r>
-                      <a:r>
-                        <a:rPr lang="es-419" sz="900" dirty="0" err="1"/>
-                        <a:t>double</a:t>
-                      </a:r>
-                      <a:endParaRPr lang="es-419" sz="900" dirty="0"/>
-                    </a:p>
-                    <a:p>
-                      <a:r>
-                        <a:rPr lang="es-419" sz="900" dirty="0"/>
-                        <a:t>+ </a:t>
-                      </a:r>
-                      <a:r>
-                        <a:rPr lang="es-419" sz="900" dirty="0" err="1"/>
-                        <a:t>getAnotaciones</a:t>
-                      </a:r>
-                      <a:r>
-                        <a:rPr lang="es-419" sz="900" dirty="0"/>
-                        <a:t>(): </a:t>
-                      </a:r>
-                      <a:r>
-                        <a:rPr lang="es-419" sz="900" dirty="0" err="1"/>
-                        <a:t>char</a:t>
-                      </a:r>
-                      <a:r>
-                        <a:rPr lang="es-419" sz="900" dirty="0"/>
-                        <a:t>*</a:t>
-                      </a:r>
-                    </a:p>
-                    <a:p>
-                      <a:r>
-                        <a:rPr lang="es-419" sz="900" dirty="0"/>
-                        <a:t>+ </a:t>
-                      </a:r>
-                      <a:r>
-                        <a:rPr lang="es-419" sz="900" dirty="0" err="1"/>
-                        <a:t>calcularFechaSalida</a:t>
-                      </a:r>
-                      <a:r>
-                        <a:rPr lang="es-419" sz="900" dirty="0"/>
-                        <a:t>(): Fecha</a:t>
-                      </a:r>
-                    </a:p>
-                    <a:p>
-                      <a:r>
-                        <a:rPr lang="es-419" sz="900" dirty="0"/>
-                        <a:t>+ </a:t>
-                      </a:r>
-                      <a:r>
-                        <a:rPr lang="es-419" sz="900" dirty="0" err="1"/>
-                        <a:t>mostrarComprobante</a:t>
-                      </a:r>
-                      <a:r>
-                        <a:rPr lang="es-419" sz="900" dirty="0"/>
-                        <a:t>(): </a:t>
+                      <a:r>
+                        <a:rPr lang="es-419" sz="900" dirty="0"/>
+                        <a:t>) : </a:t>
                       </a:r>
                       <a:r>
                         <a:rPr lang="es-419" sz="900" dirty="0" err="1"/>
                         <a:t>void</a:t>
                       </a:r>
-                      <a:endParaRPr lang="es-419" sz="900" dirty="0"/>
-                    </a:p>
-                    <a:p>
-                      <a:r>
-                        <a:rPr lang="en-CO" sz="900" dirty="0"/>
-                        <a:t>- bool validarFechaEntrada(Fecha entrada)</a:t>
-                      </a:r>
-                    </a:p>
-                    <a:p>
-                      <a:r>
-                        <a:rPr lang="en-CO" sz="900" dirty="0"/>
-                        <a:t>- bool validarDuracion(int noches)</a:t>
-                      </a:r>
-                    </a:p>
-                    <a:p>
-                      <a:r>
-                        <a:rPr lang="en-CO" sz="900" dirty="0"/>
-                        <a:t>- bool validarMetodoPago(int metodo)</a:t>
-                      </a:r>
-                    </a:p>
-                    <a:p>
-                      <a:r>
-                        <a:rPr lang="en-CO" sz="900" dirty="0"/>
-                        <a:t>- bool validarMonto(double monto)</a:t>
-                      </a:r>
-                    </a:p>
-                    <a:p>
-                      <a:r>
-                        <a:rPr lang="en-CO" sz="900" dirty="0"/>
-                        <a:t>- bool validarAnotaciones(char* texto)</a:t>
-                      </a:r>
+                      <a:endParaRPr lang="en-CO" sz="900" dirty="0"/>
                     </a:p>
                   </a:txBody>
                   <a:tcPr marL="68580" marR="68580" marT="34290" marB="34290"/>
@@ -4044,14 +4741,14 @@
           <p:nvPr>
             <p:extLst>
               <p:ext uri="{D42A27DB-BD31-4B8C-83A1-F6EECF244321}">
-                <p14:modId xmlns:p14="http://schemas.microsoft.com/office/powerpoint/2010/main" val="3122191812"/>
+                <p14:modId xmlns:p14="http://schemas.microsoft.com/office/powerpoint/2010/main" val="3528723783"/>
               </p:ext>
             </p:extLst>
           </p:nvPr>
         </p:nvGraphicFramePr>
         <p:xfrm>
-          <a:off x="3447743" y="2342989"/>
-          <a:ext cx="2388550" cy="5143500"/>
+          <a:off x="3413868" y="3925630"/>
+          <a:ext cx="2388550" cy="4143950"/>
         </p:xfrm>
         <a:graphic>
           <a:graphicData uri="http://schemas.openxmlformats.org/drawingml/2006/table">
@@ -4068,7 +4765,7 @@
                   </a:extLst>
                 </a:gridCol>
               </a:tblGrid>
-              <a:tr h="122419">
+              <a:tr h="388495">
                 <a:tc>
                   <a:txBody>
                     <a:bodyPr/>
@@ -4090,7 +4787,7 @@
                   </a:ext>
                 </a:extLst>
               </a:tr>
-              <a:tr h="640080">
+              <a:tr h="1683480">
                 <a:tc>
                   <a:txBody>
                     <a:bodyPr/>
@@ -4098,129 +4795,7 @@
                     <a:p>
                       <a:r>
                         <a:rPr lang="en-US" sz="900" dirty="0"/>
-                        <a:t>- </a:t>
-                      </a:r>
-                      <a:r>
-                        <a:rPr lang="en-US" sz="900" dirty="0" err="1"/>
-                        <a:t>listaAnfitriones</a:t>
-                      </a:r>
-                      <a:r>
-                        <a:rPr lang="en-US" sz="900" dirty="0"/>
-                        <a:t>: </a:t>
-                      </a:r>
-                      <a:r>
-                        <a:rPr lang="en-US" sz="900" dirty="0" err="1"/>
-                        <a:t>Anfitrion</a:t>
-                      </a:r>
-                      <a:r>
-                        <a:rPr lang="en-US" sz="900" dirty="0"/>
-                        <a:t>**</a:t>
-                      </a:r>
-                    </a:p>
-                    <a:p>
-                      <a:r>
-                        <a:rPr lang="en-US" sz="900" dirty="0"/>
-                        <a:t>- </a:t>
-                      </a:r>
-                      <a:r>
-                        <a:rPr lang="en-US" sz="900" dirty="0" err="1"/>
-                        <a:t>listaHuespedes</a:t>
-                      </a:r>
-                      <a:r>
-                        <a:rPr lang="en-US" sz="900" dirty="0"/>
-                        <a:t>: </a:t>
-                      </a:r>
-                      <a:r>
-                        <a:rPr lang="en-US" sz="900" dirty="0" err="1"/>
-                        <a:t>Huesped</a:t>
-                      </a:r>
-                      <a:r>
-                        <a:rPr lang="en-US" sz="900" dirty="0"/>
-                        <a:t>**</a:t>
-                      </a:r>
-                    </a:p>
-                    <a:p>
-                      <a:r>
-                        <a:rPr lang="en-US" sz="900" dirty="0"/>
-                        <a:t>- </a:t>
-                      </a:r>
-                      <a:r>
-                        <a:rPr lang="en-US" sz="900" dirty="0" err="1"/>
-                        <a:t>listaAlojamientos</a:t>
-                      </a:r>
-                      <a:r>
-                        <a:rPr lang="en-US" sz="900" dirty="0"/>
-                        <a:t>: </a:t>
-                      </a:r>
-                      <a:r>
-                        <a:rPr lang="en-US" sz="900" dirty="0" err="1"/>
-                        <a:t>Alojamiento</a:t>
-                      </a:r>
-                      <a:r>
-                        <a:rPr lang="en-US" sz="900" dirty="0"/>
-                        <a:t>**</a:t>
-                      </a:r>
-                    </a:p>
-                    <a:p>
-                      <a:r>
-                        <a:rPr lang="en-US" sz="900" dirty="0"/>
-                        <a:t>- </a:t>
-                      </a:r>
-                      <a:r>
-                        <a:rPr lang="en-US" sz="900" dirty="0" err="1"/>
-                        <a:t>listaReservasVigentes</a:t>
-                      </a:r>
-                      <a:r>
-                        <a:rPr lang="en-US" sz="900" dirty="0"/>
-                        <a:t>: </a:t>
-                      </a:r>
-                      <a:r>
-                        <a:rPr lang="en-US" sz="900" dirty="0" err="1"/>
-                        <a:t>Reserva</a:t>
-                      </a:r>
-                      <a:r>
-                        <a:rPr lang="en-US" sz="900" dirty="0"/>
-                        <a:t>**</a:t>
-                      </a:r>
-                    </a:p>
-                    <a:p>
-                      <a:r>
-                        <a:rPr lang="en-US" sz="900" dirty="0"/>
-                        <a:t>- </a:t>
-                      </a:r>
-                      <a:r>
-                        <a:rPr lang="en-US" sz="900" dirty="0" err="1"/>
-                        <a:t>listaReservasHistoricas</a:t>
-                      </a:r>
-                      <a:r>
-                        <a:rPr lang="en-US" sz="900" dirty="0"/>
-                        <a:t>: </a:t>
-                      </a:r>
-                      <a:r>
-                        <a:rPr lang="en-US" sz="900" dirty="0" err="1"/>
-                        <a:t>Reserva</a:t>
-                      </a:r>
-                      <a:r>
-                        <a:rPr lang="en-US" sz="900" dirty="0"/>
-                        <a:t>**</a:t>
-                      </a:r>
-                    </a:p>
-                    <a:p>
-                      <a:r>
-                        <a:rPr lang="en-US" sz="900" dirty="0"/>
-                        <a:t>- </a:t>
-                      </a:r>
-                      <a:r>
-                        <a:rPr lang="en-US" sz="900" dirty="0" err="1"/>
-                        <a:t>fechaCorte</a:t>
-                      </a:r>
-                      <a:r>
-                        <a:rPr lang="en-US" sz="900" dirty="0"/>
-                        <a:t>: </a:t>
-                      </a:r>
-                      <a:r>
-                        <a:rPr lang="en-US" sz="900" dirty="0" err="1"/>
-                        <a:t>Fecha</a:t>
+                        <a:t>…</a:t>
                       </a:r>
                       <a:endParaRPr lang="en-CO" sz="900" dirty="0"/>
                     </a:p>
@@ -4233,106 +4808,17 @@
                   </a:ext>
                 </a:extLst>
               </a:tr>
-              <a:tr h="1097280">
+              <a:tr h="2071975">
                 <a:tc>
                   <a:txBody>
                     <a:bodyPr/>
                     <a:lstStyle/>
                     <a:p>
                       <a:r>
-                        <a:rPr lang="en-CO" sz="900" dirty="0"/>
-                        <a:t>+ UdeAStay()</a:t>
-                      </a:r>
-                    </a:p>
-                    <a:p>
-                      <a:r>
-                        <a:rPr lang="en-CO" sz="900" dirty="0"/>
-                        <a:t>+ ~UdeAStay()</a:t>
-                      </a:r>
-                    </a:p>
-                    <a:p>
-                      <a:r>
-                        <a:rPr lang="en-CO" sz="900" dirty="0"/>
-                        <a:t>+ iniciarSesion(documentoIdentidad: char*, tipoUsuario: int): void</a:t>
-                      </a:r>
-                    </a:p>
-                    <a:p>
-                      <a:r>
-                        <a:rPr lang="en-CO" sz="900" dirty="0"/>
-                        <a:t>+ buscarAlojamiento(fechaInicio: Fecha, municipio: char*, duracion: int, precioMaximo: double, puntuacionMinima: float): void</a:t>
-                      </a:r>
-                    </a:p>
-                    <a:p>
-                      <a:r>
-                        <a:rPr lang="en-CO" sz="900" dirty="0"/>
-                        <a:t>+ crearReserva(documentoHuesped: char*, codigoAlojamiento: char*, fechaEntrada: Fecha, duracion: int, metodoPago: int, fechaPago: Fecha, monto: double, anotaciones: char*): void</a:t>
-                      </a:r>
-                    </a:p>
-                    <a:p>
-                      <a:r>
-                        <a:rPr lang="en-CO" sz="900" dirty="0"/>
-                        <a:t>+ anularReserva(codigoReserva: char*): void</a:t>
-                      </a:r>
-                    </a:p>
-                    <a:p>
-                      <a:r>
-                        <a:rPr lang="en-CO" sz="900" dirty="0"/>
-                        <a:t>+ consultarReservasAnfitrion(documentoAnfitrion: char*, fechaDesde: Fecha, fechaHasta: Fecha): void</a:t>
-                      </a:r>
-                    </a:p>
-                    <a:p>
-                      <a:r>
-                        <a:rPr lang="en-CO" sz="900" dirty="0"/>
-                        <a:t>+ actualizarReservasHistoricas(nuevaFechaCorte: Fecha): void</a:t>
-                      </a:r>
-                    </a:p>
-                    <a:p>
-                      <a:r>
-                        <a:rPr lang="en-CO" sz="900" dirty="0"/>
-                        <a:t>+ medirConsumoDeRecursos(): void</a:t>
-                      </a:r>
-                    </a:p>
-                    <a:p>
-                      <a:r>
-                        <a:rPr lang="en-CO" sz="900" dirty="0"/>
-                        <a:t>+ cargarDatosDesdeArchivo(): void</a:t>
-                      </a:r>
-                    </a:p>
-                    <a:p>
-                      <a:r>
-                        <a:rPr lang="en-CO" sz="900" dirty="0"/>
-                        <a:t>+ guardarDatosEnArchivo(): void</a:t>
-                      </a:r>
-                    </a:p>
-                    <a:p>
-                      <a:r>
-                        <a:rPr lang="en-CO" sz="900" dirty="0"/>
-                        <a:t>+ getCantidadAnfitriones(): int</a:t>
-                      </a:r>
-                    </a:p>
-                    <a:p>
-                      <a:r>
-                        <a:rPr lang="en-CO" sz="900" dirty="0"/>
-                        <a:t>+ getCantidadHuespedes(): int</a:t>
-                      </a:r>
-                    </a:p>
-                    <a:p>
-                      <a:r>
-                        <a:rPr lang="en-CO" sz="900" dirty="0"/>
-                        <a:t>+ getCantidadAlojamientos(): int</a:t>
-                      </a:r>
-                    </a:p>
-                    <a:p>
-                      <a:r>
-                        <a:rPr lang="en-CO" sz="900" dirty="0"/>
-                        <a:t>+ getCantidadReservasVigentes(): int</a:t>
-                      </a:r>
-                    </a:p>
-                    <a:p>
-                      <a:r>
-                        <a:rPr lang="en-CO" sz="900" dirty="0"/>
-                        <a:t>+ getCantidadReservasHistoricas(): int</a:t>
-                      </a:r>
+                        <a:rPr lang="en-US" sz="900" dirty="0"/>
+                        <a:t>…</a:t>
+                      </a:r>
+                      <a:endParaRPr lang="en-CO" sz="900" dirty="0"/>
                     </a:p>
                   </a:txBody>
                   <a:tcPr marL="68580" marR="68580" marT="34290" marB="34290"/>
@@ -4535,14 +5021,14 @@
           <p:nvPr>
             <p:extLst>
               <p:ext uri="{D42A27DB-BD31-4B8C-83A1-F6EECF244321}">
-                <p14:modId xmlns:p14="http://schemas.microsoft.com/office/powerpoint/2010/main" val="1710120569"/>
+                <p14:modId xmlns:p14="http://schemas.microsoft.com/office/powerpoint/2010/main" val="1336209768"/>
               </p:ext>
             </p:extLst>
           </p:nvPr>
         </p:nvGraphicFramePr>
         <p:xfrm>
           <a:off x="6478502" y="131121"/>
-          <a:ext cx="2285551" cy="6103620"/>
+          <a:ext cx="2285551" cy="5966460"/>
         </p:xfrm>
         <a:graphic>
           <a:graphicData uri="http://schemas.openxmlformats.org/drawingml/2006/table">
@@ -4597,7 +5083,7 @@
                       </a:r>
                       <a:r>
                         <a:rPr lang="en-US" sz="900" dirty="0"/>
-                        <a:t>: char*</a:t>
+                        <a:t> : char*</a:t>
                       </a:r>
                     </a:p>
                     <a:p>
@@ -4611,7 +5097,7 @@
                       </a:r>
                       <a:r>
                         <a:rPr lang="en-US" sz="900" dirty="0"/>
-                        <a:t>: char*</a:t>
+                        <a:t> : char*</a:t>
                       </a:r>
                     </a:p>
                     <a:p>
@@ -4625,13 +5111,13 @@
                       </a:r>
                       <a:r>
                         <a:rPr lang="en-US" sz="900" dirty="0"/>
-                        <a:t>: char*</a:t>
-                      </a:r>
-                    </a:p>
-                    <a:p>
-                      <a:r>
-                        <a:rPr lang="en-US" sz="900" dirty="0"/>
-                        <a:t>- municipio: char*</a:t>
+                        <a:t> : char*</a:t>
+                      </a:r>
+                    </a:p>
+                    <a:p>
+                      <a:r>
+                        <a:rPr lang="en-US" sz="900" dirty="0"/>
+                        <a:t>- municipio : char*</a:t>
                       </a:r>
                     </a:p>
                     <a:p>
@@ -4645,7 +5131,7 @@
                       </a:r>
                       <a:r>
                         <a:rPr lang="en-US" sz="900" dirty="0"/>
-                        <a:t>: char*</a:t>
+                        <a:t> : char*</a:t>
                       </a:r>
                     </a:p>
                     <a:p>
@@ -4659,7 +5145,7 @@
                       </a:r>
                       <a:r>
                         <a:rPr lang="en-US" sz="900" dirty="0"/>
-                        <a:t>: int</a:t>
+                        <a:t> : int</a:t>
                       </a:r>
                     </a:p>
                     <a:p>
@@ -4673,7 +5159,7 @@
                       </a:r>
                       <a:r>
                         <a:rPr lang="en-US" sz="900" dirty="0"/>
-                        <a:t>: double</a:t>
+                        <a:t> : double</a:t>
                       </a:r>
                     </a:p>
                     <a:p>
@@ -4687,7 +5173,7 @@
                       </a:r>
                       <a:r>
                         <a:rPr lang="en-US" sz="900" dirty="0"/>
-                        <a:t>: int</a:t>
+                        <a:t> : int</a:t>
                       </a:r>
                     </a:p>
                     <a:p>
@@ -4701,7 +5187,7 @@
                       </a:r>
                       <a:r>
                         <a:rPr lang="en-US" sz="900" dirty="0"/>
-                        <a:t>: </a:t>
+                        <a:t> : </a:t>
                       </a:r>
                       <a:r>
                         <a:rPr lang="en-US" sz="900" dirty="0" err="1"/>
@@ -4723,7 +5209,7 @@
                       </a:r>
                       <a:r>
                         <a:rPr lang="en-US" sz="900" dirty="0"/>
-                        <a:t>: int*</a:t>
+                        <a:t> : int*</a:t>
                       </a:r>
                     </a:p>
                     <a:p>
@@ -4733,11 +5219,11 @@
                       </a:r>
                       <a:r>
                         <a:rPr lang="en-US" sz="900" dirty="0" err="1"/>
-                        <a:t>cantidadReservas</a:t>
-                      </a:r>
-                      <a:r>
-                        <a:rPr lang="en-US" sz="900" dirty="0"/>
-                        <a:t>: int</a:t>
+                        <a:t>cantidadReservaciones</a:t>
+                      </a:r>
+                      <a:r>
+                        <a:rPr lang="en-US" sz="900" dirty="0"/>
+                        <a:t> : int</a:t>
                       </a:r>
                     </a:p>
                     <a:p>
@@ -4747,11 +5233,11 @@
                       </a:r>
                       <a:r>
                         <a:rPr lang="en-US" sz="900" dirty="0" err="1"/>
-                        <a:t>capacidadReservas</a:t>
-                      </a:r>
-                      <a:r>
-                        <a:rPr lang="en-US" sz="900" dirty="0"/>
-                        <a:t>: int</a:t>
+                        <a:t>capacidadReservaciones</a:t>
+                      </a:r>
+                      <a:r>
+                        <a:rPr lang="en-US" sz="900" dirty="0"/>
+                        <a:t> : int</a:t>
                       </a:r>
                     </a:p>
                     <a:p>
@@ -4761,11 +5247,11 @@
                       </a:r>
                       <a:r>
                         <a:rPr lang="en-US" sz="900" dirty="0" err="1"/>
-                        <a:t>anfitrion</a:t>
-                      </a:r>
-                      <a:r>
-                        <a:rPr lang="en-US" sz="900" dirty="0"/>
-                        <a:t>: </a:t>
+                        <a:t>dueno</a:t>
+                      </a:r>
+                      <a:r>
+                        <a:rPr lang="en-US" sz="900" dirty="0"/>
+                        <a:t> : </a:t>
                       </a:r>
                       <a:r>
                         <a:rPr lang="en-US" sz="900" dirty="0" err="1"/>
@@ -4774,6 +5260,34 @@
                       <a:r>
                         <a:rPr lang="en-US" sz="900" dirty="0"/>
                         <a:t>*</a:t>
+                      </a:r>
+                    </a:p>
+                    <a:p>
+                      <a:r>
+                        <a:rPr lang="en-US" sz="900" dirty="0"/>
+                        <a:t>- static </a:t>
+                      </a:r>
+                      <a:r>
+                        <a:rPr lang="en-US" sz="900" dirty="0" err="1"/>
+                        <a:t>totalAlojamientosCreados</a:t>
+                      </a:r>
+                      <a:r>
+                        <a:rPr lang="en-US" sz="900" dirty="0"/>
+                        <a:t> : int</a:t>
+                      </a:r>
+                    </a:p>
+                    <a:p>
+                      <a:r>
+                        <a:rPr lang="en-US" sz="900" dirty="0"/>
+                        <a:t>- static </a:t>
+                      </a:r>
+                      <a:r>
+                        <a:rPr lang="en-US" sz="900" dirty="0" err="1"/>
+                        <a:t>totalIteracionesEnReservas</a:t>
+                      </a:r>
+                      <a:r>
+                        <a:rPr lang="en-US" sz="900" dirty="0"/>
+                        <a:t> : int</a:t>
                       </a:r>
                       <a:endParaRPr lang="en-CO" sz="900" dirty="0"/>
                     </a:p>
@@ -4794,11 +5308,304 @@
                     <a:p>
                       <a:r>
                         <a:rPr lang="es-419" sz="900" dirty="0"/>
-                        <a:t>+ Alojamiento(</a:t>
-                      </a:r>
-                      <a:r>
-                        <a:rPr lang="es-419" sz="900" dirty="0" err="1"/>
-                        <a:t>codigo</a:t>
+                        <a:t>+ Alojamiento(...)</a:t>
+                      </a:r>
+                    </a:p>
+                    <a:p>
+                      <a:r>
+                        <a:rPr lang="es-419" sz="900" dirty="0"/>
+                        <a:t>+ Alojamiento(otro: Alojamiento)</a:t>
+                      </a:r>
+                    </a:p>
+                    <a:p>
+                      <a:r>
+                        <a:rPr lang="es-419" sz="900" dirty="0"/>
+                        <a:t>+ ~Alojamiento()</a:t>
+                      </a:r>
+                    </a:p>
+                    <a:p>
+                      <a:r>
+                        <a:rPr lang="es-419" sz="900" dirty="0"/>
+                        <a:t>+ </a:t>
+                      </a:r>
+                      <a:r>
+                        <a:rPr lang="es-419" sz="900" dirty="0" err="1"/>
+                        <a:t>getCodigo</a:t>
+                      </a:r>
+                      <a:r>
+                        <a:rPr lang="es-419" sz="900" dirty="0"/>
+                        <a:t>() : </a:t>
+                      </a:r>
+                      <a:r>
+                        <a:rPr lang="es-419" sz="900" dirty="0" err="1"/>
+                        <a:t>char</a:t>
+                      </a:r>
+                      <a:r>
+                        <a:rPr lang="es-419" sz="900" dirty="0"/>
+                        <a:t>*</a:t>
+                      </a:r>
+                    </a:p>
+                    <a:p>
+                      <a:r>
+                        <a:rPr lang="es-419" sz="900" dirty="0"/>
+                        <a:t>+ </a:t>
+                      </a:r>
+                      <a:r>
+                        <a:rPr lang="es-419" sz="900" dirty="0" err="1"/>
+                        <a:t>getNombre</a:t>
+                      </a:r>
+                      <a:r>
+                        <a:rPr lang="es-419" sz="900" dirty="0"/>
+                        <a:t>() : </a:t>
+                      </a:r>
+                      <a:r>
+                        <a:rPr lang="es-419" sz="900" dirty="0" err="1"/>
+                        <a:t>char</a:t>
+                      </a:r>
+                      <a:r>
+                        <a:rPr lang="es-419" sz="900" dirty="0"/>
+                        <a:t>*</a:t>
+                      </a:r>
+                    </a:p>
+                    <a:p>
+                      <a:r>
+                        <a:rPr lang="es-419" sz="900" dirty="0"/>
+                        <a:t>+ </a:t>
+                      </a:r>
+                      <a:r>
+                        <a:rPr lang="es-419" sz="900" dirty="0" err="1"/>
+                        <a:t>getDepartamento</a:t>
+                      </a:r>
+                      <a:r>
+                        <a:rPr lang="es-419" sz="900" dirty="0"/>
+                        <a:t>() : </a:t>
+                      </a:r>
+                      <a:r>
+                        <a:rPr lang="es-419" sz="900" dirty="0" err="1"/>
+                        <a:t>char</a:t>
+                      </a:r>
+                      <a:r>
+                        <a:rPr lang="es-419" sz="900" dirty="0"/>
+                        <a:t>*</a:t>
+                      </a:r>
+                    </a:p>
+                    <a:p>
+                      <a:r>
+                        <a:rPr lang="es-419" sz="900" dirty="0"/>
+                        <a:t>+ </a:t>
+                      </a:r>
+                      <a:r>
+                        <a:rPr lang="es-419" sz="900" dirty="0" err="1"/>
+                        <a:t>getMunicipio</a:t>
+                      </a:r>
+                      <a:r>
+                        <a:rPr lang="es-419" sz="900" dirty="0"/>
+                        <a:t>() : </a:t>
+                      </a:r>
+                      <a:r>
+                        <a:rPr lang="es-419" sz="900" dirty="0" err="1"/>
+                        <a:t>char</a:t>
+                      </a:r>
+                      <a:r>
+                        <a:rPr lang="es-419" sz="900" dirty="0"/>
+                        <a:t>*</a:t>
+                      </a:r>
+                    </a:p>
+                    <a:p>
+                      <a:r>
+                        <a:rPr lang="es-419" sz="900" dirty="0"/>
+                        <a:t>+ </a:t>
+                      </a:r>
+                      <a:r>
+                        <a:rPr lang="es-419" sz="900" dirty="0" err="1"/>
+                        <a:t>getDireccion</a:t>
+                      </a:r>
+                      <a:r>
+                        <a:rPr lang="es-419" sz="900" dirty="0"/>
+                        <a:t>() : </a:t>
+                      </a:r>
+                      <a:r>
+                        <a:rPr lang="es-419" sz="900" dirty="0" err="1"/>
+                        <a:t>char</a:t>
+                      </a:r>
+                      <a:r>
+                        <a:rPr lang="es-419" sz="900" dirty="0"/>
+                        <a:t>*</a:t>
+                      </a:r>
+                    </a:p>
+                    <a:p>
+                      <a:r>
+                        <a:rPr lang="es-419" sz="900" dirty="0"/>
+                        <a:t>+ </a:t>
+                      </a:r>
+                      <a:r>
+                        <a:rPr lang="es-419" sz="900" dirty="0" err="1"/>
+                        <a:t>getTipoAlojamiento</a:t>
+                      </a:r>
+                      <a:r>
+                        <a:rPr lang="es-419" sz="900" dirty="0"/>
+                        <a:t>() : </a:t>
+                      </a:r>
+                      <a:r>
+                        <a:rPr lang="es-419" sz="900" dirty="0" err="1"/>
+                        <a:t>int</a:t>
+                      </a:r>
+                      <a:endParaRPr lang="es-419" sz="900" dirty="0"/>
+                    </a:p>
+                    <a:p>
+                      <a:r>
+                        <a:rPr lang="es-419" sz="900" dirty="0"/>
+                        <a:t>+ </a:t>
+                      </a:r>
+                      <a:r>
+                        <a:rPr lang="es-419" sz="900" dirty="0" err="1"/>
+                        <a:t>getPrecioPorNoche</a:t>
+                      </a:r>
+                      <a:r>
+                        <a:rPr lang="es-419" sz="900" dirty="0"/>
+                        <a:t>() : </a:t>
+                      </a:r>
+                      <a:r>
+                        <a:rPr lang="es-419" sz="900" dirty="0" err="1"/>
+                        <a:t>double</a:t>
+                      </a:r>
+                      <a:endParaRPr lang="es-419" sz="900" dirty="0"/>
+                    </a:p>
+                    <a:p>
+                      <a:r>
+                        <a:rPr lang="es-419" sz="900" dirty="0"/>
+                        <a:t>+ </a:t>
+                      </a:r>
+                      <a:r>
+                        <a:rPr lang="es-419" sz="900" dirty="0" err="1"/>
+                        <a:t>getAmenidades</a:t>
+                      </a:r>
+                      <a:r>
+                        <a:rPr lang="es-419" sz="900" dirty="0"/>
+                        <a:t>() : </a:t>
+                      </a:r>
+                      <a:r>
+                        <a:rPr lang="es-419" sz="900" dirty="0" err="1"/>
+                        <a:t>int</a:t>
+                      </a:r>
+                      <a:endParaRPr lang="es-419" sz="900" dirty="0"/>
+                    </a:p>
+                    <a:p>
+                      <a:r>
+                        <a:rPr lang="es-419" sz="900" dirty="0"/>
+                        <a:t>+ </a:t>
+                      </a:r>
+                      <a:r>
+                        <a:rPr lang="es-419" sz="900" dirty="0" err="1"/>
+                        <a:t>tieneAmenidad</a:t>
+                      </a:r>
+                      <a:r>
+                        <a:rPr lang="es-419" sz="900" dirty="0"/>
+                        <a:t>(id: </a:t>
+                      </a:r>
+                      <a:r>
+                        <a:rPr lang="es-419" sz="900" dirty="0" err="1"/>
+                        <a:t>int</a:t>
+                      </a:r>
+                      <a:r>
+                        <a:rPr lang="es-419" sz="900" dirty="0"/>
+                        <a:t>) : </a:t>
+                      </a:r>
+                      <a:r>
+                        <a:rPr lang="es-419" sz="900" dirty="0" err="1"/>
+                        <a:t>bool</a:t>
+                      </a:r>
+                      <a:endParaRPr lang="es-419" sz="900" dirty="0"/>
+                    </a:p>
+                    <a:p>
+                      <a:r>
+                        <a:rPr lang="es-419" sz="900" dirty="0"/>
+                        <a:t>+ </a:t>
+                      </a:r>
+                      <a:r>
+                        <a:rPr lang="es-419" sz="900" dirty="0" err="1"/>
+                        <a:t>agregarAmenidad</a:t>
+                      </a:r>
+                      <a:r>
+                        <a:rPr lang="es-419" sz="900" dirty="0"/>
+                        <a:t>(id: </a:t>
+                      </a:r>
+                      <a:r>
+                        <a:rPr lang="es-419" sz="900" dirty="0" err="1"/>
+                        <a:t>int</a:t>
+                      </a:r>
+                      <a:r>
+                        <a:rPr lang="es-419" sz="900" dirty="0"/>
+                        <a:t>) : </a:t>
+                      </a:r>
+                      <a:r>
+                        <a:rPr lang="es-419" sz="900" dirty="0" err="1"/>
+                        <a:t>void</a:t>
+                      </a:r>
+                      <a:endParaRPr lang="es-419" sz="900" dirty="0"/>
+                    </a:p>
+                    <a:p>
+                      <a:r>
+                        <a:rPr lang="es-419" sz="900" dirty="0"/>
+                        <a:t>+ </a:t>
+                      </a:r>
+                      <a:r>
+                        <a:rPr lang="es-419" sz="900" dirty="0" err="1"/>
+                        <a:t>quitarAmenidad</a:t>
+                      </a:r>
+                      <a:r>
+                        <a:rPr lang="es-419" sz="900" dirty="0"/>
+                        <a:t>(id: </a:t>
+                      </a:r>
+                      <a:r>
+                        <a:rPr lang="es-419" sz="900" dirty="0" err="1"/>
+                        <a:t>int</a:t>
+                      </a:r>
+                      <a:r>
+                        <a:rPr lang="es-419" sz="900" dirty="0"/>
+                        <a:t>) : </a:t>
+                      </a:r>
+                      <a:r>
+                        <a:rPr lang="es-419" sz="900" dirty="0" err="1"/>
+                        <a:t>void</a:t>
+                      </a:r>
+                      <a:endParaRPr lang="es-419" sz="900" dirty="0"/>
+                    </a:p>
+                    <a:p>
+                      <a:r>
+                        <a:rPr lang="es-419" sz="900" dirty="0"/>
+                        <a:t>+ </a:t>
+                      </a:r>
+                      <a:r>
+                        <a:rPr lang="es-419" sz="900" dirty="0" err="1"/>
+                        <a:t>mostrarAmenidades</a:t>
+                      </a:r>
+                      <a:r>
+                        <a:rPr lang="es-419" sz="900" dirty="0"/>
+                        <a:t>() : </a:t>
+                      </a:r>
+                      <a:r>
+                        <a:rPr lang="es-419" sz="900" dirty="0" err="1"/>
+                        <a:t>void</a:t>
+                      </a:r>
+                      <a:endParaRPr lang="es-419" sz="900" dirty="0"/>
+                    </a:p>
+                    <a:p>
+                      <a:r>
+                        <a:rPr lang="es-419" sz="900" dirty="0"/>
+                        <a:t>+ </a:t>
+                      </a:r>
+                      <a:r>
+                        <a:rPr lang="es-419" sz="900" dirty="0" err="1"/>
+                        <a:t>estaDisponible</a:t>
+                      </a:r>
+                      <a:r>
+                        <a:rPr lang="es-419" sz="900" dirty="0"/>
+                        <a:t>(inicio: Fecha, </a:t>
+                      </a:r>
+                      <a:r>
+                        <a:rPr lang="es-419" sz="900" dirty="0" err="1"/>
+                        <a:t>duracion</a:t>
                       </a:r>
                       <a:r>
                         <a:rPr lang="es-419" sz="900" dirty="0"/>
@@ -4806,23 +5613,34 @@
                       </a:r>
                       <a:r>
                         <a:rPr lang="es-419" sz="900" dirty="0" err="1"/>
-                        <a:t>char</a:t>
-                      </a:r>
-                      <a:r>
-                        <a:rPr lang="es-419" sz="900" dirty="0"/>
-                        <a:t>*, nombre: </a:t>
-                      </a:r>
-                      <a:r>
-                        <a:rPr lang="es-419" sz="900" dirty="0" err="1"/>
-                        <a:t>char</a:t>
-                      </a:r>
-                      <a:r>
-                        <a:rPr lang="es-419" sz="900" dirty="0"/>
-                        <a:t>*, </a:t>
-                      </a:r>
-                      <a:r>
-                        <a:rPr lang="es-419" sz="900" dirty="0" err="1"/>
-                        <a:t>dep</a:t>
+                        <a:t>int</a:t>
+                      </a:r>
+                      <a:r>
+                        <a:rPr lang="es-419" sz="900" dirty="0"/>
+                        <a:t>) : </a:t>
+                      </a:r>
+                      <a:r>
+                        <a:rPr lang="es-419" sz="900" dirty="0" err="1"/>
+                        <a:t>bool</a:t>
+                      </a:r>
+                      <a:endParaRPr lang="es-419" sz="900" dirty="0"/>
+                    </a:p>
+                    <a:p>
+                      <a:r>
+                        <a:rPr lang="es-419" sz="900" dirty="0"/>
+                        <a:t>+ </a:t>
+                      </a:r>
+                      <a:r>
+                        <a:rPr lang="es-419" sz="900" dirty="0" err="1"/>
+                        <a:t>agregarReservacion</a:t>
+                      </a:r>
+                      <a:r>
+                        <a:rPr lang="es-419" sz="900" dirty="0"/>
+                        <a:t>(inicio: Fecha, </a:t>
+                      </a:r>
+                      <a:r>
+                        <a:rPr lang="es-419" sz="900" dirty="0" err="1"/>
+                        <a:t>duracion</a:t>
                       </a:r>
                       <a:r>
                         <a:rPr lang="es-419" sz="900" dirty="0"/>
@@ -4830,15 +5648,34 @@
                       </a:r>
                       <a:r>
                         <a:rPr lang="es-419" sz="900" dirty="0" err="1"/>
-                        <a:t>char</a:t>
-                      </a:r>
-                      <a:r>
-                        <a:rPr lang="es-419" sz="900" dirty="0"/>
-                        <a:t>*, </a:t>
-                      </a:r>
-                      <a:r>
-                        <a:rPr lang="es-419" sz="900" dirty="0" err="1"/>
-                        <a:t>mun</a:t>
+                        <a:t>int</a:t>
+                      </a:r>
+                      <a:r>
+                        <a:rPr lang="es-419" sz="900" dirty="0"/>
+                        <a:t>) : </a:t>
+                      </a:r>
+                      <a:r>
+                        <a:rPr lang="es-419" sz="900" dirty="0" err="1"/>
+                        <a:t>void</a:t>
+                      </a:r>
+                      <a:endParaRPr lang="es-419" sz="900" dirty="0"/>
+                    </a:p>
+                    <a:p>
+                      <a:r>
+                        <a:rPr lang="es-419" sz="900" dirty="0"/>
+                        <a:t>+ </a:t>
+                      </a:r>
+                      <a:r>
+                        <a:rPr lang="es-419" sz="900" dirty="0" err="1"/>
+                        <a:t>eliminarReservacion</a:t>
+                      </a:r>
+                      <a:r>
+                        <a:rPr lang="es-419" sz="900" dirty="0"/>
+                        <a:t>(inicio: Fecha, </a:t>
+                      </a:r>
+                      <a:r>
+                        <a:rPr lang="es-419" sz="900" dirty="0" err="1"/>
+                        <a:t>duracion</a:t>
                       </a:r>
                       <a:r>
                         <a:rPr lang="es-419" sz="900" dirty="0"/>
@@ -4846,51 +5683,49 @@
                       </a:r>
                       <a:r>
                         <a:rPr lang="es-419" sz="900" dirty="0" err="1"/>
-                        <a:t>char</a:t>
-                      </a:r>
-                      <a:r>
-                        <a:rPr lang="es-419" sz="900" dirty="0"/>
-                        <a:t>*, </a:t>
-                      </a:r>
-                      <a:r>
-                        <a:rPr lang="es-419" sz="900" dirty="0" err="1"/>
-                        <a:t>direccion</a:t>
-                      </a:r>
-                      <a:r>
-                        <a:rPr lang="es-419" sz="900" dirty="0"/>
-                        <a:t>: </a:t>
-                      </a:r>
-                      <a:r>
-                        <a:rPr lang="es-419" sz="900" dirty="0" err="1"/>
-                        <a:t>char</a:t>
-                      </a:r>
-                      <a:r>
-                        <a:rPr lang="es-419" sz="900" dirty="0"/>
-                        <a:t>*, tipo: </a:t>
-                      </a:r>
-                      <a:r>
-                        <a:rPr lang="es-419" sz="900" dirty="0" err="1"/>
                         <a:t>int</a:t>
                       </a:r>
                       <a:r>
                         <a:rPr lang="es-419" sz="900" dirty="0"/>
-                        <a:t>, precio: </a:t>
-                      </a:r>
-                      <a:r>
-                        <a:rPr lang="es-419" sz="900" dirty="0" err="1"/>
-                        <a:t>double</a:t>
-                      </a:r>
-                      <a:r>
-                        <a:rPr lang="es-419" sz="900" dirty="0"/>
-                        <a:t>, </a:t>
-                      </a:r>
-                      <a:r>
-                        <a:rPr lang="es-419" sz="900" dirty="0" err="1"/>
-                        <a:t>anfitrion</a:t>
-                      </a:r>
-                      <a:r>
-                        <a:rPr lang="es-419" sz="900" dirty="0"/>
-                        <a:t>: </a:t>
+                        <a:t>) : </a:t>
+                      </a:r>
+                      <a:r>
+                        <a:rPr lang="es-419" sz="900" dirty="0" err="1"/>
+                        <a:t>void</a:t>
+                      </a:r>
+                      <a:endParaRPr lang="es-419" sz="900" dirty="0"/>
+                    </a:p>
+                    <a:p>
+                      <a:r>
+                        <a:rPr lang="es-419" sz="900" dirty="0"/>
+                        <a:t>+ </a:t>
+                      </a:r>
+                      <a:r>
+                        <a:rPr lang="es-419" sz="900" dirty="0" err="1"/>
+                        <a:t>mostrarReservasEnRango</a:t>
+                      </a:r>
+                      <a:r>
+                        <a:rPr lang="es-419" sz="900" dirty="0"/>
+                        <a:t>(desde: Fecha, hasta: Fecha) : </a:t>
+                      </a:r>
+                      <a:r>
+                        <a:rPr lang="es-419" sz="900" dirty="0" err="1"/>
+                        <a:t>void</a:t>
+                      </a:r>
+                      <a:endParaRPr lang="es-419" sz="900" dirty="0"/>
+                    </a:p>
+                    <a:p>
+                      <a:r>
+                        <a:rPr lang="es-419" sz="900" dirty="0"/>
+                        <a:t>+ </a:t>
+                      </a:r>
+                      <a:r>
+                        <a:rPr lang="es-419" sz="900" dirty="0" err="1"/>
+                        <a:t>getAnfitrionResponsable</a:t>
+                      </a:r>
+                      <a:r>
+                        <a:rPr lang="es-419" sz="900" dirty="0"/>
+                        <a:t>() : </a:t>
                       </a:r>
                       <a:r>
                         <a:rPr lang="es-419" sz="900" dirty="0" err="1"/>
@@ -4898,27 +5733,7 @@
                       </a:r>
                       <a:r>
                         <a:rPr lang="es-419" sz="900" dirty="0"/>
-                        <a:t>*)</a:t>
-                      </a:r>
-                    </a:p>
-                    <a:p>
-                      <a:r>
-                        <a:rPr lang="es-419" sz="900" dirty="0"/>
-                        <a:t>+ Alojamiento(</a:t>
-                      </a:r>
-                      <a:r>
-                        <a:rPr lang="es-419" sz="900" dirty="0" err="1"/>
-                        <a:t>const</a:t>
-                      </a:r>
-                      <a:r>
-                        <a:rPr lang="es-419" sz="900" dirty="0"/>
-                        <a:t> Alojamiento&amp; otro)</a:t>
-                      </a:r>
-                    </a:p>
-                    <a:p>
-                      <a:r>
-                        <a:rPr lang="es-419" sz="900" dirty="0"/>
-                        <a:t>+ ~Alojamiento()</a:t>
+                        <a:t>*</a:t>
                       </a:r>
                     </a:p>
                     <a:p>
@@ -4928,20 +5743,17 @@
                       </a:r>
                       <a:r>
                         <a:rPr lang="es-419" sz="900" dirty="0" err="1"/>
-                        <a:t>getCodigo</a:t>
-                      </a:r>
-                      <a:r>
-                        <a:rPr lang="es-419" sz="900" dirty="0"/>
-                        <a:t>(): </a:t>
-                      </a:r>
-                      <a:r>
-                        <a:rPr lang="es-419" sz="900" dirty="0" err="1"/>
-                        <a:t>char</a:t>
-                      </a:r>
-                      <a:r>
-                        <a:rPr lang="es-419" sz="900" dirty="0"/>
-                        <a:t>*</a:t>
-                      </a:r>
+                        <a:t>getTotalAlojamientosCreados</a:t>
+                      </a:r>
+                      <a:r>
+                        <a:rPr lang="es-419" sz="900" dirty="0"/>
+                        <a:t>() : </a:t>
+                      </a:r>
+                      <a:r>
+                        <a:rPr lang="es-419" sz="900" dirty="0" err="1"/>
+                        <a:t>int</a:t>
+                      </a:r>
+                      <a:endParaRPr lang="es-419" sz="900" dirty="0"/>
                     </a:p>
                     <a:p>
                       <a:r>
@@ -4950,484 +5762,15 @@
                       </a:r>
                       <a:r>
                         <a:rPr lang="es-419" sz="900" dirty="0" err="1"/>
-                        <a:t>getNombre</a:t>
-                      </a:r>
-                      <a:r>
-                        <a:rPr lang="es-419" sz="900" dirty="0"/>
-                        <a:t>(): </a:t>
-                      </a:r>
-                      <a:r>
-                        <a:rPr lang="es-419" sz="900" dirty="0" err="1"/>
-                        <a:t>char</a:t>
-                      </a:r>
-                      <a:r>
-                        <a:rPr lang="es-419" sz="900" dirty="0"/>
-                        <a:t>*</a:t>
-                      </a:r>
-                    </a:p>
-                    <a:p>
-                      <a:r>
-                        <a:rPr lang="es-419" sz="900" dirty="0"/>
-                        <a:t>+ </a:t>
-                      </a:r>
-                      <a:r>
-                        <a:rPr lang="es-419" sz="900" dirty="0" err="1"/>
-                        <a:t>getDepartamento</a:t>
-                      </a:r>
-                      <a:r>
-                        <a:rPr lang="es-419" sz="900" dirty="0"/>
-                        <a:t>(): </a:t>
-                      </a:r>
-                      <a:r>
-                        <a:rPr lang="es-419" sz="900" dirty="0" err="1"/>
-                        <a:t>char</a:t>
-                      </a:r>
-                      <a:r>
-                        <a:rPr lang="es-419" sz="900" dirty="0"/>
-                        <a:t>*</a:t>
-                      </a:r>
-                    </a:p>
-                    <a:p>
-                      <a:r>
-                        <a:rPr lang="es-419" sz="900" dirty="0"/>
-                        <a:t>+ </a:t>
-                      </a:r>
-                      <a:r>
-                        <a:rPr lang="es-419" sz="900" dirty="0" err="1"/>
-                        <a:t>getMunicipio</a:t>
-                      </a:r>
-                      <a:r>
-                        <a:rPr lang="es-419" sz="900" dirty="0"/>
-                        <a:t>(): </a:t>
-                      </a:r>
-                      <a:r>
-                        <a:rPr lang="es-419" sz="900" dirty="0" err="1"/>
-                        <a:t>char</a:t>
-                      </a:r>
-                      <a:r>
-                        <a:rPr lang="es-419" sz="900" dirty="0"/>
-                        <a:t>*</a:t>
-                      </a:r>
-                    </a:p>
-                    <a:p>
-                      <a:r>
-                        <a:rPr lang="es-419" sz="900" dirty="0"/>
-                        <a:t>+ </a:t>
-                      </a:r>
-                      <a:r>
-                        <a:rPr lang="es-419" sz="900" dirty="0" err="1"/>
-                        <a:t>getDireccion</a:t>
-                      </a:r>
-                      <a:r>
-                        <a:rPr lang="es-419" sz="900" dirty="0"/>
-                        <a:t>(): </a:t>
-                      </a:r>
-                      <a:r>
-                        <a:rPr lang="es-419" sz="900" dirty="0" err="1"/>
-                        <a:t>char</a:t>
-                      </a:r>
-                      <a:r>
-                        <a:rPr lang="es-419" sz="900" dirty="0"/>
-                        <a:t>*</a:t>
-                      </a:r>
-                    </a:p>
-                    <a:p>
-                      <a:r>
-                        <a:rPr lang="es-419" sz="900" dirty="0"/>
-                        <a:t>+ </a:t>
-                      </a:r>
-                      <a:r>
-                        <a:rPr lang="es-419" sz="900" dirty="0" err="1"/>
-                        <a:t>getTipoAlojamiento</a:t>
-                      </a:r>
-                      <a:r>
-                        <a:rPr lang="es-419" sz="900" dirty="0"/>
-                        <a:t>(): </a:t>
+                        <a:t>getTotalIteraciones</a:t>
+                      </a:r>
+                      <a:r>
+                        <a:rPr lang="es-419" sz="900" dirty="0"/>
+                        <a:t>() : </a:t>
                       </a:r>
                       <a:r>
                         <a:rPr lang="es-419" sz="900" dirty="0" err="1"/>
                         <a:t>int</a:t>
-                      </a:r>
-                      <a:endParaRPr lang="es-419" sz="900" dirty="0"/>
-                    </a:p>
-                    <a:p>
-                      <a:r>
-                        <a:rPr lang="es-419" sz="900" dirty="0"/>
-                        <a:t>+ </a:t>
-                      </a:r>
-                      <a:r>
-                        <a:rPr lang="es-419" sz="900" dirty="0" err="1"/>
-                        <a:t>getPrecioPorNoche</a:t>
-                      </a:r>
-                      <a:r>
-                        <a:rPr lang="es-419" sz="900" dirty="0"/>
-                        <a:t>(): </a:t>
-                      </a:r>
-                      <a:r>
-                        <a:rPr lang="es-419" sz="900" dirty="0" err="1"/>
-                        <a:t>double</a:t>
-                      </a:r>
-                      <a:endParaRPr lang="es-419" sz="900" dirty="0"/>
-                    </a:p>
-                    <a:p>
-                      <a:r>
-                        <a:rPr lang="es-419" sz="900" dirty="0"/>
-                        <a:t>+ </a:t>
-                      </a:r>
-                      <a:r>
-                        <a:rPr lang="es-419" sz="900" dirty="0" err="1"/>
-                        <a:t>getAmenidades</a:t>
-                      </a:r>
-                      <a:r>
-                        <a:rPr lang="es-419" sz="900" dirty="0"/>
-                        <a:t>(): </a:t>
-                      </a:r>
-                      <a:r>
-                        <a:rPr lang="es-419" sz="900" dirty="0" err="1"/>
-                        <a:t>int</a:t>
-                      </a:r>
-                      <a:endParaRPr lang="es-419" sz="900" dirty="0"/>
-                    </a:p>
-                    <a:p>
-                      <a:r>
-                        <a:rPr lang="es-419" sz="900" dirty="0"/>
-                        <a:t>+ </a:t>
-                      </a:r>
-                      <a:r>
-                        <a:rPr lang="es-419" sz="900" dirty="0" err="1"/>
-                        <a:t>tieneAmenidad</a:t>
-                      </a:r>
-                      <a:r>
-                        <a:rPr lang="es-419" sz="900" dirty="0"/>
-                        <a:t>(amenidad: </a:t>
-                      </a:r>
-                      <a:r>
-                        <a:rPr lang="es-419" sz="900" dirty="0" err="1"/>
-                        <a:t>int</a:t>
-                      </a:r>
-                      <a:r>
-                        <a:rPr lang="es-419" sz="900" dirty="0"/>
-                        <a:t>): </a:t>
-                      </a:r>
-                      <a:r>
-                        <a:rPr lang="es-419" sz="900" dirty="0" err="1"/>
-                        <a:t>bool</a:t>
-                      </a:r>
-                      <a:endParaRPr lang="es-419" sz="900" dirty="0"/>
-                    </a:p>
-                    <a:p>
-                      <a:r>
-                        <a:rPr lang="es-419" sz="900" dirty="0"/>
-                        <a:t>+ </a:t>
-                      </a:r>
-                      <a:r>
-                        <a:rPr lang="es-419" sz="900" dirty="0" err="1"/>
-                        <a:t>agregarAmenidad</a:t>
-                      </a:r>
-                      <a:r>
-                        <a:rPr lang="es-419" sz="900" dirty="0"/>
-                        <a:t>(amenidad: </a:t>
-                      </a:r>
-                      <a:r>
-                        <a:rPr lang="es-419" sz="900" dirty="0" err="1"/>
-                        <a:t>int</a:t>
-                      </a:r>
-                      <a:r>
-                        <a:rPr lang="es-419" sz="900" dirty="0"/>
-                        <a:t>): </a:t>
-                      </a:r>
-                      <a:r>
-                        <a:rPr lang="es-419" sz="900" dirty="0" err="1"/>
-                        <a:t>void</a:t>
-                      </a:r>
-                      <a:endParaRPr lang="es-419" sz="900" dirty="0"/>
-                    </a:p>
-                    <a:p>
-                      <a:r>
-                        <a:rPr lang="es-419" sz="900" dirty="0"/>
-                        <a:t>+ </a:t>
-                      </a:r>
-                      <a:r>
-                        <a:rPr lang="es-419" sz="900" dirty="0" err="1"/>
-                        <a:t>quitarAmenidad</a:t>
-                      </a:r>
-                      <a:r>
-                        <a:rPr lang="es-419" sz="900" dirty="0"/>
-                        <a:t>(amenidad: </a:t>
-                      </a:r>
-                      <a:r>
-                        <a:rPr lang="es-419" sz="900" dirty="0" err="1"/>
-                        <a:t>int</a:t>
-                      </a:r>
-                      <a:r>
-                        <a:rPr lang="es-419" sz="900" dirty="0"/>
-                        <a:t>): </a:t>
-                      </a:r>
-                      <a:r>
-                        <a:rPr lang="es-419" sz="900" dirty="0" err="1"/>
-                        <a:t>void</a:t>
-                      </a:r>
-                      <a:endParaRPr lang="es-419" sz="900" dirty="0"/>
-                    </a:p>
-                    <a:p>
-                      <a:r>
-                        <a:rPr lang="es-419" sz="900" dirty="0"/>
-                        <a:t>+ </a:t>
-                      </a:r>
-                      <a:r>
-                        <a:rPr lang="es-419" sz="900" dirty="0" err="1"/>
-                        <a:t>mostrarAmenidades</a:t>
-                      </a:r>
-                      <a:r>
-                        <a:rPr lang="es-419" sz="900" dirty="0"/>
-                        <a:t>(): </a:t>
-                      </a:r>
-                      <a:r>
-                        <a:rPr lang="es-419" sz="900" dirty="0" err="1"/>
-                        <a:t>void</a:t>
-                      </a:r>
-                      <a:endParaRPr lang="es-419" sz="900" dirty="0"/>
-                    </a:p>
-                    <a:p>
-                      <a:r>
-                        <a:rPr lang="es-419" sz="900" dirty="0"/>
-                        <a:t>+ </a:t>
-                      </a:r>
-                      <a:r>
-                        <a:rPr lang="es-419" sz="900" dirty="0" err="1"/>
-                        <a:t>estaDisponible</a:t>
-                      </a:r>
-                      <a:r>
-                        <a:rPr lang="es-419" sz="900" dirty="0"/>
-                        <a:t>(</a:t>
-                      </a:r>
-                      <a:r>
-                        <a:rPr lang="es-419" sz="900" dirty="0" err="1"/>
-                        <a:t>fechaInicio</a:t>
-                      </a:r>
-                      <a:r>
-                        <a:rPr lang="es-419" sz="900" dirty="0"/>
-                        <a:t>: Fecha, </a:t>
-                      </a:r>
-                      <a:r>
-                        <a:rPr lang="es-419" sz="900" dirty="0" err="1"/>
-                        <a:t>duracion</a:t>
-                      </a:r>
-                      <a:r>
-                        <a:rPr lang="es-419" sz="900" dirty="0"/>
-                        <a:t>: </a:t>
-                      </a:r>
-                      <a:r>
-                        <a:rPr lang="es-419" sz="900" dirty="0" err="1"/>
-                        <a:t>int</a:t>
-                      </a:r>
-                      <a:r>
-                        <a:rPr lang="es-419" sz="900" dirty="0"/>
-                        <a:t>): </a:t>
-                      </a:r>
-                      <a:r>
-                        <a:rPr lang="es-419" sz="900" dirty="0" err="1"/>
-                        <a:t>bool</a:t>
-                      </a:r>
-                      <a:endParaRPr lang="es-419" sz="900" dirty="0"/>
-                    </a:p>
-                    <a:p>
-                      <a:r>
-                        <a:rPr lang="es-419" sz="900" dirty="0"/>
-                        <a:t>+ </a:t>
-                      </a:r>
-                      <a:r>
-                        <a:rPr lang="es-419" sz="900" dirty="0" err="1"/>
-                        <a:t>agregarReserva</a:t>
-                      </a:r>
-                      <a:r>
-                        <a:rPr lang="es-419" sz="900" dirty="0"/>
-                        <a:t>(</a:t>
-                      </a:r>
-                      <a:r>
-                        <a:rPr lang="es-419" sz="900" dirty="0" err="1"/>
-                        <a:t>fechaInicio</a:t>
-                      </a:r>
-                      <a:r>
-                        <a:rPr lang="es-419" sz="900" dirty="0"/>
-                        <a:t>: Fecha, </a:t>
-                      </a:r>
-                      <a:r>
-                        <a:rPr lang="es-419" sz="900" dirty="0" err="1"/>
-                        <a:t>duracion</a:t>
-                      </a:r>
-                      <a:r>
-                        <a:rPr lang="es-419" sz="900" dirty="0"/>
-                        <a:t>: </a:t>
-                      </a:r>
-                      <a:r>
-                        <a:rPr lang="es-419" sz="900" dirty="0" err="1"/>
-                        <a:t>int</a:t>
-                      </a:r>
-                      <a:r>
-                        <a:rPr lang="es-419" sz="900" dirty="0"/>
-                        <a:t>): </a:t>
-                      </a:r>
-                      <a:r>
-                        <a:rPr lang="es-419" sz="900" dirty="0" err="1"/>
-                        <a:t>void</a:t>
-                      </a:r>
-                      <a:endParaRPr lang="es-419" sz="900" dirty="0"/>
-                    </a:p>
-                    <a:p>
-                      <a:r>
-                        <a:rPr lang="es-419" sz="900" dirty="0"/>
-                        <a:t>+ </a:t>
-                      </a:r>
-                      <a:r>
-                        <a:rPr lang="es-419" sz="900" dirty="0" err="1"/>
-                        <a:t>eliminarReserva</a:t>
-                      </a:r>
-                      <a:r>
-                        <a:rPr lang="es-419" sz="900" dirty="0"/>
-                        <a:t>(</a:t>
-                      </a:r>
-                      <a:r>
-                        <a:rPr lang="es-419" sz="900" dirty="0" err="1"/>
-                        <a:t>codigoReserva</a:t>
-                      </a:r>
-                      <a:r>
-                        <a:rPr lang="es-419" sz="900" dirty="0"/>
-                        <a:t>: </a:t>
-                      </a:r>
-                      <a:r>
-                        <a:rPr lang="es-419" sz="900" dirty="0" err="1"/>
-                        <a:t>char</a:t>
-                      </a:r>
-                      <a:r>
-                        <a:rPr lang="es-419" sz="900" dirty="0"/>
-                        <a:t>*): </a:t>
-                      </a:r>
-                      <a:r>
-                        <a:rPr lang="es-419" sz="900" dirty="0" err="1"/>
-                        <a:t>void</a:t>
-                      </a:r>
-                      <a:endParaRPr lang="es-419" sz="900" dirty="0"/>
-                    </a:p>
-                    <a:p>
-                      <a:r>
-                        <a:rPr lang="es-419" sz="900" dirty="0"/>
-                        <a:t>+ </a:t>
-                      </a:r>
-                      <a:r>
-                        <a:rPr lang="es-419" sz="900" dirty="0" err="1"/>
-                        <a:t>getAnfitrionResponsable</a:t>
-                      </a:r>
-                      <a:r>
-                        <a:rPr lang="es-419" sz="900" dirty="0"/>
-                        <a:t>(): </a:t>
-                      </a:r>
-                      <a:r>
-                        <a:rPr lang="es-419" sz="900" dirty="0" err="1"/>
-                        <a:t>Anfitrion</a:t>
-                      </a:r>
-                      <a:r>
-                        <a:rPr lang="es-419" sz="900" dirty="0"/>
-                        <a:t>*</a:t>
-                      </a:r>
-                      <a:br>
-                        <a:rPr lang="es-419" sz="900" dirty="0"/>
-                      </a:br>
-                      <a:r>
-                        <a:rPr lang="es-ES" sz="900" dirty="0"/>
-                        <a:t>- </a:t>
-                      </a:r>
-                      <a:r>
-                        <a:rPr lang="es-ES" sz="900" dirty="0" err="1"/>
-                        <a:t>int</a:t>
-                      </a:r>
-                      <a:r>
-                        <a:rPr lang="es-ES" sz="900" dirty="0"/>
-                        <a:t> </a:t>
-                      </a:r>
-                      <a:r>
-                        <a:rPr lang="es-ES" sz="900" dirty="0" err="1"/>
-                        <a:t>buscarReserva</a:t>
-                      </a:r>
-                      <a:r>
-                        <a:rPr lang="es-ES" sz="900" dirty="0"/>
-                        <a:t>(</a:t>
-                      </a:r>
-                      <a:r>
-                        <a:rPr lang="es-ES" sz="900" dirty="0" err="1"/>
-                        <a:t>char</a:t>
-                      </a:r>
-                      <a:r>
-                        <a:rPr lang="es-ES" sz="900" dirty="0"/>
-                        <a:t>* </a:t>
-                      </a:r>
-                      <a:r>
-                        <a:rPr lang="es-ES" sz="900" dirty="0" err="1"/>
-                        <a:t>codigo</a:t>
-                      </a:r>
-                      <a:r>
-                        <a:rPr lang="es-ES" sz="900" dirty="0"/>
-                        <a:t>)</a:t>
-                      </a:r>
-                    </a:p>
-                    <a:p>
-                      <a:r>
-                        <a:rPr lang="es-ES" sz="900" dirty="0"/>
-                        <a:t>- </a:t>
-                      </a:r>
-                      <a:r>
-                        <a:rPr lang="es-ES" sz="900" dirty="0" err="1"/>
-                        <a:t>void</a:t>
-                      </a:r>
-                      <a:r>
-                        <a:rPr lang="es-ES" sz="900" dirty="0"/>
-                        <a:t> </a:t>
-                      </a:r>
-                      <a:r>
-                        <a:rPr lang="es-ES" sz="900" dirty="0" err="1"/>
-                        <a:t>expandirReservas</a:t>
-                      </a:r>
-                      <a:r>
-                        <a:rPr lang="es-ES" sz="900" dirty="0"/>
-                        <a:t>()</a:t>
-                      </a:r>
-                    </a:p>
-                    <a:p>
-                      <a:r>
-                        <a:rPr lang="es-ES" sz="900" dirty="0"/>
-                        <a:t>- </a:t>
-                      </a:r>
-                      <a:r>
-                        <a:rPr lang="es-ES" sz="900" dirty="0" err="1"/>
-                        <a:t>bool</a:t>
-                      </a:r>
-                      <a:r>
-                        <a:rPr lang="es-ES" sz="900" dirty="0"/>
-                        <a:t> </a:t>
-                      </a:r>
-                      <a:r>
-                        <a:rPr lang="es-ES" sz="900" dirty="0" err="1"/>
-                        <a:t>seCruzanFechas</a:t>
-                      </a:r>
-                      <a:r>
-                        <a:rPr lang="es-ES" sz="900" dirty="0"/>
-                        <a:t>(Fecha nueva, </a:t>
-                      </a:r>
-                      <a:r>
-                        <a:rPr lang="es-ES" sz="900" dirty="0" err="1"/>
-                        <a:t>int</a:t>
-                      </a:r>
-                      <a:r>
-                        <a:rPr lang="es-ES" sz="900" dirty="0"/>
-                        <a:t> </a:t>
-                      </a:r>
-                      <a:r>
-                        <a:rPr lang="es-ES" sz="900" dirty="0" err="1"/>
-                        <a:t>duracion</a:t>
-                      </a:r>
-                      <a:r>
-                        <a:rPr lang="es-ES" sz="900" dirty="0"/>
-                        <a:t>)</a:t>
                       </a:r>
                       <a:endParaRPr lang="en-CO" sz="900" dirty="0"/>
                     </a:p>
@@ -5455,14 +5798,13 @@
           </p:cNvPr>
           <p:cNvCxnSpPr>
             <a:cxnSpLocks/>
-            <a:endCxn id="6" idx="2"/>
           </p:cNvCxnSpPr>
           <p:nvPr/>
         </p:nvCxnSpPr>
         <p:spPr>
-          <a:xfrm flipV="1">
-            <a:off x="4572000" y="2278621"/>
-            <a:ext cx="2" cy="68339"/>
+          <a:xfrm>
+            <a:off x="4496879" y="3253981"/>
+            <a:ext cx="0" cy="671649"/>
           </a:xfrm>
           <a:prstGeom prst="line">
             <a:avLst/>
@@ -5546,13 +5888,13 @@
           <p:nvPr>
             <p:extLst>
               <p:ext uri="{D42A27DB-BD31-4B8C-83A1-F6EECF244321}">
-                <p14:modId xmlns:p14="http://schemas.microsoft.com/office/powerpoint/2010/main" val="1481304222"/>
+                <p14:modId xmlns:p14="http://schemas.microsoft.com/office/powerpoint/2010/main" val="2174805787"/>
               </p:ext>
             </p:extLst>
           </p:nvPr>
         </p:nvGraphicFramePr>
         <p:xfrm>
-          <a:off x="6478502" y="6425248"/>
+          <a:off x="6478501" y="6343809"/>
           <a:ext cx="2285551" cy="743902"/>
         </p:xfrm>
         <a:graphic>
@@ -5699,8 +6041,8 @@
         </p:nvCxnSpPr>
         <p:spPr>
           <a:xfrm flipV="1">
-            <a:off x="7621277" y="6234741"/>
-            <a:ext cx="0" cy="190507"/>
+            <a:off x="7621276" y="6097581"/>
+            <a:ext cx="1" cy="246228"/>
           </a:xfrm>
           <a:prstGeom prst="line">
             <a:avLst/>
@@ -6303,14 +6645,14 @@
           <p:nvPr>
             <p:extLst>
               <p:ext uri="{D42A27DB-BD31-4B8C-83A1-F6EECF244321}">
-                <p14:modId xmlns:p14="http://schemas.microsoft.com/office/powerpoint/2010/main" val="366905272"/>
+                <p14:modId xmlns:p14="http://schemas.microsoft.com/office/powerpoint/2010/main" val="2663326357"/>
               </p:ext>
             </p:extLst>
           </p:nvPr>
         </p:nvGraphicFramePr>
         <p:xfrm>
-          <a:off x="4184873" y="839212"/>
-          <a:ext cx="2388550" cy="4046220"/>
+          <a:off x="1068293" y="313432"/>
+          <a:ext cx="2388550" cy="4183380"/>
         </p:xfrm>
         <a:graphic>
           <a:graphicData uri="http://schemas.openxmlformats.org/drawingml/2006/table">
@@ -6365,7 +6707,7 @@
                       </a:r>
                       <a:r>
                         <a:rPr lang="en-US" sz="900" dirty="0"/>
-                        <a:t>: char*</a:t>
+                        <a:t> : char*</a:t>
                       </a:r>
                     </a:p>
                     <a:p>
@@ -6379,7 +6721,7 @@
                       </a:r>
                       <a:r>
                         <a:rPr lang="en-US" sz="900" dirty="0"/>
-                        <a:t>: char*</a:t>
+                        <a:t> : char*</a:t>
                       </a:r>
                     </a:p>
                     <a:p>
@@ -6393,7 +6735,7 @@
                       </a:r>
                       <a:r>
                         <a:rPr lang="en-US" sz="900" dirty="0"/>
-                        <a:t>: int</a:t>
+                        <a:t> : int</a:t>
                       </a:r>
                     </a:p>
                     <a:p>
@@ -6407,7 +6749,7 @@
                       </a:r>
                       <a:r>
                         <a:rPr lang="en-US" sz="900" dirty="0"/>
-                        <a:t>: float</a:t>
+                        <a:t> : float</a:t>
                       </a:r>
                     </a:p>
                     <a:p>
@@ -6421,7 +6763,7 @@
                       </a:r>
                       <a:r>
                         <a:rPr lang="en-US" sz="900" dirty="0"/>
-                        <a:t>: </a:t>
+                        <a:t> : </a:t>
                       </a:r>
                       <a:r>
                         <a:rPr lang="en-US" sz="900" dirty="0" err="1"/>
@@ -6443,7 +6785,7 @@
                       </a:r>
                       <a:r>
                         <a:rPr lang="en-US" sz="900" dirty="0"/>
-                        <a:t>: int</a:t>
+                        <a:t> : int</a:t>
                       </a:r>
                     </a:p>
                     <a:p>
@@ -6457,7 +6799,49 @@
                       </a:r>
                       <a:r>
                         <a:rPr lang="en-US" sz="900" dirty="0"/>
-                        <a:t>: int</a:t>
+                        <a:t> : int</a:t>
+                      </a:r>
+                    </a:p>
+                    <a:p>
+                      <a:r>
+                        <a:rPr lang="en-US" sz="900" dirty="0"/>
+                        <a:t>- static </a:t>
+                      </a:r>
+                      <a:r>
+                        <a:rPr lang="en-US" sz="900" dirty="0" err="1"/>
+                        <a:t>contadorAnfitriones</a:t>
+                      </a:r>
+                      <a:r>
+                        <a:rPr lang="en-US" sz="900" dirty="0"/>
+                        <a:t> : int</a:t>
+                      </a:r>
+                    </a:p>
+                    <a:p>
+                      <a:r>
+                        <a:rPr lang="en-US" sz="900" dirty="0"/>
+                        <a:t>- static </a:t>
+                      </a:r>
+                      <a:r>
+                        <a:rPr lang="en-US" sz="900" dirty="0" err="1"/>
+                        <a:t>totalAnfitrionesCreados</a:t>
+                      </a:r>
+                      <a:r>
+                        <a:rPr lang="en-US" sz="900" dirty="0"/>
+                        <a:t> : int</a:t>
+                      </a:r>
+                    </a:p>
+                    <a:p>
+                      <a:r>
+                        <a:rPr lang="en-US" sz="900" dirty="0"/>
+                        <a:t>- static </a:t>
+                      </a:r>
+                      <a:r>
+                        <a:rPr lang="en-US" sz="900" dirty="0" err="1"/>
+                        <a:t>totalIteracionesEnAlojamientos</a:t>
+                      </a:r>
+                      <a:r>
+                        <a:rPr lang="en-US" sz="900" dirty="0"/>
+                        <a:t> : int</a:t>
                       </a:r>
                       <a:endParaRPr lang="en-CO" sz="900" dirty="0"/>
                     </a:p>
@@ -6486,7 +6870,7 @@
                       </a:r>
                       <a:r>
                         <a:rPr lang="es-419" sz="900" dirty="0"/>
-                        <a:t>(documento: </a:t>
+                        <a:t>(nombre: </a:t>
                       </a:r>
                       <a:r>
                         <a:rPr lang="es-419" sz="900" dirty="0" err="1"/>
@@ -6494,7 +6878,73 @@
                       </a:r>
                       <a:r>
                         <a:rPr lang="es-419" sz="900" dirty="0"/>
-                        <a:t>*, nombre: </a:t>
+                        <a:t>*, </a:t>
+                      </a:r>
+                      <a:r>
+                        <a:rPr lang="es-419" sz="900" dirty="0" err="1"/>
+                        <a:t>antiguedad</a:t>
+                      </a:r>
+                      <a:r>
+                        <a:rPr lang="es-419" sz="900" dirty="0"/>
+                        <a:t>: </a:t>
+                      </a:r>
+                      <a:r>
+                        <a:rPr lang="es-419" sz="900" dirty="0" err="1"/>
+                        <a:t>int</a:t>
+                      </a:r>
+                      <a:r>
+                        <a:rPr lang="es-419" sz="900" dirty="0"/>
+                        <a:t>)</a:t>
+                      </a:r>
+                    </a:p>
+                    <a:p>
+                      <a:r>
+                        <a:rPr lang="es-419" sz="900" dirty="0"/>
+                        <a:t>+ </a:t>
+                      </a:r>
+                      <a:r>
+                        <a:rPr lang="es-419" sz="900" dirty="0" err="1"/>
+                        <a:t>Anfitrion</a:t>
+                      </a:r>
+                      <a:r>
+                        <a:rPr lang="es-419" sz="900" dirty="0"/>
+                        <a:t>(otro: </a:t>
+                      </a:r>
+                      <a:r>
+                        <a:rPr lang="es-419" sz="900" dirty="0" err="1"/>
+                        <a:t>Anfitrion</a:t>
+                      </a:r>
+                      <a:r>
+                        <a:rPr lang="es-419" sz="900" dirty="0"/>
+                        <a:t>)</a:t>
+                      </a:r>
+                    </a:p>
+                    <a:p>
+                      <a:r>
+                        <a:rPr lang="es-419" sz="900" dirty="0"/>
+                        <a:t>+ ~</a:t>
+                      </a:r>
+                      <a:r>
+                        <a:rPr lang="es-419" sz="900" dirty="0" err="1"/>
+                        <a:t>Anfitrion</a:t>
+                      </a:r>
+                      <a:r>
+                        <a:rPr lang="es-419" sz="900" dirty="0"/>
+                        <a:t>()</a:t>
+                      </a:r>
+                    </a:p>
+                    <a:p>
+                      <a:r>
+                        <a:rPr lang="es-419" sz="900" dirty="0"/>
+                        <a:t>+ </a:t>
+                      </a:r>
+                      <a:r>
+                        <a:rPr lang="es-419" sz="900" dirty="0" err="1"/>
+                        <a:t>getDocumentoIdentidad</a:t>
+                      </a:r>
+                      <a:r>
+                        <a:rPr lang="es-419" sz="900" dirty="0"/>
+                        <a:t>() : </a:t>
                       </a:r>
                       <a:r>
                         <a:rPr lang="es-419" sz="900" dirty="0" err="1"/>
@@ -6502,11 +6952,158 @@
                       </a:r>
                       <a:r>
                         <a:rPr lang="es-419" sz="900" dirty="0"/>
-                        <a:t>*, </a:t>
-                      </a:r>
-                      <a:r>
-                        <a:rPr lang="es-419" sz="900" dirty="0" err="1"/>
-                        <a:t>antiguedad</a:t>
+                        <a:t>*</a:t>
+                      </a:r>
+                    </a:p>
+                    <a:p>
+                      <a:r>
+                        <a:rPr lang="es-419" sz="900" dirty="0"/>
+                        <a:t>+ </a:t>
+                      </a:r>
+                      <a:r>
+                        <a:rPr lang="es-419" sz="900" dirty="0" err="1"/>
+                        <a:t>getNombreCompleto</a:t>
+                      </a:r>
+                      <a:r>
+                        <a:rPr lang="es-419" sz="900" dirty="0"/>
+                        <a:t>() : </a:t>
+                      </a:r>
+                      <a:r>
+                        <a:rPr lang="es-419" sz="900" dirty="0" err="1"/>
+                        <a:t>char</a:t>
+                      </a:r>
+                      <a:r>
+                        <a:rPr lang="es-419" sz="900" dirty="0"/>
+                        <a:t>*</a:t>
+                      </a:r>
+                    </a:p>
+                    <a:p>
+                      <a:r>
+                        <a:rPr lang="es-419" sz="900" dirty="0"/>
+                        <a:t>+ </a:t>
+                      </a:r>
+                      <a:r>
+                        <a:rPr lang="es-419" sz="900" dirty="0" err="1"/>
+                        <a:t>getAntiguedadEnMeses</a:t>
+                      </a:r>
+                      <a:r>
+                        <a:rPr lang="es-419" sz="900" dirty="0"/>
+                        <a:t>() : </a:t>
+                      </a:r>
+                      <a:r>
+                        <a:rPr lang="es-419" sz="900" dirty="0" err="1"/>
+                        <a:t>int</a:t>
+                      </a:r>
+                      <a:endParaRPr lang="es-419" sz="900" dirty="0"/>
+                    </a:p>
+                    <a:p>
+                      <a:r>
+                        <a:rPr lang="es-419" sz="900" dirty="0"/>
+                        <a:t>+ </a:t>
+                      </a:r>
+                      <a:r>
+                        <a:rPr lang="es-419" sz="900" dirty="0" err="1"/>
+                        <a:t>getPuntuacion</a:t>
+                      </a:r>
+                      <a:r>
+                        <a:rPr lang="es-419" sz="900" dirty="0"/>
+                        <a:t>() : </a:t>
+                      </a:r>
+                      <a:r>
+                        <a:rPr lang="es-419" sz="900" dirty="0" err="1"/>
+                        <a:t>float</a:t>
+                      </a:r>
+                      <a:endParaRPr lang="es-419" sz="900" dirty="0"/>
+                    </a:p>
+                    <a:p>
+                      <a:r>
+                        <a:rPr lang="es-419" sz="900" dirty="0"/>
+                        <a:t>+ </a:t>
+                      </a:r>
+                      <a:r>
+                        <a:rPr lang="es-419" sz="900" dirty="0" err="1"/>
+                        <a:t>getCantidadAlojamientos</a:t>
+                      </a:r>
+                      <a:r>
+                        <a:rPr lang="es-419" sz="900" dirty="0"/>
+                        <a:t>() : </a:t>
+                      </a:r>
+                      <a:r>
+                        <a:rPr lang="es-419" sz="900" dirty="0" err="1"/>
+                        <a:t>int</a:t>
+                      </a:r>
+                      <a:endParaRPr lang="es-419" sz="900" dirty="0"/>
+                    </a:p>
+                    <a:p>
+                      <a:r>
+                        <a:rPr lang="es-419" sz="900" dirty="0"/>
+                        <a:t>+ </a:t>
+                      </a:r>
+                      <a:r>
+                        <a:rPr lang="es-419" sz="900" dirty="0" err="1"/>
+                        <a:t>setNombreCompleto</a:t>
+                      </a:r>
+                      <a:r>
+                        <a:rPr lang="es-419" sz="900" dirty="0"/>
+                        <a:t>(nombre: </a:t>
+                      </a:r>
+                      <a:r>
+                        <a:rPr lang="es-419" sz="900" dirty="0" err="1"/>
+                        <a:t>char</a:t>
+                      </a:r>
+                      <a:r>
+                        <a:rPr lang="es-419" sz="900" dirty="0"/>
+                        <a:t>*) : </a:t>
+                      </a:r>
+                      <a:r>
+                        <a:rPr lang="es-419" sz="900" dirty="0" err="1"/>
+                        <a:t>void</a:t>
+                      </a:r>
+                      <a:endParaRPr lang="es-419" sz="900" dirty="0"/>
+                    </a:p>
+                    <a:p>
+                      <a:r>
+                        <a:rPr lang="es-419" sz="900" dirty="0"/>
+                        <a:t>+ </a:t>
+                      </a:r>
+                      <a:r>
+                        <a:rPr lang="es-419" sz="900" dirty="0" err="1"/>
+                        <a:t>setPuntuacion</a:t>
+                      </a:r>
+                      <a:r>
+                        <a:rPr lang="es-419" sz="900" dirty="0"/>
+                        <a:t>(p: </a:t>
+                      </a:r>
+                      <a:r>
+                        <a:rPr lang="es-419" sz="900" dirty="0" err="1"/>
+                        <a:t>float</a:t>
+                      </a:r>
+                      <a:r>
+                        <a:rPr lang="es-419" sz="900" dirty="0"/>
+                        <a:t>) : </a:t>
+                      </a:r>
+                      <a:r>
+                        <a:rPr lang="es-419" sz="900" dirty="0" err="1"/>
+                        <a:t>void</a:t>
+                      </a:r>
+                      <a:endParaRPr lang="es-419" sz="900" dirty="0"/>
+                    </a:p>
+                    <a:p>
+                      <a:r>
+                        <a:rPr lang="es-419" sz="900" dirty="0"/>
+                        <a:t>+ </a:t>
+                      </a:r>
+                      <a:r>
+                        <a:rPr lang="es-419" sz="900" dirty="0" err="1"/>
+                        <a:t>setDocumentoIdentidad</a:t>
+                      </a:r>
+                      <a:r>
+                        <a:rPr lang="es-419" sz="900" dirty="0"/>
+                        <a:t>(</a:t>
+                      </a:r>
+                      <a:r>
+                        <a:rPr lang="es-419" sz="900" dirty="0" err="1"/>
+                        <a:t>doc</a:t>
                       </a:r>
                       <a:r>
                         <a:rPr lang="es-419" sz="900" dirty="0"/>
@@ -6514,12 +7111,90 @@
                       </a:r>
                       <a:r>
                         <a:rPr lang="es-419" sz="900" dirty="0" err="1"/>
+                        <a:t>char</a:t>
+                      </a:r>
+                      <a:r>
+                        <a:rPr lang="es-419" sz="900" dirty="0"/>
+                        <a:t>*) : </a:t>
+                      </a:r>
+                      <a:r>
+                        <a:rPr lang="es-419" sz="900" dirty="0" err="1"/>
+                        <a:t>void</a:t>
+                      </a:r>
+                      <a:endParaRPr lang="es-419" sz="900" dirty="0"/>
+                    </a:p>
+                    <a:p>
+                      <a:r>
+                        <a:rPr lang="es-419" sz="900" dirty="0"/>
+                        <a:t>+ </a:t>
+                      </a:r>
+                      <a:r>
+                        <a:rPr lang="es-419" sz="900" dirty="0" err="1"/>
+                        <a:t>agregarAlojamiento</a:t>
+                      </a:r>
+                      <a:r>
+                        <a:rPr lang="es-419" sz="900" dirty="0"/>
+                        <a:t>(a: Alojamiento*) : </a:t>
+                      </a:r>
+                      <a:r>
+                        <a:rPr lang="es-419" sz="900" dirty="0" err="1"/>
+                        <a:t>void</a:t>
+                      </a:r>
+                      <a:endParaRPr lang="es-419" sz="900" dirty="0"/>
+                    </a:p>
+                    <a:p>
+                      <a:r>
+                        <a:rPr lang="es-419" sz="900" dirty="0"/>
+                        <a:t>+ </a:t>
+                      </a:r>
+                      <a:r>
+                        <a:rPr lang="es-419" sz="900" dirty="0" err="1"/>
+                        <a:t>verReservaciones</a:t>
+                      </a:r>
+                      <a:r>
+                        <a:rPr lang="es-419" sz="900" dirty="0"/>
+                        <a:t>(desde: Fecha, hasta: Fecha) : </a:t>
+                      </a:r>
+                      <a:r>
+                        <a:rPr lang="es-419" sz="900" dirty="0" err="1"/>
+                        <a:t>void</a:t>
+                      </a:r>
+                      <a:endParaRPr lang="es-419" sz="900" dirty="0"/>
+                    </a:p>
+                    <a:p>
+                      <a:r>
+                        <a:rPr lang="es-419" sz="900" dirty="0"/>
+                        <a:t>+ </a:t>
+                      </a:r>
+                      <a:r>
+                        <a:rPr lang="es-419" sz="900" dirty="0" err="1"/>
+                        <a:t>anularReservacion</a:t>
+                      </a:r>
+                      <a:r>
+                        <a:rPr lang="es-419" sz="900" dirty="0"/>
+                        <a:t>(inicio: Fecha, </a:t>
+                      </a:r>
+                      <a:r>
+                        <a:rPr lang="es-419" sz="900" dirty="0" err="1"/>
+                        <a:t>duracion</a:t>
+                      </a:r>
+                      <a:r>
+                        <a:rPr lang="es-419" sz="900" dirty="0"/>
+                        <a:t>: </a:t>
+                      </a:r>
+                      <a:r>
+                        <a:rPr lang="es-419" sz="900" dirty="0" err="1"/>
                         <a:t>int</a:t>
                       </a:r>
                       <a:r>
                         <a:rPr lang="es-419" sz="900" dirty="0"/>
-                        <a:t>)</a:t>
-                      </a:r>
+                        <a:t>) : </a:t>
+                      </a:r>
+                      <a:r>
+                        <a:rPr lang="es-419" sz="900" dirty="0" err="1"/>
+                        <a:t>void</a:t>
+                      </a:r>
+                      <a:endParaRPr lang="es-419" sz="900" dirty="0"/>
                     </a:p>
                     <a:p>
                       <a:r>
@@ -6528,42 +7203,17 @@
                       </a:r>
                       <a:r>
                         <a:rPr lang="es-419" sz="900" dirty="0" err="1"/>
-                        <a:t>Anfitrion</a:t>
-                      </a:r>
-                      <a:r>
-                        <a:rPr lang="es-419" sz="900" dirty="0"/>
-                        <a:t>(</a:t>
-                      </a:r>
-                      <a:r>
-                        <a:rPr lang="es-419" sz="900" dirty="0" err="1"/>
-                        <a:t>const</a:t>
-                      </a:r>
-                      <a:r>
-                        <a:rPr lang="es-419" sz="900" dirty="0"/>
-                        <a:t> </a:t>
-                      </a:r>
-                      <a:r>
-                        <a:rPr lang="es-419" sz="900" dirty="0" err="1"/>
-                        <a:t>Anfitrion</a:t>
-                      </a:r>
-                      <a:r>
-                        <a:rPr lang="es-419" sz="900" dirty="0"/>
-                        <a:t>&amp; otro)</a:t>
-                      </a:r>
-                    </a:p>
-                    <a:p>
-                      <a:r>
-                        <a:rPr lang="es-419" sz="900" dirty="0"/>
-                        <a:t>+ ~</a:t>
-                      </a:r>
-                      <a:r>
-                        <a:rPr lang="es-419" sz="900" dirty="0" err="1"/>
-                        <a:t>Anfitrion</a:t>
-                      </a:r>
-                      <a:r>
-                        <a:rPr lang="es-419" sz="900" dirty="0"/>
-                        <a:t>()</a:t>
-                      </a:r>
+                        <a:t>getTotalAnfitrionesCreados</a:t>
+                      </a:r>
+                      <a:r>
+                        <a:rPr lang="es-419" sz="900" dirty="0"/>
+                        <a:t>() : </a:t>
+                      </a:r>
+                      <a:r>
+                        <a:rPr lang="es-419" sz="900" dirty="0" err="1"/>
+                        <a:t>int</a:t>
+                      </a:r>
+                      <a:endParaRPr lang="es-419" sz="900" dirty="0"/>
                     </a:p>
                     <a:p>
                       <a:r>
@@ -6572,336 +7222,15 @@
                       </a:r>
                       <a:r>
                         <a:rPr lang="es-419" sz="900" dirty="0" err="1"/>
-                        <a:t>getDocumentoIdentidad</a:t>
-                      </a:r>
-                      <a:r>
-                        <a:rPr lang="es-419" sz="900" dirty="0"/>
-                        <a:t>(): </a:t>
-                      </a:r>
-                      <a:r>
-                        <a:rPr lang="es-419" sz="900" dirty="0" err="1"/>
-                        <a:t>char</a:t>
-                      </a:r>
-                      <a:r>
-                        <a:rPr lang="es-419" sz="900" dirty="0"/>
-                        <a:t>*</a:t>
-                      </a:r>
-                    </a:p>
-                    <a:p>
-                      <a:r>
-                        <a:rPr lang="es-419" sz="900" dirty="0"/>
-                        <a:t>+ </a:t>
-                      </a:r>
-                      <a:r>
-                        <a:rPr lang="es-419" sz="900" dirty="0" err="1"/>
-                        <a:t>getNombreCompleto</a:t>
-                      </a:r>
-                      <a:r>
-                        <a:rPr lang="es-419" sz="900" dirty="0"/>
-                        <a:t>(): </a:t>
-                      </a:r>
-                      <a:r>
-                        <a:rPr lang="es-419" sz="900" dirty="0" err="1"/>
-                        <a:t>char</a:t>
-                      </a:r>
-                      <a:r>
-                        <a:rPr lang="es-419" sz="900" dirty="0"/>
-                        <a:t>*</a:t>
-                      </a:r>
-                    </a:p>
-                    <a:p>
-                      <a:r>
-                        <a:rPr lang="es-419" sz="900" dirty="0"/>
-                        <a:t>+ </a:t>
-                      </a:r>
-                      <a:r>
-                        <a:rPr lang="es-419" sz="900" dirty="0" err="1"/>
-                        <a:t>setNombreCompleto</a:t>
-                      </a:r>
-                      <a:r>
-                        <a:rPr lang="es-419" sz="900" dirty="0"/>
-                        <a:t>(nombre: </a:t>
-                      </a:r>
-                      <a:r>
-                        <a:rPr lang="es-419" sz="900" dirty="0" err="1"/>
-                        <a:t>char</a:t>
-                      </a:r>
-                      <a:r>
-                        <a:rPr lang="es-419" sz="900" dirty="0"/>
-                        <a:t>*): </a:t>
-                      </a:r>
-                      <a:r>
-                        <a:rPr lang="es-419" sz="900" dirty="0" err="1"/>
-                        <a:t>void</a:t>
-                      </a:r>
-                      <a:endParaRPr lang="es-419" sz="900" dirty="0"/>
-                    </a:p>
-                    <a:p>
-                      <a:r>
-                        <a:rPr lang="es-419" sz="900" dirty="0"/>
-                        <a:t>+ </a:t>
-                      </a:r>
-                      <a:r>
-                        <a:rPr lang="es-419" sz="900" dirty="0" err="1"/>
-                        <a:t>getAntiguedadEnMeses</a:t>
-                      </a:r>
-                      <a:r>
-                        <a:rPr lang="es-419" sz="900" dirty="0"/>
-                        <a:t>(): </a:t>
+                        <a:t>getTotalIteraciones</a:t>
+                      </a:r>
+                      <a:r>
+                        <a:rPr lang="es-419" sz="900" dirty="0"/>
+                        <a:t>() : </a:t>
                       </a:r>
                       <a:r>
                         <a:rPr lang="es-419" sz="900" dirty="0" err="1"/>
                         <a:t>int</a:t>
-                      </a:r>
-                      <a:endParaRPr lang="es-419" sz="900" dirty="0"/>
-                    </a:p>
-                    <a:p>
-                      <a:r>
-                        <a:rPr lang="es-419" sz="900" dirty="0"/>
-                        <a:t>+ </a:t>
-                      </a:r>
-                      <a:r>
-                        <a:rPr lang="es-419" sz="900" dirty="0" err="1"/>
-                        <a:t>getPuntuacion</a:t>
-                      </a:r>
-                      <a:r>
-                        <a:rPr lang="es-419" sz="900" dirty="0"/>
-                        <a:t>(): </a:t>
-                      </a:r>
-                      <a:r>
-                        <a:rPr lang="es-419" sz="900" dirty="0" err="1"/>
-                        <a:t>float</a:t>
-                      </a:r>
-                      <a:endParaRPr lang="es-419" sz="900" dirty="0"/>
-                    </a:p>
-                    <a:p>
-                      <a:r>
-                        <a:rPr lang="es-419" sz="900" dirty="0"/>
-                        <a:t>+ </a:t>
-                      </a:r>
-                      <a:r>
-                        <a:rPr lang="es-419" sz="900" dirty="0" err="1"/>
-                        <a:t>setPuntuacion</a:t>
-                      </a:r>
-                      <a:r>
-                        <a:rPr lang="es-419" sz="900" dirty="0"/>
-                        <a:t>(</a:t>
-                      </a:r>
-                      <a:r>
-                        <a:rPr lang="es-419" sz="900" dirty="0" err="1"/>
-                        <a:t>puntuacion</a:t>
-                      </a:r>
-                      <a:r>
-                        <a:rPr lang="es-419" sz="900" dirty="0"/>
-                        <a:t>: </a:t>
-                      </a:r>
-                      <a:r>
-                        <a:rPr lang="es-419" sz="900" dirty="0" err="1"/>
-                        <a:t>float</a:t>
-                      </a:r>
-                      <a:r>
-                        <a:rPr lang="es-419" sz="900" dirty="0"/>
-                        <a:t>): </a:t>
-                      </a:r>
-                      <a:r>
-                        <a:rPr lang="es-419" sz="900" dirty="0" err="1"/>
-                        <a:t>void</a:t>
-                      </a:r>
-                      <a:endParaRPr lang="es-419" sz="900" dirty="0"/>
-                    </a:p>
-                    <a:p>
-                      <a:r>
-                        <a:rPr lang="es-419" sz="900" dirty="0"/>
-                        <a:t>+ </a:t>
-                      </a:r>
-                      <a:r>
-                        <a:rPr lang="es-419" sz="900" dirty="0" err="1"/>
-                        <a:t>getCantidadAlojamientos</a:t>
-                      </a:r>
-                      <a:r>
-                        <a:rPr lang="es-419" sz="900" dirty="0"/>
-                        <a:t>(): </a:t>
-                      </a:r>
-                      <a:r>
-                        <a:rPr lang="es-419" sz="900" dirty="0" err="1"/>
-                        <a:t>int</a:t>
-                      </a:r>
-                      <a:endParaRPr lang="es-419" sz="900" dirty="0"/>
-                    </a:p>
-                    <a:p>
-                      <a:r>
-                        <a:rPr lang="es-419" sz="900" dirty="0"/>
-                        <a:t>+ </a:t>
-                      </a:r>
-                      <a:r>
-                        <a:rPr lang="es-419" sz="900" dirty="0" err="1"/>
-                        <a:t>agregarAlojamiento</a:t>
-                      </a:r>
-                      <a:r>
-                        <a:rPr lang="es-419" sz="900" dirty="0"/>
-                        <a:t>(alojamiento: Alojamiento*): </a:t>
-                      </a:r>
-                      <a:r>
-                        <a:rPr lang="es-419" sz="900" dirty="0" err="1"/>
-                        <a:t>void</a:t>
-                      </a:r>
-                      <a:endParaRPr lang="es-419" sz="900" dirty="0"/>
-                    </a:p>
-                    <a:p>
-                      <a:r>
-                        <a:rPr lang="es-419" sz="900" dirty="0"/>
-                        <a:t>+ </a:t>
-                      </a:r>
-                      <a:r>
-                        <a:rPr lang="es-419" sz="900" dirty="0" err="1"/>
-                        <a:t>verReservas</a:t>
-                      </a:r>
-                      <a:r>
-                        <a:rPr lang="es-419" sz="900" dirty="0"/>
-                        <a:t>(</a:t>
-                      </a:r>
-                      <a:r>
-                        <a:rPr lang="es-419" sz="900" dirty="0" err="1"/>
-                        <a:t>fechaInicio</a:t>
-                      </a:r>
-                      <a:r>
-                        <a:rPr lang="es-419" sz="900" dirty="0"/>
-                        <a:t>: Fecha, </a:t>
-                      </a:r>
-                      <a:r>
-                        <a:rPr lang="es-419" sz="900" dirty="0" err="1"/>
-                        <a:t>fechaFin</a:t>
-                      </a:r>
-                      <a:r>
-                        <a:rPr lang="es-419" sz="900" dirty="0"/>
-                        <a:t>: Fecha): </a:t>
-                      </a:r>
-                      <a:r>
-                        <a:rPr lang="es-419" sz="900" dirty="0" err="1"/>
-                        <a:t>void</a:t>
-                      </a:r>
-                      <a:endParaRPr lang="es-419" sz="900" dirty="0"/>
-                    </a:p>
-                    <a:p>
-                      <a:r>
-                        <a:rPr lang="es-419" sz="900" dirty="0"/>
-                        <a:t>+ </a:t>
-                      </a:r>
-                      <a:r>
-                        <a:rPr lang="es-419" sz="900" dirty="0" err="1"/>
-                        <a:t>anularReserva</a:t>
-                      </a:r>
-                      <a:r>
-                        <a:rPr lang="es-419" sz="900" dirty="0"/>
-                        <a:t>(</a:t>
-                      </a:r>
-                      <a:r>
-                        <a:rPr lang="es-419" sz="900" dirty="0" err="1"/>
-                        <a:t>codigoReserva</a:t>
-                      </a:r>
-                      <a:r>
-                        <a:rPr lang="es-419" sz="900" dirty="0"/>
-                        <a:t>: </a:t>
-                      </a:r>
-                      <a:r>
-                        <a:rPr lang="es-419" sz="900" dirty="0" err="1"/>
-                        <a:t>char</a:t>
-                      </a:r>
-                      <a:r>
-                        <a:rPr lang="es-419" sz="900" dirty="0"/>
-                        <a:t>*): </a:t>
-                      </a:r>
-                      <a:r>
-                        <a:rPr lang="es-419" sz="900" dirty="0" err="1"/>
-                        <a:t>void</a:t>
-                      </a:r>
-                      <a:br>
-                        <a:rPr lang="es-419" sz="900" dirty="0"/>
-                      </a:br>
-                      <a:r>
-                        <a:rPr lang="es-419" sz="900" dirty="0"/>
-                        <a:t>+ </a:t>
-                      </a:r>
-                      <a:r>
-                        <a:rPr lang="es-419" sz="900" dirty="0" err="1"/>
-                        <a:t>setDocumentoIdentidad</a:t>
-                      </a:r>
-                      <a:r>
-                        <a:rPr lang="es-419" sz="900" dirty="0"/>
-                        <a:t>(documento: </a:t>
-                      </a:r>
-                      <a:r>
-                        <a:rPr lang="es-419" sz="900" dirty="0" err="1"/>
-                        <a:t>char</a:t>
-                      </a:r>
-                      <a:r>
-                        <a:rPr lang="es-419" sz="900" dirty="0"/>
-                        <a:t>*): </a:t>
-                      </a:r>
-                      <a:r>
-                        <a:rPr lang="es-419" sz="900" dirty="0" err="1"/>
-                        <a:t>void</a:t>
-                      </a:r>
-                      <a:br>
-                        <a:rPr lang="es-419" sz="900" dirty="0"/>
-                      </a:br>
-                      <a:r>
-                        <a:rPr lang="es-419" sz="900" dirty="0"/>
-                        <a:t>- </a:t>
-                      </a:r>
-                      <a:r>
-                        <a:rPr lang="es-419" sz="900" dirty="0" err="1"/>
-                        <a:t>int</a:t>
-                      </a:r>
-                      <a:r>
-                        <a:rPr lang="es-419" sz="900" dirty="0"/>
-                        <a:t> </a:t>
-                      </a:r>
-                      <a:r>
-                        <a:rPr lang="es-419" sz="900" dirty="0" err="1"/>
-                        <a:t>buscarAlojamiento</a:t>
-                      </a:r>
-                      <a:r>
-                        <a:rPr lang="es-419" sz="900" dirty="0"/>
-                        <a:t>(</a:t>
-                      </a:r>
-                      <a:r>
-                        <a:rPr lang="es-419" sz="900" dirty="0" err="1"/>
-                        <a:t>char</a:t>
-                      </a:r>
-                      <a:r>
-                        <a:rPr lang="es-419" sz="900" dirty="0"/>
-                        <a:t>* </a:t>
-                      </a:r>
-                      <a:r>
-                        <a:rPr lang="es-419" sz="900" dirty="0" err="1"/>
-                        <a:t>codigo</a:t>
-                      </a:r>
-                      <a:r>
-                        <a:rPr lang="es-419" sz="900" dirty="0"/>
-                        <a:t>)</a:t>
-                      </a:r>
-                    </a:p>
-                    <a:p>
-                      <a:r>
-                        <a:rPr lang="es-419" sz="900" dirty="0"/>
-                        <a:t>- </a:t>
-                      </a:r>
-                      <a:r>
-                        <a:rPr lang="es-419" sz="900" dirty="0" err="1"/>
-                        <a:t>void</a:t>
-                      </a:r>
-                      <a:r>
-                        <a:rPr lang="es-419" sz="900" dirty="0"/>
-                        <a:t> </a:t>
-                      </a:r>
-                      <a:r>
-                        <a:rPr lang="es-419" sz="900" dirty="0" err="1"/>
-                        <a:t>expandirAlojamientos</a:t>
-                      </a:r>
-                      <a:r>
-                        <a:rPr lang="es-419" sz="900" dirty="0"/>
-                        <a:t>()</a:t>
                       </a:r>
                       <a:endParaRPr lang="en-CO" sz="900" dirty="0"/>
                     </a:p>
@@ -6933,14 +7262,14 @@
           <p:nvPr>
             <p:extLst>
               <p:ext uri="{D42A27DB-BD31-4B8C-83A1-F6EECF244321}">
-                <p14:modId xmlns:p14="http://schemas.microsoft.com/office/powerpoint/2010/main" val="3748169277"/>
+                <p14:modId xmlns:p14="http://schemas.microsoft.com/office/powerpoint/2010/main" val="3725905445"/>
               </p:ext>
             </p:extLst>
           </p:nvPr>
         </p:nvGraphicFramePr>
         <p:xfrm>
-          <a:off x="863819" y="4499769"/>
-          <a:ext cx="2388550" cy="4046220"/>
+          <a:off x="3660098" y="3112929"/>
+          <a:ext cx="2388550" cy="4732020"/>
         </p:xfrm>
         <a:graphic>
           <a:graphicData uri="http://schemas.openxmlformats.org/drawingml/2006/table">
@@ -6987,7 +7316,15 @@
                     <a:p>
                       <a:r>
                         <a:rPr lang="es-ES" sz="900" dirty="0"/>
-                        <a:t>- documento: </a:t>
+                        <a:t>- </a:t>
+                      </a:r>
+                      <a:r>
+                        <a:rPr lang="es-ES" sz="900" dirty="0" err="1"/>
+                        <a:t>codigo</a:t>
+                      </a:r>
+                      <a:r>
+                        <a:rPr lang="es-ES" sz="900" dirty="0"/>
+                        <a:t> : </a:t>
                       </a:r>
                       <a:r>
                         <a:rPr lang="es-ES" sz="900" dirty="0" err="1"/>
@@ -7001,7 +7338,15 @@
                     <a:p>
                       <a:r>
                         <a:rPr lang="es-ES" sz="900" dirty="0"/>
-                        <a:t>- nombre: </a:t>
+                        <a:t>- </a:t>
+                      </a:r>
+                      <a:r>
+                        <a:rPr lang="es-ES" sz="900" dirty="0" err="1"/>
+                        <a:t>nombreCompleto</a:t>
+                      </a:r>
+                      <a:r>
+                        <a:rPr lang="es-ES" sz="900" dirty="0"/>
+                        <a:t> : </a:t>
                       </a:r>
                       <a:r>
                         <a:rPr lang="es-ES" sz="900" dirty="0" err="1"/>
@@ -7019,11 +7364,33 @@
                       </a:r>
                       <a:r>
                         <a:rPr lang="es-ES" sz="900" dirty="0" err="1"/>
+                        <a:t>documentoIdentidad</a:t>
+                      </a:r>
+                      <a:r>
+                        <a:rPr lang="es-ES" sz="900" dirty="0"/>
+                        <a:t> : </a:t>
+                      </a:r>
+                      <a:r>
+                        <a:rPr lang="es-ES" sz="900" dirty="0" err="1"/>
+                        <a:t>char</a:t>
+                      </a:r>
+                      <a:r>
+                        <a:rPr lang="es-ES" sz="900" dirty="0"/>
+                        <a:t>*</a:t>
+                      </a:r>
+                    </a:p>
+                    <a:p>
+                      <a:r>
+                        <a:rPr lang="es-ES" sz="900" dirty="0"/>
+                        <a:t>- </a:t>
+                      </a:r>
+                      <a:r>
+                        <a:rPr lang="es-ES" sz="900" dirty="0" err="1"/>
                         <a:t>antiguedadEnMeses</a:t>
                       </a:r>
                       <a:r>
                         <a:rPr lang="es-ES" sz="900" dirty="0"/>
-                        <a:t>: </a:t>
+                        <a:t> : </a:t>
                       </a:r>
                       <a:r>
                         <a:rPr lang="es-ES" sz="900" dirty="0" err="1"/>
@@ -7038,15 +7405,15 @@
                       </a:r>
                       <a:r>
                         <a:rPr lang="es-ES" sz="900" dirty="0" err="1"/>
-                        <a:t>puntuacion</a:t>
+                        <a:t>puntuacionPromedio</a:t>
                       </a:r>
                       <a:r>
                         <a:rPr lang="es-ES" sz="900" dirty="0"/>
-                        <a:t>: </a:t>
+                        <a:t> : </a:t>
                       </a:r>
                       <a:r>
                         <a:rPr lang="es-ES" sz="900" dirty="0" err="1"/>
-                        <a:t>float</a:t>
+                        <a:t>double</a:t>
                       </a:r>
                       <a:endParaRPr lang="es-ES" sz="900" dirty="0"/>
                     </a:p>
@@ -7061,7 +7428,7 @@
                       </a:r>
                       <a:r>
                         <a:rPr lang="es-ES" sz="900" dirty="0"/>
-                        <a:t>: Reserva**</a:t>
+                        <a:t> : Reserva**</a:t>
                       </a:r>
                     </a:p>
                     <a:p>
@@ -7075,7 +7442,7 @@
                       </a:r>
                       <a:r>
                         <a:rPr lang="es-ES" sz="900" dirty="0"/>
-                        <a:t>: </a:t>
+                        <a:t> : </a:t>
                       </a:r>
                       <a:r>
                         <a:rPr lang="es-ES" sz="900" dirty="0" err="1"/>
@@ -7094,7 +7461,88 @@
                       </a:r>
                       <a:r>
                         <a:rPr lang="es-ES" sz="900" dirty="0"/>
-                        <a:t>: </a:t>
+                        <a:t> : </a:t>
+                      </a:r>
+                      <a:r>
+                        <a:rPr lang="es-ES" sz="900" dirty="0" err="1"/>
+                        <a:t>int</a:t>
+                      </a:r>
+                      <a:endParaRPr lang="es-ES" sz="900" dirty="0"/>
+                    </a:p>
+                    <a:p>
+                      <a:r>
+                        <a:rPr lang="es-ES" sz="900" dirty="0"/>
+                        <a:t>- </a:t>
+                      </a:r>
+                      <a:r>
+                        <a:rPr lang="es-ES" sz="900" dirty="0" err="1"/>
+                        <a:t>static</a:t>
+                      </a:r>
+                      <a:r>
+                        <a:rPr lang="es-ES" sz="900" dirty="0"/>
+                        <a:t> </a:t>
+                      </a:r>
+                      <a:r>
+                        <a:rPr lang="es-ES" sz="900" dirty="0" err="1"/>
+                        <a:t>siguienteId</a:t>
+                      </a:r>
+                      <a:r>
+                        <a:rPr lang="es-ES" sz="900" dirty="0"/>
+                        <a:t> : </a:t>
+                      </a:r>
+                      <a:r>
+                        <a:rPr lang="es-ES" sz="900" dirty="0" err="1"/>
+                        <a:t>int</a:t>
+                      </a:r>
+                      <a:endParaRPr lang="es-ES" sz="900" dirty="0"/>
+                    </a:p>
+                    <a:p>
+                      <a:r>
+                        <a:rPr lang="es-ES" sz="900" dirty="0"/>
+                        <a:t>- </a:t>
+                      </a:r>
+                      <a:r>
+                        <a:rPr lang="es-ES" sz="900" dirty="0" err="1"/>
+                        <a:t>static</a:t>
+                      </a:r>
+                      <a:r>
+                        <a:rPr lang="es-ES" sz="900" dirty="0"/>
+                        <a:t> </a:t>
+                      </a:r>
+                      <a:r>
+                        <a:rPr lang="es-ES" sz="900" dirty="0" err="1"/>
+                        <a:t>totalHuespedesCreados</a:t>
+                      </a:r>
+                      <a:r>
+                        <a:rPr lang="es-ES" sz="900" dirty="0"/>
+                        <a:t> : </a:t>
+                      </a:r>
+                      <a:r>
+                        <a:rPr lang="es-ES" sz="900" dirty="0" err="1"/>
+                        <a:t>int</a:t>
+                      </a:r>
+                      <a:endParaRPr lang="es-ES" sz="900" dirty="0"/>
+                    </a:p>
+                    <a:p>
+                      <a:r>
+                        <a:rPr lang="es-ES" sz="900" dirty="0"/>
+                        <a:t>- </a:t>
+                      </a:r>
+                      <a:r>
+                        <a:rPr lang="es-ES" sz="900" dirty="0" err="1"/>
+                        <a:t>static</a:t>
+                      </a:r>
+                      <a:r>
+                        <a:rPr lang="es-ES" sz="900" dirty="0"/>
+                        <a:t> </a:t>
+                      </a:r>
+                      <a:r>
+                        <a:rPr lang="es-ES" sz="900" dirty="0" err="1"/>
+                        <a:t>totalIteracionesEnReservas</a:t>
+                      </a:r>
+                      <a:r>
+                        <a:rPr lang="es-ES" sz="900" dirty="0"/>
+                        <a:t> : </a:t>
                       </a:r>
                       <a:r>
                         <a:rPr lang="es-ES" sz="900" dirty="0" err="1"/>
@@ -7119,13 +7567,19 @@
                     <a:p>
                       <a:r>
                         <a:rPr lang="en-CO" sz="900" dirty="0"/>
-                        <a:t>+ Huesped(documento: char*, nombre: char*, antiguedad: int)</a:t>
+                        <a:t>+ Huesped(nombre, documento, antiguedad, puntuacion)</a:t>
                       </a:r>
                     </a:p>
                     <a:p>
                       <a:r>
                         <a:rPr lang="en-CO" sz="900" dirty="0"/>
-                        <a:t>+ Huesped(const Huesped&amp; otro)</a:t>
+                        <a:t>+ Huesped(otro: Huesped)</a:t>
+                      </a:r>
+                    </a:p>
+                    <a:p>
+                      <a:r>
+                        <a:rPr lang="en-CO" sz="900" dirty="0"/>
+                        <a:t>+ operator=(otro: Huesped) : Huesped&amp;</a:t>
                       </a:r>
                     </a:p>
                     <a:p>
@@ -7137,144 +7591,533 @@
                     <a:p>
                       <a:r>
                         <a:rPr lang="en-CO" sz="900" dirty="0"/>
-                        <a:t>+ getDocumentoIdentidad(): char*</a:t>
+                        <a:t>+ getCodigo() : const char*</a:t>
                       </a:r>
                     </a:p>
                     <a:p>
                       <a:r>
                         <a:rPr lang="en-CO" sz="900" dirty="0"/>
-                        <a:t>+ getNombreCompleto(): char*</a:t>
+                        <a:t>+ getNombreCompleto() : const char*</a:t>
                       </a:r>
                     </a:p>
                     <a:p>
                       <a:r>
                         <a:rPr lang="en-CO" sz="900" dirty="0"/>
-                        <a:t>+ setNombreCompleto(nombre: char*): void</a:t>
+                        <a:t>+ getDocumentoIdentidad() : const char*</a:t>
                       </a:r>
                     </a:p>
                     <a:p>
                       <a:r>
                         <a:rPr lang="en-CO" sz="900" dirty="0"/>
-                        <a:t>+ getAntiguedadEnMeses(): int</a:t>
+                        <a:t>+ getAntiguedadEnMeses() : int</a:t>
                       </a:r>
                     </a:p>
                     <a:p>
                       <a:r>
                         <a:rPr lang="en-CO" sz="900" dirty="0"/>
-                        <a:t>+ getPuntuacion(): float</a:t>
+                        <a:t>+ getPuntuacionPromedio() : double</a:t>
                       </a:r>
                     </a:p>
                     <a:p>
                       <a:r>
                         <a:rPr lang="en-CO" sz="900" dirty="0"/>
-                        <a:t>+ setPuntuacion(puntuacion: float): void</a:t>
+                        <a:t>+ getCantidadReservas() : int</a:t>
                       </a:r>
                     </a:p>
                     <a:p>
                       <a:r>
                         <a:rPr lang="en-CO" sz="900" dirty="0"/>
-                        <a:t>+ getCantidadReservas(): int</a:t>
+                        <a:t>+ getReserva(indice: int) : Reserva*</a:t>
                       </a:r>
                     </a:p>
                     <a:p>
                       <a:r>
                         <a:rPr lang="en-CO" sz="900" dirty="0"/>
-                        <a:t>+ puedeReservar(fechaInicio: Fecha, duracion: int): bool</a:t>
+                        <a:t>+ agregarReserva(r: Reserva*) : void</a:t>
                       </a:r>
                     </a:p>
                     <a:p>
                       <a:r>
                         <a:rPr lang="en-CO" sz="900" dirty="0"/>
-                        <a:t>+ agregarReserva(reserva: Reserva*): void</a:t>
+                        <a:t>+ anularReservacion(fecha: Fecha, duracion: int) : void</a:t>
                       </a:r>
                     </a:p>
                     <a:p>
                       <a:r>
                         <a:rPr lang="en-CO" sz="900" dirty="0"/>
-                        <a:t>+ anularReserva(codigoReserva: char*): void</a:t>
+                        <a:t>+ mostrarReservas() : void</a:t>
                       </a:r>
                     </a:p>
                     <a:p>
                       <a:r>
                         <a:rPr lang="en-CO" sz="900" dirty="0"/>
-                        <a:t>+ consultarReservas(): void</a:t>
-                      </a:r>
-                      <a:br>
-                        <a:rPr lang="en-US" sz="900" dirty="0"/>
-                      </a:br>
-                      <a:r>
-                        <a:rPr lang="en-US" sz="900" dirty="0"/>
-                        <a:t>- int </a:t>
+                        <a:t>+ verificaCruce(inicio: Fecha, duracion: int) : bool</a:t>
+                      </a:r>
+                    </a:p>
+                    <a:p>
+                      <a:r>
+                        <a:rPr lang="en-CO" sz="900" dirty="0"/>
+                        <a:t>+ imprimirResumen() : void</a:t>
+                      </a:r>
+                    </a:p>
+                    <a:p>
+                      <a:r>
+                        <a:rPr lang="en-CO" sz="900" dirty="0"/>
+                        <a:t>+ getTotalHuespedesCreados() : int</a:t>
+                      </a:r>
+                    </a:p>
+                    <a:p>
+                      <a:r>
+                        <a:rPr lang="en-CO" sz="900" dirty="0"/>
+                        <a:t>+ getTotalIteraciones() : int</a:t>
+                      </a:r>
+                    </a:p>
+                  </a:txBody>
+                  <a:tcPr marL="68580" marR="68580" marT="34290" marB="34290"/>
+                </a:tc>
+                <a:extLst>
+                  <a:ext uri="{0D108BD9-81ED-4DB2-BD59-A6C34878D82A}">
+                    <a16:rowId xmlns:a16="http://schemas.microsoft.com/office/drawing/2014/main" val="2815277544"/>
+                  </a:ext>
+                </a:extLst>
+              </a:tr>
+            </a:tbl>
+          </a:graphicData>
+        </a:graphic>
+      </p:graphicFrame>
+      <p:graphicFrame>
+        <p:nvGraphicFramePr>
+          <p:cNvPr id="2" name="Table 1">
+            <a:extLst>
+              <a:ext uri="{FF2B5EF4-FFF2-40B4-BE49-F238E27FC236}">
+                <a16:creationId xmlns:a16="http://schemas.microsoft.com/office/drawing/2014/main" id="{89096B0C-70CD-B0F5-E1B8-E45E7C27390A}"/>
+              </a:ext>
+            </a:extLst>
+          </p:cNvPr>
+          <p:cNvGraphicFramePr>
+            <a:graphicFrameLocks noGrp="1"/>
+          </p:cNvGraphicFramePr>
+          <p:nvPr>
+            <p:extLst>
+              <p:ext uri="{D42A27DB-BD31-4B8C-83A1-F6EECF244321}">
+                <p14:modId xmlns:p14="http://schemas.microsoft.com/office/powerpoint/2010/main" val="3434376494"/>
+              </p:ext>
+            </p:extLst>
+          </p:nvPr>
+        </p:nvGraphicFramePr>
+        <p:xfrm>
+          <a:off x="6251903" y="1928019"/>
+          <a:ext cx="2388550" cy="4732020"/>
+        </p:xfrm>
+        <a:graphic>
+          <a:graphicData uri="http://schemas.openxmlformats.org/drawingml/2006/table">
+            <a:tbl>
+              <a:tblPr firstRow="1" bandRow="1">
+                <a:tableStyleId>{5940675A-B579-460E-94D1-54222C63F5DA}</a:tableStyleId>
+              </a:tblPr>
+              <a:tblGrid>
+                <a:gridCol w="2388550">
+                  <a:extLst>
+                    <a:ext uri="{9D8B030D-6E8A-4147-A177-3AD203B41FA5}">
+                      <a16:colId xmlns:a16="http://schemas.microsoft.com/office/drawing/2014/main" val="2587242417"/>
+                    </a:ext>
+                  </a:extLst>
+                </a:gridCol>
+              </a:tblGrid>
+              <a:tr h="122419">
+                <a:tc>
+                  <a:txBody>
+                    <a:bodyPr/>
+                    <a:lstStyle/>
+                    <a:p>
+                      <a:pPr algn="ctr"/>
+                      <a:r>
+                        <a:rPr lang="es-419" sz="900" dirty="0" err="1"/>
+                        <a:t>UdeAStay</a:t>
+                      </a:r>
+                      <a:endParaRPr lang="en-CO" sz="900" dirty="0"/>
+                    </a:p>
+                  </a:txBody>
+                  <a:tcPr marL="68580" marR="68580" marT="34290" marB="34290"/>
+                </a:tc>
+                <a:extLst>
+                  <a:ext uri="{0D108BD9-81ED-4DB2-BD59-A6C34878D82A}">
+                    <a16:rowId xmlns:a16="http://schemas.microsoft.com/office/drawing/2014/main" val="3263559475"/>
+                  </a:ext>
+                </a:extLst>
+              </a:tr>
+              <a:tr h="640080">
+                <a:tc>
+                  <a:txBody>
+                    <a:bodyPr/>
+                    <a:lstStyle/>
+                    <a:p>
+                      <a:r>
+                        <a:rPr lang="en-US" sz="900" dirty="0"/>
+                        <a:t>- </a:t>
                       </a:r>
                       <a:r>
                         <a:rPr lang="en-US" sz="900" dirty="0" err="1"/>
-                        <a:t>buscarReserva</a:t>
-                      </a:r>
-                      <a:r>
-                        <a:rPr lang="en-US" sz="900" dirty="0"/>
-                        <a:t>(char* </a:t>
+                        <a:t>listaAnfitriones</a:t>
+                      </a:r>
+                      <a:r>
+                        <a:rPr lang="en-US" sz="900" dirty="0"/>
+                        <a:t> : </a:t>
                       </a:r>
                       <a:r>
                         <a:rPr lang="en-US" sz="900" dirty="0" err="1"/>
-                        <a:t>codigo</a:t>
-                      </a:r>
-                      <a:r>
-                        <a:rPr lang="en-US" sz="900" dirty="0"/>
-                        <a:t>)</a:t>
-                      </a:r>
-                    </a:p>
-                    <a:p>
-                      <a:r>
-                        <a:rPr lang="en-US" sz="900" dirty="0"/>
-                        <a:t>- bool </a:t>
+                        <a:t>Anfitrion</a:t>
+                      </a:r>
+                      <a:r>
+                        <a:rPr lang="en-US" sz="900" dirty="0"/>
+                        <a:t>**</a:t>
+                      </a:r>
+                    </a:p>
+                    <a:p>
+                      <a:r>
+                        <a:rPr lang="en-US" sz="900" dirty="0"/>
+                        <a:t>- </a:t>
                       </a:r>
                       <a:r>
                         <a:rPr lang="en-US" sz="900" dirty="0" err="1"/>
-                        <a:t>fechasSolapadas</a:t>
-                      </a:r>
-                      <a:r>
-                        <a:rPr lang="en-US" sz="900" dirty="0"/>
-                        <a:t>(</a:t>
+                        <a:t>listaHuespedes</a:t>
+                      </a:r>
+                      <a:r>
+                        <a:rPr lang="en-US" sz="900" dirty="0"/>
+                        <a:t> : </a:t>
+                      </a:r>
+                      <a:r>
+                        <a:rPr lang="en-US" sz="900" dirty="0" err="1"/>
+                        <a:t>Huesped</a:t>
+                      </a:r>
+                      <a:r>
+                        <a:rPr lang="en-US" sz="900" dirty="0"/>
+                        <a:t>**</a:t>
+                      </a:r>
+                    </a:p>
+                    <a:p>
+                      <a:r>
+                        <a:rPr lang="en-US" sz="900" dirty="0"/>
+                        <a:t>- </a:t>
+                      </a:r>
+                      <a:r>
+                        <a:rPr lang="en-US" sz="900" dirty="0" err="1"/>
+                        <a:t>listaAlojamientos</a:t>
+                      </a:r>
+                      <a:r>
+                        <a:rPr lang="en-US" sz="900" dirty="0"/>
+                        <a:t> : </a:t>
+                      </a:r>
+                      <a:r>
+                        <a:rPr lang="en-US" sz="900" dirty="0" err="1"/>
+                        <a:t>Alojamiento</a:t>
+                      </a:r>
+                      <a:r>
+                        <a:rPr lang="en-US" sz="900" dirty="0"/>
+                        <a:t>**</a:t>
+                      </a:r>
+                    </a:p>
+                    <a:p>
+                      <a:r>
+                        <a:rPr lang="en-US" sz="900" dirty="0"/>
+                        <a:t>- </a:t>
+                      </a:r>
+                      <a:r>
+                        <a:rPr lang="en-US" sz="900" dirty="0" err="1"/>
+                        <a:t>listaReservasVigentes</a:t>
+                      </a:r>
+                      <a:r>
+                        <a:rPr lang="en-US" sz="900" dirty="0"/>
+                        <a:t> : </a:t>
+                      </a:r>
+                      <a:r>
+                        <a:rPr lang="en-US" sz="900" dirty="0" err="1"/>
+                        <a:t>Reserva</a:t>
+                      </a:r>
+                      <a:r>
+                        <a:rPr lang="en-US" sz="900" dirty="0"/>
+                        <a:t>**</a:t>
+                      </a:r>
+                    </a:p>
+                    <a:p>
+                      <a:r>
+                        <a:rPr lang="en-US" sz="900" dirty="0"/>
+                        <a:t>- </a:t>
+                      </a:r>
+                      <a:r>
+                        <a:rPr lang="en-US" sz="900" dirty="0" err="1"/>
+                        <a:t>listaReservasHistoricas</a:t>
+                      </a:r>
+                      <a:r>
+                        <a:rPr lang="en-US" sz="900" dirty="0"/>
+                        <a:t> : </a:t>
+                      </a:r>
+                      <a:r>
+                        <a:rPr lang="en-US" sz="900" dirty="0" err="1"/>
+                        <a:t>Reserva</a:t>
+                      </a:r>
+                      <a:r>
+                        <a:rPr lang="en-US" sz="900" dirty="0"/>
+                        <a:t>**</a:t>
+                      </a:r>
+                    </a:p>
+                    <a:p>
+                      <a:r>
+                        <a:rPr lang="en-US" sz="900" dirty="0"/>
+                        <a:t>- </a:t>
+                      </a:r>
+                      <a:r>
+                        <a:rPr lang="en-US" sz="900" dirty="0" err="1"/>
+                        <a:t>fechaCorte</a:t>
+                      </a:r>
+                      <a:r>
+                        <a:rPr lang="en-US" sz="900" dirty="0"/>
+                        <a:t> : </a:t>
                       </a:r>
                       <a:r>
                         <a:rPr lang="en-US" sz="900" dirty="0" err="1"/>
                         <a:t>Fecha</a:t>
                       </a:r>
-                      <a:r>
-                        <a:rPr lang="en-US" sz="900" dirty="0"/>
-                        <a:t> </a:t>
+                      <a:endParaRPr lang="en-US" sz="900" dirty="0"/>
+                    </a:p>
+                    <a:p>
+                      <a:r>
+                        <a:rPr lang="en-US" sz="900" dirty="0"/>
+                        <a:t>- </a:t>
                       </a:r>
                       <a:r>
                         <a:rPr lang="en-US" sz="900" dirty="0" err="1"/>
-                        <a:t>inicio</a:t>
-                      </a:r>
-                      <a:r>
-                        <a:rPr lang="en-US" sz="900" dirty="0"/>
-                        <a:t>, int </a:t>
+                        <a:t>cantidadXXX</a:t>
+                      </a:r>
+                      <a:r>
+                        <a:rPr lang="en-US" sz="900" dirty="0"/>
+                        <a:t>/</a:t>
                       </a:r>
                       <a:r>
                         <a:rPr lang="en-US" sz="900" dirty="0" err="1"/>
-                        <a:t>duracion</a:t>
-                      </a:r>
-                      <a:r>
-                        <a:rPr lang="en-US" sz="900" dirty="0"/>
-                        <a:t>)</a:t>
-                      </a:r>
-                    </a:p>
-                    <a:p>
-                      <a:r>
-                        <a:rPr lang="en-US" sz="900" dirty="0"/>
-                        <a:t>- void </a:t>
+                        <a:t>capacidadXXX</a:t>
+                      </a:r>
+                      <a:r>
+                        <a:rPr lang="en-US" sz="900" dirty="0"/>
+                        <a:t> : int  (5 pares)</a:t>
+                      </a:r>
+                    </a:p>
+                    <a:p>
+                      <a:r>
+                        <a:rPr lang="en-US" sz="900" dirty="0"/>
+                        <a:t>- </a:t>
                       </a:r>
                       <a:r>
                         <a:rPr lang="en-US" sz="900" dirty="0" err="1"/>
-                        <a:t>expandirReservas</a:t>
-                      </a:r>
-                      <a:r>
-                        <a:rPr lang="en-US" sz="900" dirty="0"/>
-                        <a:t>()</a:t>
+                        <a:t>anfitrionActivo</a:t>
+                      </a:r>
+                      <a:r>
+                        <a:rPr lang="en-US" sz="900" dirty="0"/>
+                        <a:t> : </a:t>
+                      </a:r>
+                      <a:r>
+                        <a:rPr lang="en-US" sz="900" dirty="0" err="1"/>
+                        <a:t>Anfitrion</a:t>
+                      </a:r>
+                      <a:r>
+                        <a:rPr lang="en-US" sz="900" dirty="0"/>
+                        <a:t>*</a:t>
+                      </a:r>
+                    </a:p>
+                    <a:p>
+                      <a:r>
+                        <a:rPr lang="en-US" sz="900" dirty="0"/>
+                        <a:t>- </a:t>
+                      </a:r>
+                      <a:r>
+                        <a:rPr lang="en-US" sz="900" dirty="0" err="1"/>
+                        <a:t>huespedActivo</a:t>
+                      </a:r>
+                      <a:r>
+                        <a:rPr lang="en-US" sz="900" dirty="0"/>
+                        <a:t> : </a:t>
+                      </a:r>
+                      <a:r>
+                        <a:rPr lang="en-US" sz="900" dirty="0" err="1"/>
+                        <a:t>Huesped</a:t>
+                      </a:r>
+                      <a:r>
+                        <a:rPr lang="en-US" sz="900" dirty="0"/>
+                        <a:t>*</a:t>
+                      </a:r>
+                    </a:p>
+                    <a:p>
+                      <a:r>
+                        <a:rPr lang="en-US" sz="900" dirty="0"/>
+                        <a:t>- </a:t>
+                      </a:r>
+                      <a:r>
+                        <a:rPr lang="en-US" sz="900" dirty="0" err="1"/>
+                        <a:t>totalIteraciones</a:t>
+                      </a:r>
+                      <a:r>
+                        <a:rPr lang="en-US" sz="900" dirty="0"/>
+                        <a:t> : long</a:t>
+                      </a:r>
+                    </a:p>
+                    <a:p>
+                      <a:r>
+                        <a:rPr lang="en-US" sz="900" dirty="0"/>
+                        <a:t>- </a:t>
+                      </a:r>
+                      <a:r>
+                        <a:rPr lang="en-US" sz="900" dirty="0" err="1"/>
+                        <a:t>totalMemoria</a:t>
+                      </a:r>
+                      <a:r>
+                        <a:rPr lang="en-US" sz="900" dirty="0"/>
+                        <a:t> : long</a:t>
+                      </a:r>
+                    </a:p>
+                    <a:p>
+                      <a:r>
+                        <a:rPr lang="en-US" sz="900" dirty="0"/>
+                        <a:t>- </a:t>
+                      </a:r>
+                      <a:r>
+                        <a:rPr lang="en-US" sz="900" dirty="0" err="1"/>
+                        <a:t>archivosAbiertos</a:t>
+                      </a:r>
+                      <a:r>
+                        <a:rPr lang="en-US" sz="900" dirty="0"/>
+                        <a:t> : int</a:t>
+                      </a:r>
+                    </a:p>
+                    <a:p>
+                      <a:r>
+                        <a:rPr lang="en-US" sz="900" dirty="0"/>
+                        <a:t>- </a:t>
+                      </a:r>
+                      <a:r>
+                        <a:rPr lang="en-US" sz="900" dirty="0" err="1"/>
+                        <a:t>lineasLeidas</a:t>
+                      </a:r>
+                      <a:r>
+                        <a:rPr lang="en-US" sz="900" dirty="0"/>
+                        <a:t> : int</a:t>
                       </a:r>
                       <a:endParaRPr lang="en-CO" sz="900" dirty="0"/>
+                    </a:p>
+                  </a:txBody>
+                  <a:tcPr marL="68580" marR="68580" marT="34290" marB="34290"/>
+                </a:tc>
+                <a:extLst>
+                  <a:ext uri="{0D108BD9-81ED-4DB2-BD59-A6C34878D82A}">
+                    <a16:rowId xmlns:a16="http://schemas.microsoft.com/office/drawing/2014/main" val="2954312317"/>
+                  </a:ext>
+                </a:extLst>
+              </a:tr>
+              <a:tr h="1097280">
+                <a:tc>
+                  <a:txBody>
+                    <a:bodyPr/>
+                    <a:lstStyle/>
+                    <a:p>
+                      <a:r>
+                        <a:rPr lang="en-CO" sz="900" dirty="0"/>
+                        <a:t>+ UdeAStay()</a:t>
+                      </a:r>
+                    </a:p>
+                    <a:p>
+                      <a:r>
+                        <a:rPr lang="en-CO" sz="900" dirty="0"/>
+                        <a:t>+ ~UdeAStay()</a:t>
+                      </a:r>
+                    </a:p>
+                    <a:p>
+                      <a:r>
+                        <a:rPr lang="en-CO" sz="900" dirty="0"/>
+                        <a:t>+ buscarAlojamientos(...)</a:t>
+                      </a:r>
+                    </a:p>
+                    <a:p>
+                      <a:r>
+                        <a:rPr lang="en-CO" sz="900" dirty="0"/>
+                        <a:t>+ cargarDatosDesdeArchivos()</a:t>
+                      </a:r>
+                    </a:p>
+                    <a:p>
+                      <a:r>
+                        <a:rPr lang="en-CO" sz="900" dirty="0"/>
+                        <a:t>+ guardarDatosEnArchivos()</a:t>
+                      </a:r>
+                    </a:p>
+                    <a:p>
+                      <a:r>
+                        <a:rPr lang="en-CO" sz="900" dirty="0"/>
+                        <a:t>+ iniciarSesion(documento, tipoUsuario) : bool</a:t>
+                      </a:r>
+                    </a:p>
+                    <a:p>
+                      <a:r>
+                        <a:rPr lang="en-CO" sz="900" dirty="0"/>
+                        <a:t>+ cerrarSesion() : void</a:t>
+                      </a:r>
+                    </a:p>
+                    <a:p>
+                      <a:r>
+                        <a:rPr lang="en-CO" sz="900" dirty="0"/>
+                        <a:t>+ crearReserva(...)</a:t>
+                      </a:r>
+                    </a:p>
+                    <a:p>
+                      <a:r>
+                        <a:rPr lang="en-CO" sz="900" dirty="0"/>
+                        <a:t>+ anularReserva(codigo) : void</a:t>
+                      </a:r>
+                    </a:p>
+                    <a:p>
+                      <a:r>
+                        <a:rPr lang="en-CO" sz="900" dirty="0"/>
+                        <a:t>+ consultarReservasAnfitrion(...)</a:t>
+                      </a:r>
+                    </a:p>
+                    <a:p>
+                      <a:r>
+                        <a:rPr lang="en-CO" sz="900" dirty="0"/>
+                        <a:t>+ actualizarHistorico(nuevaFechaCorte) : void</a:t>
+                      </a:r>
+                    </a:p>
+                    <a:p>
+                      <a:r>
+                        <a:rPr lang="en-CO" sz="900" dirty="0"/>
+                        <a:t>+ medirConsumoDeRecursos() : void</a:t>
+                      </a:r>
+                    </a:p>
+                    <a:p>
+                      <a:r>
+                        <a:rPr lang="en-CO" sz="900" dirty="0"/>
+                        <a:t>+ mostrarResumenDatos() : void</a:t>
+                      </a:r>
+                    </a:p>
+                    <a:p>
+                      <a:r>
+                        <a:rPr lang="en-CO" sz="900" dirty="0"/>
+                        <a:t>+ mostrarReservasHuespedActivo() : void</a:t>
+                      </a:r>
+                    </a:p>
+                    <a:p>
+                      <a:r>
+                        <a:rPr lang="en-CO" sz="900" dirty="0"/>
+                        <a:t>+ getCantidadXxx() : int (5 métodos)</a:t>
+                      </a:r>
+                    </a:p>
+                    <a:p>
+                      <a:r>
+                        <a:rPr lang="en-CO" sz="900" dirty="0"/>
+                        <a:t>+ getHuespedActivo() : Huesped*</a:t>
+                      </a:r>
+                    </a:p>
+                    <a:p>
+                      <a:r>
+                        <a:rPr lang="en-CO" sz="900" dirty="0"/>
+                        <a:t>+ getAnfitrionActivo() : Anfitrion*</a:t>
+                      </a:r>
                     </a:p>
                   </a:txBody>
                   <a:tcPr marL="68580" marR="68580" marT="34290" marB="34290"/>
@@ -7615,4 +8458,319 @@
     </a:ext>
   </a:extLst>
 </a:theme>
+</file>
+
+<file path=ppt/theme/theme2.xml><?xml version="1.0" encoding="utf-8"?>
+<a:theme xmlns:a="http://schemas.openxmlformats.org/drawingml/2006/main" name="Office Theme">
+  <a:themeElements>
+    <a:clrScheme name="Office">
+      <a:dk1>
+        <a:sysClr val="windowText" lastClr="000000"/>
+      </a:dk1>
+      <a:lt1>
+        <a:sysClr val="window" lastClr="FFFFFF"/>
+      </a:lt1>
+      <a:dk2>
+        <a:srgbClr val="0E2841"/>
+      </a:dk2>
+      <a:lt2>
+        <a:srgbClr val="E8E8E8"/>
+      </a:lt2>
+      <a:accent1>
+        <a:srgbClr val="156082"/>
+      </a:accent1>
+      <a:accent2>
+        <a:srgbClr val="E97132"/>
+      </a:accent2>
+      <a:accent3>
+        <a:srgbClr val="196B24"/>
+      </a:accent3>
+      <a:accent4>
+        <a:srgbClr val="0F9ED5"/>
+      </a:accent4>
+      <a:accent5>
+        <a:srgbClr val="A02B93"/>
+      </a:accent5>
+      <a:accent6>
+        <a:srgbClr val="4EA72E"/>
+      </a:accent6>
+      <a:hlink>
+        <a:srgbClr val="467886"/>
+      </a:hlink>
+      <a:folHlink>
+        <a:srgbClr val="96607D"/>
+      </a:folHlink>
+    </a:clrScheme>
+    <a:fontScheme name="Office">
+      <a:majorFont>
+        <a:latin typeface="Aptos Display" panose="02110004020202020204"/>
+        <a:ea typeface=""/>
+        <a:cs typeface=""/>
+        <a:font script="Jpan" typeface="游ゴシック Light"/>
+        <a:font script="Hang" typeface="맑은 고딕"/>
+        <a:font script="Hans" typeface="等线 Light"/>
+        <a:font script="Hant" typeface="新細明體"/>
+        <a:font script="Arab" typeface="Times New Roman"/>
+        <a:font script="Hebr" typeface="Times New Roman"/>
+        <a:font script="Thai" typeface="Angsana New"/>
+        <a:font script="Ethi" typeface="Nyala"/>
+        <a:font script="Beng" typeface="Vrinda"/>
+        <a:font script="Gujr" typeface="Shruti"/>
+        <a:font script="Khmr" typeface="MoolBoran"/>
+        <a:font script="Knda" typeface="Tunga"/>
+        <a:font script="Guru" typeface="Raavi"/>
+        <a:font script="Cans" typeface="Euphemia"/>
+        <a:font script="Cher" typeface="Plantagenet Cherokee"/>
+        <a:font script="Yiii" typeface="Microsoft Yi Baiti"/>
+        <a:font script="Tibt" typeface="Microsoft Himalaya"/>
+        <a:font script="Thaa" typeface="MV Boli"/>
+        <a:font script="Deva" typeface="Mangal"/>
+        <a:font script="Telu" typeface="Gautami"/>
+        <a:font script="Taml" typeface="Latha"/>
+        <a:font script="Syrc" typeface="Estrangelo Edessa"/>
+        <a:font script="Orya" typeface="Kalinga"/>
+        <a:font script="Mlym" typeface="Kartika"/>
+        <a:font script="Laoo" typeface="DokChampa"/>
+        <a:font script="Sinh" typeface="Iskoola Pota"/>
+        <a:font script="Mong" typeface="Mongolian Baiti"/>
+        <a:font script="Viet" typeface="Times New Roman"/>
+        <a:font script="Uigh" typeface="Microsoft Uighur"/>
+        <a:font script="Geor" typeface="Sylfaen"/>
+        <a:font script="Armn" typeface="Arial"/>
+        <a:font script="Bugi" typeface="Leelawadee UI"/>
+        <a:font script="Bopo" typeface="Microsoft JhengHei"/>
+        <a:font script="Java" typeface="Javanese Text"/>
+        <a:font script="Lisu" typeface="Segoe UI"/>
+        <a:font script="Mymr" typeface="Myanmar Text"/>
+        <a:font script="Nkoo" typeface="Ebrima"/>
+        <a:font script="Olck" typeface="Nirmala UI"/>
+        <a:font script="Osma" typeface="Ebrima"/>
+        <a:font script="Phag" typeface="Phagspa"/>
+        <a:font script="Syrn" typeface="Estrangelo Edessa"/>
+        <a:font script="Syrj" typeface="Estrangelo Edessa"/>
+        <a:font script="Syre" typeface="Estrangelo Edessa"/>
+        <a:font script="Sora" typeface="Nirmala UI"/>
+        <a:font script="Tale" typeface="Microsoft Tai Le"/>
+        <a:font script="Talu" typeface="Microsoft New Tai Lue"/>
+        <a:font script="Tfng" typeface="Ebrima"/>
+      </a:majorFont>
+      <a:minorFont>
+        <a:latin typeface="Aptos" panose="02110004020202020204"/>
+        <a:ea typeface=""/>
+        <a:cs typeface=""/>
+        <a:font script="Jpan" typeface="游ゴシック"/>
+        <a:font script="Hang" typeface="맑은 고딕"/>
+        <a:font script="Hans" typeface="等线"/>
+        <a:font script="Hant" typeface="新細明體"/>
+        <a:font script="Arab" typeface="Arial"/>
+        <a:font script="Hebr" typeface="Arial"/>
+        <a:font script="Thai" typeface="Cordia New"/>
+        <a:font script="Ethi" typeface="Nyala"/>
+        <a:font script="Beng" typeface="Vrinda"/>
+        <a:font script="Gujr" typeface="Shruti"/>
+        <a:font script="Khmr" typeface="DaunPenh"/>
+        <a:font script="Knda" typeface="Tunga"/>
+        <a:font script="Guru" typeface="Raavi"/>
+        <a:font script="Cans" typeface="Euphemia"/>
+        <a:font script="Cher" typeface="Plantagenet Cherokee"/>
+        <a:font script="Yiii" typeface="Microsoft Yi Baiti"/>
+        <a:font script="Tibt" typeface="Microsoft Himalaya"/>
+        <a:font script="Thaa" typeface="MV Boli"/>
+        <a:font script="Deva" typeface="Mangal"/>
+        <a:font script="Telu" typeface="Gautami"/>
+        <a:font script="Taml" typeface="Latha"/>
+        <a:font script="Syrc" typeface="Estrangelo Edessa"/>
+        <a:font script="Orya" typeface="Kalinga"/>
+        <a:font script="Mlym" typeface="Kartika"/>
+        <a:font script="Laoo" typeface="DokChampa"/>
+        <a:font script="Sinh" typeface="Iskoola Pota"/>
+        <a:font script="Mong" typeface="Mongolian Baiti"/>
+        <a:font script="Viet" typeface="Arial"/>
+        <a:font script="Uigh" typeface="Microsoft Uighur"/>
+        <a:font script="Geor" typeface="Sylfaen"/>
+        <a:font script="Armn" typeface="Arial"/>
+        <a:font script="Bugi" typeface="Leelawadee UI"/>
+        <a:font script="Bopo" typeface="Microsoft JhengHei"/>
+        <a:font script="Java" typeface="Javanese Text"/>
+        <a:font script="Lisu" typeface="Segoe UI"/>
+        <a:font script="Mymr" typeface="Myanmar Text"/>
+        <a:font script="Nkoo" typeface="Ebrima"/>
+        <a:font script="Olck" typeface="Nirmala UI"/>
+        <a:font script="Osma" typeface="Ebrima"/>
+        <a:font script="Phag" typeface="Phagspa"/>
+        <a:font script="Syrn" typeface="Estrangelo Edessa"/>
+        <a:font script="Syrj" typeface="Estrangelo Edessa"/>
+        <a:font script="Syre" typeface="Estrangelo Edessa"/>
+        <a:font script="Sora" typeface="Nirmala UI"/>
+        <a:font script="Tale" typeface="Microsoft Tai Le"/>
+        <a:font script="Talu" typeface="Microsoft New Tai Lue"/>
+        <a:font script="Tfng" typeface="Ebrima"/>
+      </a:minorFont>
+    </a:fontScheme>
+    <a:fmtScheme name="Office">
+      <a:fillStyleLst>
+        <a:solidFill>
+          <a:schemeClr val="phClr"/>
+        </a:solidFill>
+        <a:gradFill rotWithShape="1">
+          <a:gsLst>
+            <a:gs pos="0">
+              <a:schemeClr val="phClr">
+                <a:lumMod val="110000"/>
+                <a:satMod val="105000"/>
+                <a:tint val="67000"/>
+              </a:schemeClr>
+            </a:gs>
+            <a:gs pos="50000">
+              <a:schemeClr val="phClr">
+                <a:lumMod val="105000"/>
+                <a:satMod val="103000"/>
+                <a:tint val="73000"/>
+              </a:schemeClr>
+            </a:gs>
+            <a:gs pos="100000">
+              <a:schemeClr val="phClr">
+                <a:lumMod val="105000"/>
+                <a:satMod val="109000"/>
+                <a:tint val="81000"/>
+              </a:schemeClr>
+            </a:gs>
+          </a:gsLst>
+          <a:lin ang="5400000" scaled="0"/>
+        </a:gradFill>
+        <a:gradFill rotWithShape="1">
+          <a:gsLst>
+            <a:gs pos="0">
+              <a:schemeClr val="phClr">
+                <a:satMod val="103000"/>
+                <a:lumMod val="102000"/>
+                <a:tint val="94000"/>
+              </a:schemeClr>
+            </a:gs>
+            <a:gs pos="50000">
+              <a:schemeClr val="phClr">
+                <a:satMod val="110000"/>
+                <a:lumMod val="100000"/>
+                <a:shade val="100000"/>
+              </a:schemeClr>
+            </a:gs>
+            <a:gs pos="100000">
+              <a:schemeClr val="phClr">
+                <a:lumMod val="99000"/>
+                <a:satMod val="120000"/>
+                <a:shade val="78000"/>
+              </a:schemeClr>
+            </a:gs>
+          </a:gsLst>
+          <a:lin ang="5400000" scaled="0"/>
+        </a:gradFill>
+      </a:fillStyleLst>
+      <a:lnStyleLst>
+        <a:ln w="12700" cap="flat" cmpd="sng" algn="ctr">
+          <a:solidFill>
+            <a:schemeClr val="phClr"/>
+          </a:solidFill>
+          <a:prstDash val="solid"/>
+          <a:miter lim="800000"/>
+        </a:ln>
+        <a:ln w="19050" cap="flat" cmpd="sng" algn="ctr">
+          <a:solidFill>
+            <a:schemeClr val="phClr"/>
+          </a:solidFill>
+          <a:prstDash val="solid"/>
+          <a:miter lim="800000"/>
+        </a:ln>
+        <a:ln w="25400" cap="flat" cmpd="sng" algn="ctr">
+          <a:solidFill>
+            <a:schemeClr val="phClr"/>
+          </a:solidFill>
+          <a:prstDash val="solid"/>
+          <a:miter lim="800000"/>
+        </a:ln>
+      </a:lnStyleLst>
+      <a:effectStyleLst>
+        <a:effectStyle>
+          <a:effectLst/>
+        </a:effectStyle>
+        <a:effectStyle>
+          <a:effectLst/>
+        </a:effectStyle>
+        <a:effectStyle>
+          <a:effectLst>
+            <a:outerShdw blurRad="57150" dist="19050" dir="5400000" algn="ctr" rotWithShape="0">
+              <a:srgbClr val="000000">
+                <a:alpha val="63000"/>
+              </a:srgbClr>
+            </a:outerShdw>
+          </a:effectLst>
+        </a:effectStyle>
+      </a:effectStyleLst>
+      <a:bgFillStyleLst>
+        <a:solidFill>
+          <a:schemeClr val="phClr"/>
+        </a:solidFill>
+        <a:solidFill>
+          <a:schemeClr val="phClr">
+            <a:tint val="95000"/>
+            <a:satMod val="170000"/>
+          </a:schemeClr>
+        </a:solidFill>
+        <a:gradFill rotWithShape="1">
+          <a:gsLst>
+            <a:gs pos="0">
+              <a:schemeClr val="phClr">
+                <a:tint val="93000"/>
+                <a:satMod val="150000"/>
+                <a:shade val="98000"/>
+                <a:lumMod val="102000"/>
+              </a:schemeClr>
+            </a:gs>
+            <a:gs pos="50000">
+              <a:schemeClr val="phClr">
+                <a:tint val="98000"/>
+                <a:satMod val="130000"/>
+                <a:shade val="90000"/>
+                <a:lumMod val="103000"/>
+              </a:schemeClr>
+            </a:gs>
+            <a:gs pos="100000">
+              <a:schemeClr val="phClr">
+                <a:shade val="63000"/>
+                <a:satMod val="120000"/>
+              </a:schemeClr>
+            </a:gs>
+          </a:gsLst>
+          <a:lin ang="5400000" scaled="0"/>
+        </a:gradFill>
+      </a:bgFillStyleLst>
+    </a:fmtScheme>
+  </a:themeElements>
+  <a:objectDefaults>
+    <a:lnDef>
+      <a:spPr/>
+      <a:bodyPr/>
+      <a:lstStyle/>
+      <a:style>
+        <a:lnRef idx="2">
+          <a:schemeClr val="accent1"/>
+        </a:lnRef>
+        <a:fillRef idx="0">
+          <a:schemeClr val="accent1"/>
+        </a:fillRef>
+        <a:effectRef idx="1">
+          <a:schemeClr val="accent1"/>
+        </a:effectRef>
+        <a:fontRef idx="minor">
+          <a:schemeClr val="tx1"/>
+        </a:fontRef>
+      </a:style>
+    </a:lnDef>
+  </a:objectDefaults>
+  <a:extraClrSchemeLst/>
+  <a:extLst>
+    <a:ext uri="{05A4C25C-085E-4340-85A3-A5531E510DB2}">
+      <thm15:themeFamily xmlns:thm15="http://schemas.microsoft.com/office/thememl/2012/main" name="Office Theme" id="{2E142A2C-CD16-42D6-873A-C26D2A0506FA}" vid="{1BDDFF52-6CD6-40A5-AB3C-68EB2F1E4D0A}"/>
+    </a:ext>
+  </a:extLst>
+</a:theme>
 </file>